--- a/Tesis_mas_resumen/Plantilla_tapa/Versiones/Tapa_dura/17X24 PLANTILLA MANDAR TAPA DURA BUENA_version_2.pptx
+++ b/Tesis_mas_resumen/Plantilla_tapa/Versiones/Tapa_dura/17X24 PLANTILLA MANDAR TAPA DURA BUENA_version_2.pptx
@@ -34,7 +34,7 @@
       </p:grpSpPr>
       <p:sp>
         <p:nvSpPr>
-          <p:cNvPr id="38" name="PlaceHolder 1"/>
+          <p:cNvPr id="36" name="PlaceHolder 1"/>
           <p:cNvSpPr>
             <a:spLocks noGrp="1"/>
           </p:cNvSpPr>
@@ -69,7 +69,7 @@
       </p:sp>
       <p:sp>
         <p:nvSpPr>
-          <p:cNvPr id="39" name="PlaceHolder 2"/>
+          <p:cNvPr id="37" name="PlaceHolder 2"/>
           <p:cNvSpPr>
             <a:spLocks noGrp="1"/>
           </p:cNvSpPr>
@@ -93,79 +93,7 @@
               <a:rPr b="0" lang="es-ES" sz="2000" spc="-1" strike="noStrike">
                 <a:latin typeface="Arial"/>
               </a:rPr>
-              <a:t>Pulse </a:t>
-            </a:r>
-            <a:r>
-              <a:rPr b="0" lang="es-ES" sz="2000" spc="-1" strike="noStrike">
-                <a:latin typeface="Arial"/>
-              </a:rPr>
-              <a:t>par</a:t>
-            </a:r>
-            <a:r>
-              <a:rPr b="0" lang="es-ES" sz="2000" spc="-1" strike="noStrike">
-                <a:latin typeface="Arial"/>
-              </a:rPr>
-              <a:t>a </a:t>
-            </a:r>
-            <a:r>
-              <a:rPr b="0" lang="es-ES" sz="2000" spc="-1" strike="noStrike">
-                <a:latin typeface="Arial"/>
-              </a:rPr>
-              <a:t>edit</a:t>
-            </a:r>
-            <a:r>
-              <a:rPr b="0" lang="es-ES" sz="2000" spc="-1" strike="noStrike">
-                <a:latin typeface="Arial"/>
-              </a:rPr>
-              <a:t>ar </a:t>
-            </a:r>
-            <a:r>
-              <a:rPr b="0" lang="es-ES" sz="2000" spc="-1" strike="noStrike">
-                <a:latin typeface="Arial"/>
-              </a:rPr>
-              <a:t>el </a:t>
-            </a:r>
-            <a:r>
-              <a:rPr b="0" lang="es-ES" sz="2000" spc="-1" strike="noStrike">
-                <a:latin typeface="Arial"/>
-              </a:rPr>
-              <a:t>for</a:t>
-            </a:r>
-            <a:r>
-              <a:rPr b="0" lang="es-ES" sz="2000" spc="-1" strike="noStrike">
-                <a:latin typeface="Arial"/>
-              </a:rPr>
-              <a:t>mat</a:t>
-            </a:r>
-            <a:r>
-              <a:rPr b="0" lang="es-ES" sz="2000" spc="-1" strike="noStrike">
-                <a:latin typeface="Arial"/>
-              </a:rPr>
-              <a:t>o </a:t>
-            </a:r>
-            <a:r>
-              <a:rPr b="0" lang="es-ES" sz="2000" spc="-1" strike="noStrike">
-                <a:latin typeface="Arial"/>
-              </a:rPr>
-              <a:t>de </a:t>
-            </a:r>
-            <a:r>
-              <a:rPr b="0" lang="es-ES" sz="2000" spc="-1" strike="noStrike">
-                <a:latin typeface="Arial"/>
-              </a:rPr>
-              <a:t>las </a:t>
-            </a:r>
-            <a:r>
-              <a:rPr b="0" lang="es-ES" sz="2000" spc="-1" strike="noStrike">
-                <a:latin typeface="Arial"/>
-              </a:rPr>
-              <a:t>not</a:t>
-            </a:r>
-            <a:r>
-              <a:rPr b="0" lang="es-ES" sz="2000" spc="-1" strike="noStrike">
-                <a:latin typeface="Arial"/>
-              </a:rPr>
-              <a:t>as</a:t>
+              <a:t>Pulse para editar el formato de las notas</a:t>
             </a:r>
             <a:endParaRPr b="0" lang="es-ES" sz="2000" spc="-1" strike="noStrike">
               <a:latin typeface="Arial"/>
@@ -175,7 +103,7 @@
       </p:sp>
       <p:sp>
         <p:nvSpPr>
-          <p:cNvPr id="40" name="PlaceHolder 3"/>
+          <p:cNvPr id="38" name="PlaceHolder 3"/>
           <p:cNvSpPr>
             <a:spLocks noGrp="1"/>
           </p:cNvSpPr>
@@ -199,7 +127,7 @@
               <a:rPr b="0" lang="es-ES" sz="1400" spc="-1" strike="noStrike">
                 <a:latin typeface="Times New Roman"/>
               </a:rPr>
-              <a:t> </a:t>
+              <a:t>&lt;cabecera&gt;</a:t>
             </a:r>
             <a:endParaRPr b="0" lang="es-ES" sz="1400" spc="-1" strike="noStrike">
               <a:latin typeface="Times New Roman"/>
@@ -209,7 +137,7 @@
       </p:sp>
       <p:sp>
         <p:nvSpPr>
-          <p:cNvPr id="41" name="PlaceHolder 4"/>
+          <p:cNvPr id="39" name="PlaceHolder 4"/>
           <p:cNvSpPr>
             <a:spLocks noGrp="1"/>
           </p:cNvSpPr>
@@ -234,7 +162,7 @@
               <a:rPr b="0" lang="es-ES" sz="1400" spc="-1" strike="noStrike">
                 <a:latin typeface="Times New Roman"/>
               </a:rPr>
-              <a:t> </a:t>
+              <a:t>&lt;fecha/hora&gt;</a:t>
             </a:r>
             <a:endParaRPr b="0" lang="es-ES" sz="1400" spc="-1" strike="noStrike">
               <a:latin typeface="Times New Roman"/>
@@ -244,7 +172,7 @@
       </p:sp>
       <p:sp>
         <p:nvSpPr>
-          <p:cNvPr id="42" name="PlaceHolder 5"/>
+          <p:cNvPr id="40" name="PlaceHolder 5"/>
           <p:cNvSpPr>
             <a:spLocks noGrp="1"/>
           </p:cNvSpPr>
@@ -268,7 +196,7 @@
               <a:rPr b="0" lang="es-ES" sz="1400" spc="-1" strike="noStrike">
                 <a:latin typeface="Times New Roman"/>
               </a:rPr>
-              <a:t> </a:t>
+              <a:t>&lt;pie de página&gt;</a:t>
             </a:r>
             <a:endParaRPr b="0" lang="es-ES" sz="1400" spc="-1" strike="noStrike">
               <a:latin typeface="Times New Roman"/>
@@ -278,7 +206,7 @@
       </p:sp>
       <p:sp>
         <p:nvSpPr>
-          <p:cNvPr id="43" name="PlaceHolder 6"/>
+          <p:cNvPr id="41" name="PlaceHolder 6"/>
           <p:cNvSpPr>
             <a:spLocks noGrp="1"/>
           </p:cNvSpPr>
@@ -299,11 +227,11 @@
           <a:bodyPr lIns="0" rIns="0" tIns="0" bIns="0" anchor="b"/>
           <a:p>
             <a:pPr algn="r"/>
-            <a:fld id="{30C49B2D-48FC-44B4-A5F1-EA2A4C231530}" type="slidenum">
+            <a:fld id="{28E3E4B4-4D89-48DC-B4E0-DDADC9427B69}" type="slidenum">
               <a:rPr b="0" lang="es-ES" sz="1400" spc="-1" strike="noStrike">
                 <a:latin typeface="Times New Roman"/>
               </a:rPr>
-              <a:t>1</a:t>
+              <a:t>&lt;número&gt;</a:t>
             </a:fld>
             <a:endParaRPr b="0" lang="es-ES" sz="1400" spc="-1" strike="noStrike">
               <a:latin typeface="Times New Roman"/>
@@ -336,7 +264,7 @@
       </p:grpSpPr>
       <p:sp>
         <p:nvSpPr>
-          <p:cNvPr id="64" name="PlaceHolder 1"/>
+          <p:cNvPr id="62" name="PlaceHolder 1"/>
           <p:cNvSpPr>
             <a:spLocks noGrp="1"/>
           </p:cNvSpPr>
@@ -347,16 +275,16 @@
         <p:spPr>
           <a:xfrm>
             <a:off x="3181320" y="512640"/>
-            <a:ext cx="3618360" cy="2559600"/>
-          </a:xfrm>
-          <a:prstGeom prst="rect">
-            <a:avLst/>
-          </a:prstGeom>
-        </p:spPr>
-      </p:sp>
-      <p:sp>
-        <p:nvSpPr>
-          <p:cNvPr id="65" name="PlaceHolder 2"/>
+            <a:ext cx="3618000" cy="2559240"/>
+          </a:xfrm>
+          <a:prstGeom prst="rect">
+            <a:avLst/>
+          </a:prstGeom>
+        </p:spPr>
+      </p:sp>
+      <p:sp>
+        <p:nvSpPr>
+          <p:cNvPr id="63" name="PlaceHolder 2"/>
           <p:cNvSpPr>
             <a:spLocks noGrp="1"/>
           </p:cNvSpPr>
@@ -367,7 +295,7 @@
         <p:spPr>
           <a:xfrm>
             <a:off x="999000" y="3246480"/>
-            <a:ext cx="7981560" cy="3074040"/>
+            <a:ext cx="7981200" cy="3073680"/>
           </a:xfrm>
           <a:prstGeom prst="rect">
             <a:avLst/>
@@ -384,14 +312,14 @@
       </p:sp>
       <p:sp>
         <p:nvSpPr>
-          <p:cNvPr id="66" name="CustomShape 3"/>
+          <p:cNvPr id="64" name="CustomShape 3"/>
           <p:cNvSpPr/>
           <p:nvPr/>
         </p:nvSpPr>
         <p:spPr>
           <a:xfrm>
             <a:off x="5653800" y="6491880"/>
-            <a:ext cx="4321440" cy="339480"/>
+            <a:ext cx="4321080" cy="339120"/>
           </a:xfrm>
           <a:prstGeom prst="rect">
             <a:avLst/>
@@ -454,7 +382,7 @@
       </p:grpSpPr>
       <p:sp>
         <p:nvSpPr>
-          <p:cNvPr id="23" name="PlaceHolder 1"/>
+          <p:cNvPr id="21" name="PlaceHolder 1"/>
           <p:cNvSpPr>
             <a:spLocks noGrp="1"/>
           </p:cNvSpPr>
@@ -483,7 +411,7 @@
       </p:sp>
       <p:sp>
         <p:nvSpPr>
-          <p:cNvPr id="24" name="PlaceHolder 2"/>
+          <p:cNvPr id="22" name="PlaceHolder 2"/>
           <p:cNvSpPr>
             <a:spLocks noGrp="1"/>
           </p:cNvSpPr>
@@ -513,7 +441,7 @@
       </p:sp>
       <p:sp>
         <p:nvSpPr>
-          <p:cNvPr id="25" name="PlaceHolder 3"/>
+          <p:cNvPr id="23" name="PlaceHolder 3"/>
           <p:cNvSpPr>
             <a:spLocks noGrp="1"/>
           </p:cNvSpPr>
@@ -565,7 +493,7 @@
       </p:grpSpPr>
       <p:sp>
         <p:nvSpPr>
-          <p:cNvPr id="26" name="PlaceHolder 1"/>
+          <p:cNvPr id="24" name="PlaceHolder 1"/>
           <p:cNvSpPr>
             <a:spLocks noGrp="1"/>
           </p:cNvSpPr>
@@ -594,7 +522,7 @@
       </p:sp>
       <p:sp>
         <p:nvSpPr>
-          <p:cNvPr id="27" name="PlaceHolder 2"/>
+          <p:cNvPr id="25" name="PlaceHolder 2"/>
           <p:cNvSpPr>
             <a:spLocks noGrp="1"/>
           </p:cNvSpPr>
@@ -624,7 +552,7 @@
       </p:sp>
       <p:sp>
         <p:nvSpPr>
-          <p:cNvPr id="28" name="PlaceHolder 3"/>
+          <p:cNvPr id="26" name="PlaceHolder 3"/>
           <p:cNvSpPr>
             <a:spLocks noGrp="1"/>
           </p:cNvSpPr>
@@ -654,7 +582,7 @@
       </p:sp>
       <p:sp>
         <p:nvSpPr>
-          <p:cNvPr id="29" name="PlaceHolder 4"/>
+          <p:cNvPr id="27" name="PlaceHolder 4"/>
           <p:cNvSpPr>
             <a:spLocks noGrp="1"/>
           </p:cNvSpPr>
@@ -684,7 +612,7 @@
       </p:sp>
       <p:sp>
         <p:nvSpPr>
-          <p:cNvPr id="30" name="PlaceHolder 5"/>
+          <p:cNvPr id="28" name="PlaceHolder 5"/>
           <p:cNvSpPr>
             <a:spLocks noGrp="1"/>
           </p:cNvSpPr>
@@ -736,7 +664,7 @@
       </p:grpSpPr>
       <p:sp>
         <p:nvSpPr>
-          <p:cNvPr id="31" name="PlaceHolder 1"/>
+          <p:cNvPr id="29" name="PlaceHolder 1"/>
           <p:cNvSpPr>
             <a:spLocks noGrp="1"/>
           </p:cNvSpPr>
@@ -765,7 +693,7 @@
       </p:sp>
       <p:sp>
         <p:nvSpPr>
-          <p:cNvPr id="32" name="PlaceHolder 2"/>
+          <p:cNvPr id="30" name="PlaceHolder 2"/>
           <p:cNvSpPr>
             <a:spLocks noGrp="1"/>
           </p:cNvSpPr>
@@ -795,7 +723,7 @@
       </p:sp>
       <p:sp>
         <p:nvSpPr>
-          <p:cNvPr id="33" name="PlaceHolder 3"/>
+          <p:cNvPr id="31" name="PlaceHolder 3"/>
           <p:cNvSpPr>
             <a:spLocks noGrp="1"/>
           </p:cNvSpPr>
@@ -825,7 +753,7 @@
       </p:sp>
       <p:sp>
         <p:nvSpPr>
-          <p:cNvPr id="34" name="PlaceHolder 4"/>
+          <p:cNvPr id="32" name="PlaceHolder 4"/>
           <p:cNvSpPr>
             <a:spLocks noGrp="1"/>
           </p:cNvSpPr>
@@ -855,7 +783,7 @@
       </p:sp>
       <p:sp>
         <p:nvSpPr>
-          <p:cNvPr id="35" name="PlaceHolder 5"/>
+          <p:cNvPr id="33" name="PlaceHolder 5"/>
           <p:cNvSpPr>
             <a:spLocks noGrp="1"/>
           </p:cNvSpPr>
@@ -885,7 +813,7 @@
       </p:sp>
       <p:sp>
         <p:nvSpPr>
-          <p:cNvPr id="36" name="PlaceHolder 6"/>
+          <p:cNvPr id="34" name="PlaceHolder 6"/>
           <p:cNvSpPr>
             <a:spLocks noGrp="1"/>
           </p:cNvSpPr>
@@ -915,7 +843,7 @@
       </p:sp>
       <p:sp>
         <p:nvSpPr>
-          <p:cNvPr id="37" name="PlaceHolder 7"/>
+          <p:cNvPr id="35" name="PlaceHolder 7"/>
           <p:cNvSpPr>
             <a:spLocks noGrp="1"/>
           </p:cNvSpPr>
@@ -967,7 +895,7 @@
       </p:grpSpPr>
       <p:sp>
         <p:nvSpPr>
-          <p:cNvPr id="2" name="PlaceHolder 1"/>
+          <p:cNvPr id="0" name="PlaceHolder 1"/>
           <p:cNvSpPr>
             <a:spLocks noGrp="1"/>
           </p:cNvSpPr>
@@ -996,7 +924,7 @@
       </p:sp>
       <p:sp>
         <p:nvSpPr>
-          <p:cNvPr id="3" name="PlaceHolder 2"/>
+          <p:cNvPr id="1" name="PlaceHolder 2"/>
           <p:cNvSpPr>
             <a:spLocks noGrp="1"/>
           </p:cNvSpPr>
@@ -1047,7 +975,7 @@
       </p:grpSpPr>
       <p:sp>
         <p:nvSpPr>
-          <p:cNvPr id="4" name="PlaceHolder 1"/>
+          <p:cNvPr id="2" name="PlaceHolder 1"/>
           <p:cNvSpPr>
             <a:spLocks noGrp="1"/>
           </p:cNvSpPr>
@@ -1076,7 +1004,7 @@
       </p:sp>
       <p:sp>
         <p:nvSpPr>
-          <p:cNvPr id="5" name="PlaceHolder 2"/>
+          <p:cNvPr id="3" name="PlaceHolder 2"/>
           <p:cNvSpPr>
             <a:spLocks noGrp="1"/>
           </p:cNvSpPr>
@@ -1128,7 +1056,7 @@
       </p:grpSpPr>
       <p:sp>
         <p:nvSpPr>
-          <p:cNvPr id="6" name="PlaceHolder 1"/>
+          <p:cNvPr id="4" name="PlaceHolder 1"/>
           <p:cNvSpPr>
             <a:spLocks noGrp="1"/>
           </p:cNvSpPr>
@@ -1157,7 +1085,7 @@
       </p:sp>
       <p:sp>
         <p:nvSpPr>
-          <p:cNvPr id="7" name="PlaceHolder 2"/>
+          <p:cNvPr id="5" name="PlaceHolder 2"/>
           <p:cNvSpPr>
             <a:spLocks noGrp="1"/>
           </p:cNvSpPr>
@@ -1187,7 +1115,7 @@
       </p:sp>
       <p:sp>
         <p:nvSpPr>
-          <p:cNvPr id="8" name="PlaceHolder 3"/>
+          <p:cNvPr id="6" name="PlaceHolder 3"/>
           <p:cNvSpPr>
             <a:spLocks noGrp="1"/>
           </p:cNvSpPr>
@@ -1239,7 +1167,7 @@
       </p:grpSpPr>
       <p:sp>
         <p:nvSpPr>
-          <p:cNvPr id="9" name="PlaceHolder 1"/>
+          <p:cNvPr id="7" name="PlaceHolder 1"/>
           <p:cNvSpPr>
             <a:spLocks noGrp="1"/>
           </p:cNvSpPr>
@@ -1290,7 +1218,7 @@
       </p:grpSpPr>
       <p:sp>
         <p:nvSpPr>
-          <p:cNvPr id="10" name="PlaceHolder 1"/>
+          <p:cNvPr id="8" name="PlaceHolder 1"/>
           <p:cNvSpPr>
             <a:spLocks noGrp="1"/>
           </p:cNvSpPr>
@@ -1341,7 +1269,7 @@
       </p:grpSpPr>
       <p:sp>
         <p:nvSpPr>
-          <p:cNvPr id="11" name="PlaceHolder 1"/>
+          <p:cNvPr id="9" name="PlaceHolder 1"/>
           <p:cNvSpPr>
             <a:spLocks noGrp="1"/>
           </p:cNvSpPr>
@@ -1370,7 +1298,7 @@
       </p:sp>
       <p:sp>
         <p:nvSpPr>
-          <p:cNvPr id="12" name="PlaceHolder 2"/>
+          <p:cNvPr id="10" name="PlaceHolder 2"/>
           <p:cNvSpPr>
             <a:spLocks noGrp="1"/>
           </p:cNvSpPr>
@@ -1400,7 +1328,7 @@
       </p:sp>
       <p:sp>
         <p:nvSpPr>
-          <p:cNvPr id="13" name="PlaceHolder 3"/>
+          <p:cNvPr id="11" name="PlaceHolder 3"/>
           <p:cNvSpPr>
             <a:spLocks noGrp="1"/>
           </p:cNvSpPr>
@@ -1430,7 +1358,7 @@
       </p:sp>
       <p:sp>
         <p:nvSpPr>
-          <p:cNvPr id="14" name="PlaceHolder 4"/>
+          <p:cNvPr id="12" name="PlaceHolder 4"/>
           <p:cNvSpPr>
             <a:spLocks noGrp="1"/>
           </p:cNvSpPr>
@@ -1482,7 +1410,7 @@
       </p:grpSpPr>
       <p:sp>
         <p:nvSpPr>
-          <p:cNvPr id="15" name="PlaceHolder 1"/>
+          <p:cNvPr id="13" name="PlaceHolder 1"/>
           <p:cNvSpPr>
             <a:spLocks noGrp="1"/>
           </p:cNvSpPr>
@@ -1511,7 +1439,7 @@
       </p:sp>
       <p:sp>
         <p:nvSpPr>
-          <p:cNvPr id="16" name="PlaceHolder 2"/>
+          <p:cNvPr id="14" name="PlaceHolder 2"/>
           <p:cNvSpPr>
             <a:spLocks noGrp="1"/>
           </p:cNvSpPr>
@@ -1541,7 +1469,7 @@
       </p:sp>
       <p:sp>
         <p:nvSpPr>
-          <p:cNvPr id="17" name="PlaceHolder 3"/>
+          <p:cNvPr id="15" name="PlaceHolder 3"/>
           <p:cNvSpPr>
             <a:spLocks noGrp="1"/>
           </p:cNvSpPr>
@@ -1571,7 +1499,7 @@
       </p:sp>
       <p:sp>
         <p:nvSpPr>
-          <p:cNvPr id="18" name="PlaceHolder 4"/>
+          <p:cNvPr id="16" name="PlaceHolder 4"/>
           <p:cNvSpPr>
             <a:spLocks noGrp="1"/>
           </p:cNvSpPr>
@@ -1623,7 +1551,7 @@
       </p:grpSpPr>
       <p:sp>
         <p:nvSpPr>
-          <p:cNvPr id="19" name="PlaceHolder 1"/>
+          <p:cNvPr id="17" name="PlaceHolder 1"/>
           <p:cNvSpPr>
             <a:spLocks noGrp="1"/>
           </p:cNvSpPr>
@@ -1652,7 +1580,7 @@
       </p:sp>
       <p:sp>
         <p:nvSpPr>
-          <p:cNvPr id="20" name="PlaceHolder 2"/>
+          <p:cNvPr id="18" name="PlaceHolder 2"/>
           <p:cNvSpPr>
             <a:spLocks noGrp="1"/>
           </p:cNvSpPr>
@@ -1682,7 +1610,7 @@
       </p:sp>
       <p:sp>
         <p:nvSpPr>
-          <p:cNvPr id="21" name="PlaceHolder 3"/>
+          <p:cNvPr id="19" name="PlaceHolder 3"/>
           <p:cNvSpPr>
             <a:spLocks noGrp="1"/>
           </p:cNvSpPr>
@@ -1712,7 +1640,7 @@
       </p:sp>
       <p:sp>
         <p:nvSpPr>
-          <p:cNvPr id="22" name="PlaceHolder 4"/>
+          <p:cNvPr id="20" name="PlaceHolder 4"/>
           <p:cNvSpPr>
             <a:spLocks noGrp="1"/>
           </p:cNvSpPr>
@@ -1772,232 +1700,6 @@
           <a:chExt cx="0" cy="0"/>
         </a:xfrm>
       </p:grpSpPr>
-      <p:sp>
-        <p:nvSpPr>
-          <p:cNvPr id="0" name="PlaceHolder 1"/>
-          <p:cNvSpPr>
-            <a:spLocks noGrp="1"/>
-          </p:cNvSpPr>
-          <p:nvPr>
-            <p:ph type="title"/>
-          </p:nvPr>
-        </p:nvSpPr>
-        <p:spPr>
-          <a:xfrm>
-            <a:off x="755640" y="426240"/>
-            <a:ext cx="13606920" cy="1784880"/>
-          </a:xfrm>
-          <a:prstGeom prst="rect">
-            <a:avLst/>
-          </a:prstGeom>
-        </p:spPr>
-        <p:txBody>
-          <a:bodyPr lIns="0" rIns="0" tIns="0" bIns="0" anchor="ctr"/>
-          <a:p>
-            <a:pPr algn="ctr"/>
-            <a:r>
-              <a:rPr b="0" lang="es-ES" sz="4400" spc="-1" strike="noStrike">
-                <a:latin typeface="Arial"/>
-              </a:rPr>
-              <a:t>Pulse para editar el </a:t>
-            </a:r>
-            <a:r>
-              <a:rPr b="0" lang="es-ES" sz="4400" spc="-1" strike="noStrike">
-                <a:latin typeface="Arial"/>
-              </a:rPr>
-              <a:t>formato del texto de </a:t>
-            </a:r>
-            <a:r>
-              <a:rPr b="0" lang="es-ES" sz="4400" spc="-1" strike="noStrike">
-                <a:latin typeface="Arial"/>
-              </a:rPr>
-              <a:t>título</a:t>
-            </a:r>
-            <a:endParaRPr b="0" lang="es-ES" sz="4400" spc="-1" strike="noStrike">
-              <a:latin typeface="Arial"/>
-            </a:endParaRPr>
-          </a:p>
-        </p:txBody>
-      </p:sp>
-      <p:sp>
-        <p:nvSpPr>
-          <p:cNvPr id="1" name="PlaceHolder 2"/>
-          <p:cNvSpPr>
-            <a:spLocks noGrp="1"/>
-          </p:cNvSpPr>
-          <p:nvPr>
-            <p:ph type="body"/>
-          </p:nvPr>
-        </p:nvSpPr>
-        <p:spPr>
-          <a:xfrm>
-            <a:off x="755640" y="2501640"/>
-            <a:ext cx="13606920" cy="6200640"/>
-          </a:xfrm>
-          <a:prstGeom prst="rect">
-            <a:avLst/>
-          </a:prstGeom>
-        </p:spPr>
-        <p:txBody>
-          <a:bodyPr lIns="0" rIns="0" tIns="0" bIns="0">
-            <a:normAutofit/>
-          </a:bodyPr>
-          <a:p>
-            <a:pPr marL="432000" indent="-324000">
-              <a:spcBef>
-                <a:spcPts val="1417"/>
-              </a:spcBef>
-              <a:buClr>
-                <a:srgbClr val="000000"/>
-              </a:buClr>
-              <a:buSzPct val="45000"/>
-              <a:buFont typeface="Wingdings" charset="2"/>
-              <a:buChar char=""/>
-            </a:pPr>
-            <a:r>
-              <a:rPr b="0" lang="es-ES" sz="3200" spc="-1" strike="noStrike">
-                <a:latin typeface="Arial"/>
-              </a:rPr>
-              <a:t>Pulse para editar el formato de esquema del texto</a:t>
-            </a:r>
-            <a:endParaRPr b="0" lang="es-ES" sz="3200" spc="-1" strike="noStrike">
-              <a:latin typeface="Arial"/>
-            </a:endParaRPr>
-          </a:p>
-          <a:p>
-            <a:pPr lvl="1" marL="864000" indent="-324000">
-              <a:spcBef>
-                <a:spcPts val="1134"/>
-              </a:spcBef>
-              <a:buClr>
-                <a:srgbClr val="000000"/>
-              </a:buClr>
-              <a:buSzPct val="75000"/>
-              <a:buFont typeface="Symbol" charset="2"/>
-              <a:buChar char=""/>
-            </a:pPr>
-            <a:r>
-              <a:rPr b="0" lang="es-ES" sz="2800" spc="-1" strike="noStrike">
-                <a:latin typeface="Arial"/>
-              </a:rPr>
-              <a:t>Segundo nivel del esquema</a:t>
-            </a:r>
-            <a:endParaRPr b="0" lang="es-ES" sz="2800" spc="-1" strike="noStrike">
-              <a:latin typeface="Arial"/>
-            </a:endParaRPr>
-          </a:p>
-          <a:p>
-            <a:pPr lvl="2" marL="1296000" indent="-288000">
-              <a:spcBef>
-                <a:spcPts val="850"/>
-              </a:spcBef>
-              <a:buClr>
-                <a:srgbClr val="000000"/>
-              </a:buClr>
-              <a:buSzPct val="45000"/>
-              <a:buFont typeface="Wingdings" charset="2"/>
-              <a:buChar char=""/>
-            </a:pPr>
-            <a:r>
-              <a:rPr b="0" lang="es-ES" sz="2400" spc="-1" strike="noStrike">
-                <a:latin typeface="Arial"/>
-              </a:rPr>
-              <a:t>Tercer nivel del esquema</a:t>
-            </a:r>
-            <a:endParaRPr b="0" lang="es-ES" sz="2400" spc="-1" strike="noStrike">
-              <a:latin typeface="Arial"/>
-            </a:endParaRPr>
-          </a:p>
-          <a:p>
-            <a:pPr lvl="3" marL="1728000" indent="-216000">
-              <a:spcBef>
-                <a:spcPts val="567"/>
-              </a:spcBef>
-              <a:buClr>
-                <a:srgbClr val="000000"/>
-              </a:buClr>
-              <a:buSzPct val="75000"/>
-              <a:buFont typeface="Symbol" charset="2"/>
-              <a:buChar char=""/>
-            </a:pPr>
-            <a:r>
-              <a:rPr b="0" lang="es-ES" sz="2000" spc="-1" strike="noStrike">
-                <a:latin typeface="Arial"/>
-              </a:rPr>
-              <a:t>Cuarto nivel del esquema</a:t>
-            </a:r>
-            <a:endParaRPr b="0" lang="es-ES" sz="2000" spc="-1" strike="noStrike">
-              <a:latin typeface="Arial"/>
-            </a:endParaRPr>
-          </a:p>
-          <a:p>
-            <a:pPr lvl="4" marL="2160000" indent="-216000">
-              <a:spcBef>
-                <a:spcPts val="283"/>
-              </a:spcBef>
-              <a:buClr>
-                <a:srgbClr val="000000"/>
-              </a:buClr>
-              <a:buSzPct val="45000"/>
-              <a:buFont typeface="Wingdings" charset="2"/>
-              <a:buChar char=""/>
-            </a:pPr>
-            <a:r>
-              <a:rPr b="0" lang="es-ES" sz="2000" spc="-1" strike="noStrike">
-                <a:latin typeface="Arial"/>
-              </a:rPr>
-              <a:t>Quinto nivel del esquema</a:t>
-            </a:r>
-            <a:endParaRPr b="0" lang="es-ES" sz="2000" spc="-1" strike="noStrike">
-              <a:latin typeface="Arial"/>
-            </a:endParaRPr>
-          </a:p>
-          <a:p>
-            <a:pPr lvl="5" marL="2592000" indent="-216000">
-              <a:spcBef>
-                <a:spcPts val="283"/>
-              </a:spcBef>
-              <a:buClr>
-                <a:srgbClr val="000000"/>
-              </a:buClr>
-              <a:buSzPct val="45000"/>
-              <a:buFont typeface="Wingdings" charset="2"/>
-              <a:buChar char=""/>
-            </a:pPr>
-            <a:r>
-              <a:rPr b="0" lang="es-ES" sz="2000" spc="-1" strike="noStrike">
-                <a:latin typeface="Arial"/>
-              </a:rPr>
-              <a:t>Sexto nivel del esquema</a:t>
-            </a:r>
-            <a:endParaRPr b="0" lang="es-ES" sz="2000" spc="-1" strike="noStrike">
-              <a:latin typeface="Arial"/>
-            </a:endParaRPr>
-          </a:p>
-          <a:p>
-            <a:pPr lvl="6" marL="3024000" indent="-216000">
-              <a:spcBef>
-                <a:spcPts val="283"/>
-              </a:spcBef>
-              <a:buClr>
-                <a:srgbClr val="000000"/>
-              </a:buClr>
-              <a:buSzPct val="45000"/>
-              <a:buFont typeface="Wingdings" charset="2"/>
-              <a:buChar char=""/>
-            </a:pPr>
-            <a:r>
-              <a:rPr b="0" lang="es-ES" sz="2000" spc="-1" strike="noStrike">
-                <a:latin typeface="Arial"/>
-              </a:rPr>
-              <a:t>Séptimo nivel del esquema</a:t>
-            </a:r>
-            <a:endParaRPr b="0" lang="es-ES" sz="2000" spc="-1" strike="noStrike">
-              <a:latin typeface="Arial"/>
-            </a:endParaRPr>
-          </a:p>
-        </p:txBody>
-      </p:sp>
     </p:spTree>
   </p:cSld>
   <p:clrMap bg1="lt1" bg2="lt2" tx1="dk1" tx2="dk2" accent1="accent1" accent2="accent2" accent3="accent3" accent4="accent4" accent5="accent5" accent6="accent6" hlink="hlink" folHlink="folHlink"/>
@@ -2044,14 +1746,14 @@
       </p:grpSpPr>
       <p:sp>
         <p:nvSpPr>
-          <p:cNvPr id="44" name="CustomShape 1"/>
+          <p:cNvPr id="42" name="CustomShape 1"/>
           <p:cNvSpPr/>
           <p:nvPr/>
         </p:nvSpPr>
         <p:spPr>
           <a:xfrm>
             <a:off x="0" y="3960"/>
-            <a:ext cx="15120720" cy="10687680"/>
+            <a:ext cx="15120360" cy="10687320"/>
           </a:xfrm>
           <a:prstGeom prst="rect">
             <a:avLst/>
@@ -2085,28 +1787,28 @@
       </p:sp>
       <p:grpSp>
         <p:nvGrpSpPr>
-          <p:cNvPr id="45" name="Group 2"/>
+          <p:cNvPr id="43" name="Group 2"/>
           <p:cNvGrpSpPr/>
           <p:nvPr/>
         </p:nvGrpSpPr>
         <p:grpSpPr>
           <a:xfrm>
             <a:off x="577080" y="918720"/>
-            <a:ext cx="6478200" cy="8998200"/>
+            <a:ext cx="6477840" cy="8997840"/>
             <a:chOff x="577080" y="918720"/>
-            <a:chExt cx="6478200" cy="8998200"/>
+            <a:chExt cx="6477840" cy="8997840"/>
           </a:xfrm>
         </p:grpSpPr>
         <p:sp>
           <p:nvSpPr>
-            <p:cNvPr id="46" name="CustomShape 3"/>
+            <p:cNvPr id="44" name="CustomShape 3"/>
             <p:cNvSpPr/>
             <p:nvPr/>
           </p:nvSpPr>
           <p:spPr>
             <a:xfrm>
               <a:off x="577080" y="918720"/>
-              <a:ext cx="6120720" cy="8998200"/>
+              <a:ext cx="6120360" cy="8997840"/>
             </a:xfrm>
             <a:prstGeom prst="rect">
               <a:avLst/>
@@ -2127,14 +1829,14 @@
         </p:sp>
         <p:sp>
           <p:nvSpPr>
-            <p:cNvPr id="47" name="CustomShape 4"/>
+            <p:cNvPr id="45" name="CustomShape 4"/>
             <p:cNvSpPr/>
             <p:nvPr/>
           </p:nvSpPr>
           <p:spPr>
             <a:xfrm>
               <a:off x="6709320" y="918720"/>
-              <a:ext cx="345960" cy="8998200"/>
+              <a:ext cx="345600" cy="8997840"/>
             </a:xfrm>
             <a:prstGeom prst="rect">
               <a:avLst/>
@@ -2156,14 +1858,14 @@
       </p:grpSp>
       <p:sp>
         <p:nvSpPr>
-          <p:cNvPr id="48" name="CustomShape 5"/>
+          <p:cNvPr id="46" name="CustomShape 5"/>
           <p:cNvSpPr/>
           <p:nvPr/>
         </p:nvSpPr>
         <p:spPr>
           <a:xfrm>
             <a:off x="7057080" y="10136520"/>
-            <a:ext cx="898200" cy="536760"/>
+            <a:ext cx="897840" cy="536400"/>
           </a:xfrm>
           <a:prstGeom prst="rect">
             <a:avLst/>
@@ -2184,14 +1886,14 @@
       </p:sp>
       <p:sp>
         <p:nvSpPr>
-          <p:cNvPr id="49" name="CustomShape 6"/>
+          <p:cNvPr id="47" name="CustomShape 6"/>
           <p:cNvSpPr/>
           <p:nvPr/>
         </p:nvSpPr>
         <p:spPr>
           <a:xfrm>
             <a:off x="7057080" y="918720"/>
-            <a:ext cx="898200" cy="8998200"/>
+            <a:ext cx="897840" cy="8997840"/>
           </a:xfrm>
           <a:prstGeom prst="rect">
             <a:avLst/>
@@ -2212,28 +1914,28 @@
       </p:sp>
       <p:grpSp>
         <p:nvGrpSpPr>
-          <p:cNvPr id="50" name="Group 7"/>
+          <p:cNvPr id="48" name="Group 7"/>
           <p:cNvGrpSpPr/>
           <p:nvPr/>
         </p:nvGrpSpPr>
         <p:grpSpPr>
           <a:xfrm>
             <a:off x="7974360" y="917640"/>
-            <a:ext cx="6487560" cy="8999280"/>
+            <a:ext cx="6487200" cy="8998920"/>
             <a:chOff x="7974360" y="917640"/>
-            <a:chExt cx="6487560" cy="8999280"/>
+            <a:chExt cx="6487200" cy="8998920"/>
           </a:xfrm>
         </p:grpSpPr>
         <p:sp>
           <p:nvSpPr>
-            <p:cNvPr id="51" name="CustomShape 8"/>
+            <p:cNvPr id="49" name="CustomShape 8"/>
             <p:cNvSpPr/>
             <p:nvPr/>
           </p:nvSpPr>
           <p:spPr>
             <a:xfrm>
               <a:off x="8307720" y="918720"/>
-              <a:ext cx="6154200" cy="8998200"/>
+              <a:ext cx="6153840" cy="8997840"/>
             </a:xfrm>
             <a:prstGeom prst="rect">
               <a:avLst/>
@@ -2254,14 +1956,14 @@
         </p:sp>
         <p:sp>
           <p:nvSpPr>
-            <p:cNvPr id="52" name="CustomShape 9"/>
+            <p:cNvPr id="50" name="CustomShape 9"/>
             <p:cNvSpPr/>
             <p:nvPr/>
           </p:nvSpPr>
           <p:spPr>
             <a:xfrm>
               <a:off x="7974360" y="917640"/>
-              <a:ext cx="347400" cy="8998200"/>
+              <a:ext cx="347040" cy="8997840"/>
             </a:xfrm>
             <a:prstGeom prst="rect">
               <a:avLst/>
@@ -2283,19 +1985,19 @@
       </p:grpSp>
       <p:pic>
         <p:nvPicPr>
-          <p:cNvPr id="53" name="Picture 26" descr=""/>
+          <p:cNvPr id="51" name="Picture 26" descr=""/>
           <p:cNvPicPr/>
           <p:nvPr/>
         </p:nvPicPr>
         <p:blipFill>
           <a:blip r:embed="rId1"/>
-          <a:srcRect l="0" t="0" r="0" b="25345"/>
+          <a:srcRect l="0" t="0" r="0" b="25342"/>
           <a:stretch/>
         </p:blipFill>
         <p:spPr>
           <a:xfrm>
             <a:off x="-793080" y="6329520"/>
-            <a:ext cx="4898880" cy="4911480"/>
+            <a:ext cx="4898520" cy="4911120"/>
           </a:xfrm>
           <a:prstGeom prst="rect">
             <a:avLst/>
@@ -2307,14 +2009,14 @@
       </p:pic>
       <p:sp>
         <p:nvSpPr>
-          <p:cNvPr id="54" name="CustomShape 10"/>
+          <p:cNvPr id="52" name="CustomShape 10"/>
           <p:cNvSpPr/>
           <p:nvPr/>
         </p:nvSpPr>
         <p:spPr>
           <a:xfrm>
             <a:off x="7057080" y="0"/>
-            <a:ext cx="898200" cy="718200"/>
+            <a:ext cx="897840" cy="717840"/>
           </a:xfrm>
           <a:prstGeom prst="rect">
             <a:avLst/>
@@ -2335,7 +2037,7 @@
       </p:sp>
       <p:pic>
         <p:nvPicPr>
-          <p:cNvPr id="55" name="Imagen 17" descr=""/>
+          <p:cNvPr id="53" name="Imagen 17" descr=""/>
           <p:cNvPicPr/>
           <p:nvPr/>
         </p:nvPicPr>
@@ -2346,7 +2048,7 @@
         <p:spPr>
           <a:xfrm>
             <a:off x="615600" y="1775520"/>
-            <a:ext cx="6058800" cy="458280"/>
+            <a:ext cx="6058440" cy="457920"/>
           </a:xfrm>
           <a:prstGeom prst="rect">
             <a:avLst/>
@@ -2358,7 +2060,7 @@
       </p:pic>
       <p:pic>
         <p:nvPicPr>
-          <p:cNvPr id="56" name="Imagen 18" descr=""/>
+          <p:cNvPr id="54" name="Imagen 18" descr=""/>
           <p:cNvPicPr/>
           <p:nvPr/>
         </p:nvPicPr>
@@ -2369,7 +2071,7 @@
         <p:spPr>
           <a:xfrm>
             <a:off x="8444160" y="3060000"/>
-            <a:ext cx="6058800" cy="458280"/>
+            <a:ext cx="6058440" cy="457920"/>
           </a:xfrm>
           <a:prstGeom prst="rect">
             <a:avLst/>
@@ -2381,14 +2083,14 @@
       </p:pic>
       <p:sp>
         <p:nvSpPr>
-          <p:cNvPr id="57" name="CustomShape 11"/>
+          <p:cNvPr id="55" name="CustomShape 11"/>
           <p:cNvSpPr/>
           <p:nvPr/>
         </p:nvSpPr>
         <p:spPr>
           <a:xfrm>
             <a:off x="8322840" y="4062600"/>
-            <a:ext cx="6139080" cy="1392840"/>
+            <a:ext cx="6138720" cy="1392480"/>
           </a:xfrm>
           <a:prstGeom prst="rect">
             <a:avLst/>
@@ -2460,14 +2162,14 @@
       </p:sp>
       <p:sp>
         <p:nvSpPr>
-          <p:cNvPr id="58" name="CustomShape 12"/>
+          <p:cNvPr id="56" name="CustomShape 12"/>
           <p:cNvSpPr/>
           <p:nvPr/>
         </p:nvSpPr>
         <p:spPr>
           <a:xfrm>
             <a:off x="8520120" y="6418080"/>
-            <a:ext cx="5688720" cy="1392840"/>
+            <a:ext cx="5688360" cy="1392480"/>
           </a:xfrm>
           <a:prstGeom prst="rect">
             <a:avLst/>
@@ -2539,7 +2241,7 @@
                 <a:latin typeface="Arial"/>
                 <a:ea typeface="MS PGothic"/>
               </a:rPr>
-              <a:t>Valencia, July 2022</a:t>
+              <a:t>26th July 2022</a:t>
             </a:r>
             <a:endParaRPr b="0" lang="es-ES" sz="1800" spc="-1" strike="noStrike">
               <a:latin typeface="Arial"/>
@@ -2549,14 +2251,14 @@
       </p:sp>
       <p:sp>
         <p:nvSpPr>
-          <p:cNvPr id="59" name="CustomShape 13"/>
+          <p:cNvPr id="57" name="CustomShape 13"/>
           <p:cNvSpPr/>
           <p:nvPr/>
         </p:nvSpPr>
         <p:spPr>
           <a:xfrm>
             <a:off x="8414280" y="8578080"/>
-            <a:ext cx="6046920" cy="1392840"/>
+            <a:ext cx="6046560" cy="1392480"/>
           </a:xfrm>
           <a:prstGeom prst="rect">
             <a:avLst/>
@@ -2638,7 +2340,7 @@
       </p:sp>
       <p:pic>
         <p:nvPicPr>
-          <p:cNvPr id="60" name="Imagen 7" descr=""/>
+          <p:cNvPr id="58" name="Imagen 7" descr=""/>
           <p:cNvPicPr/>
           <p:nvPr/>
         </p:nvPicPr>
@@ -2649,7 +2351,7 @@
         <p:spPr>
           <a:xfrm>
             <a:off x="864000" y="2916000"/>
-            <a:ext cx="5565960" cy="3041640"/>
+            <a:ext cx="5565600" cy="3041280"/>
           </a:xfrm>
           <a:prstGeom prst="rect">
             <a:avLst/>
@@ -2661,14 +2363,14 @@
       </p:pic>
       <p:sp>
         <p:nvSpPr>
-          <p:cNvPr id="61" name="CustomShape 14"/>
+          <p:cNvPr id="59" name="CustomShape 14"/>
           <p:cNvSpPr/>
           <p:nvPr/>
         </p:nvSpPr>
         <p:spPr>
           <a:xfrm rot="21597600">
             <a:off x="8323200" y="2851920"/>
-            <a:ext cx="6139080" cy="1392840"/>
+            <a:ext cx="6138720" cy="1392480"/>
           </a:xfrm>
           <a:prstGeom prst="rect">
             <a:avLst/>
@@ -2710,14 +2412,14 @@
       </p:sp>
       <p:sp>
         <p:nvSpPr>
-          <p:cNvPr id="62" name="CustomShape 15"/>
+          <p:cNvPr id="60" name="CustomShape 15"/>
           <p:cNvSpPr/>
           <p:nvPr/>
         </p:nvSpPr>
         <p:spPr>
           <a:xfrm>
             <a:off x="9278280" y="3456360"/>
-            <a:ext cx="5550120" cy="372240"/>
+            <a:ext cx="5549760" cy="371880"/>
           </a:xfrm>
           <a:prstGeom prst="rect">
             <a:avLst/>
@@ -2759,19 +2461,19 @@
       </p:sp>
       <p:pic>
         <p:nvPicPr>
-          <p:cNvPr id="63" name="Picture 26" descr=""/>
+          <p:cNvPr id="61" name="Picture 26" descr=""/>
           <p:cNvPicPr/>
           <p:nvPr/>
         </p:nvPicPr>
         <p:blipFill>
           <a:blip r:embed="rId5"/>
-          <a:srcRect l="0" t="0" r="0" b="25363"/>
+          <a:srcRect l="0" t="0" r="0" b="25360"/>
           <a:stretch/>
         </p:blipFill>
         <p:spPr>
           <a:xfrm>
             <a:off x="10754640" y="1688760"/>
-            <a:ext cx="1242360" cy="1246320"/>
+            <a:ext cx="1242000" cy="1245960"/>
           </a:xfrm>
           <a:prstGeom prst="rect">
             <a:avLst/>

--- a/Tesis_mas_resumen/Plantilla_tapa/Versiones/Tapa_dura/17X24 PLANTILLA MANDAR TAPA DURA BUENA_version_2.pptx
+++ b/Tesis_mas_resumen/Plantilla_tapa/Versiones/Tapa_dura/17X24 PLANTILLA MANDAR TAPA DURA BUENA_version_2.pptx
@@ -1,22 +1,435 @@
 
 <file path=ppt/presentation.xml><?xml version="1.0" encoding="utf-8"?>
-<p:presentation xmlns:a="http://schemas.openxmlformats.org/drawingml/2006/main" xmlns:p="http://schemas.openxmlformats.org/presentationml/2006/main" xmlns:r="http://schemas.openxmlformats.org/officeDocument/2006/relationships" xmlns:p14="http://schemas.microsoft.com/office/powerpoint/2010/main" xmlns:p15="http://schemas.microsoft.com/office/powerpoint/2012/main" xmlns:mc="http://schemas.openxmlformats.org/markup-compatibility/2006">
+<p:presentation xmlns:a="http://schemas.openxmlformats.org/drawingml/2006/main" xmlns:r="http://schemas.openxmlformats.org/officeDocument/2006/relationships" xmlns:p="http://schemas.openxmlformats.org/presentationml/2006/main">
   <p:sldMasterIdLst>
-    <p:sldMasterId id="2147483648" r:id="rId2"/>
+    <p:sldMasterId id="2147483648" r:id="rId1"/>
   </p:sldMasterIdLst>
   <p:notesMasterIdLst>
     <p:notesMasterId r:id="rId3"/>
   </p:notesMasterIdLst>
   <p:sldIdLst>
-    <p:sldId id="256" r:id="rId4"/>
+    <p:sldId id="256" r:id="rId2"/>
   </p:sldIdLst>
-  <p:sldSz cx="15119350" cy="10691812"/>
-  <p:notesSz cx="9979025" cy="6834187"/>
+  <p:sldSz cx="15119350" cy="10691813"/>
+  <p:notesSz cx="9979025" cy="6834188"/>
+  <p:defaultTextStyle>
+    <a:defPPr>
+      <a:defRPr lang="en-ES"/>
+    </a:defPPr>
+    <a:lvl1pPr marL="0" algn="l" defTabSz="914400" rtl="0" eaLnBrk="1" latinLnBrk="0" hangingPunct="1">
+      <a:defRPr sz="1800" kern="1200">
+        <a:solidFill>
+          <a:schemeClr val="tx1"/>
+        </a:solidFill>
+        <a:latin typeface="+mn-lt"/>
+        <a:ea typeface="+mn-ea"/>
+        <a:cs typeface="+mn-cs"/>
+      </a:defRPr>
+    </a:lvl1pPr>
+    <a:lvl2pPr marL="457200" algn="l" defTabSz="914400" rtl="0" eaLnBrk="1" latinLnBrk="0" hangingPunct="1">
+      <a:defRPr sz="1800" kern="1200">
+        <a:solidFill>
+          <a:schemeClr val="tx1"/>
+        </a:solidFill>
+        <a:latin typeface="+mn-lt"/>
+        <a:ea typeface="+mn-ea"/>
+        <a:cs typeface="+mn-cs"/>
+      </a:defRPr>
+    </a:lvl2pPr>
+    <a:lvl3pPr marL="914400" algn="l" defTabSz="914400" rtl="0" eaLnBrk="1" latinLnBrk="0" hangingPunct="1">
+      <a:defRPr sz="1800" kern="1200">
+        <a:solidFill>
+          <a:schemeClr val="tx1"/>
+        </a:solidFill>
+        <a:latin typeface="+mn-lt"/>
+        <a:ea typeface="+mn-ea"/>
+        <a:cs typeface="+mn-cs"/>
+      </a:defRPr>
+    </a:lvl3pPr>
+    <a:lvl4pPr marL="1371600" algn="l" defTabSz="914400" rtl="0" eaLnBrk="1" latinLnBrk="0" hangingPunct="1">
+      <a:defRPr sz="1800" kern="1200">
+        <a:solidFill>
+          <a:schemeClr val="tx1"/>
+        </a:solidFill>
+        <a:latin typeface="+mn-lt"/>
+        <a:ea typeface="+mn-ea"/>
+        <a:cs typeface="+mn-cs"/>
+      </a:defRPr>
+    </a:lvl4pPr>
+    <a:lvl5pPr marL="1828800" algn="l" defTabSz="914400" rtl="0" eaLnBrk="1" latinLnBrk="0" hangingPunct="1">
+      <a:defRPr sz="1800" kern="1200">
+        <a:solidFill>
+          <a:schemeClr val="tx1"/>
+        </a:solidFill>
+        <a:latin typeface="+mn-lt"/>
+        <a:ea typeface="+mn-ea"/>
+        <a:cs typeface="+mn-cs"/>
+      </a:defRPr>
+    </a:lvl5pPr>
+    <a:lvl6pPr marL="2286000" algn="l" defTabSz="914400" rtl="0" eaLnBrk="1" latinLnBrk="0" hangingPunct="1">
+      <a:defRPr sz="1800" kern="1200">
+        <a:solidFill>
+          <a:schemeClr val="tx1"/>
+        </a:solidFill>
+        <a:latin typeface="+mn-lt"/>
+        <a:ea typeface="+mn-ea"/>
+        <a:cs typeface="+mn-cs"/>
+      </a:defRPr>
+    </a:lvl6pPr>
+    <a:lvl7pPr marL="2743200" algn="l" defTabSz="914400" rtl="0" eaLnBrk="1" latinLnBrk="0" hangingPunct="1">
+      <a:defRPr sz="1800" kern="1200">
+        <a:solidFill>
+          <a:schemeClr val="tx1"/>
+        </a:solidFill>
+        <a:latin typeface="+mn-lt"/>
+        <a:ea typeface="+mn-ea"/>
+        <a:cs typeface="+mn-cs"/>
+      </a:defRPr>
+    </a:lvl7pPr>
+    <a:lvl8pPr marL="3200400" algn="l" defTabSz="914400" rtl="0" eaLnBrk="1" latinLnBrk="0" hangingPunct="1">
+      <a:defRPr sz="1800" kern="1200">
+        <a:solidFill>
+          <a:schemeClr val="tx1"/>
+        </a:solidFill>
+        <a:latin typeface="+mn-lt"/>
+        <a:ea typeface="+mn-ea"/>
+        <a:cs typeface="+mn-cs"/>
+      </a:defRPr>
+    </a:lvl8pPr>
+    <a:lvl9pPr marL="3657600" algn="l" defTabSz="914400" rtl="0" eaLnBrk="1" latinLnBrk="0" hangingPunct="1">
+      <a:defRPr sz="1800" kern="1200">
+        <a:solidFill>
+          <a:schemeClr val="tx1"/>
+        </a:solidFill>
+        <a:latin typeface="+mn-lt"/>
+        <a:ea typeface="+mn-ea"/>
+        <a:cs typeface="+mn-cs"/>
+      </a:defRPr>
+    </a:lvl9pPr>
+  </p:defaultTextStyle>
 </p:presentation>
 </file>
 
 <file path=ppt/notesMasters/notesMaster1.xml><?xml version="1.0" encoding="utf-8"?>
-<p:notesMaster xmlns:a="http://schemas.openxmlformats.org/drawingml/2006/main" xmlns:p="http://schemas.openxmlformats.org/presentationml/2006/main" xmlns:r="http://schemas.openxmlformats.org/officeDocument/2006/relationships" xmlns:p14="http://schemas.microsoft.com/office/powerpoint/2010/main" xmlns:p15="http://schemas.microsoft.com/office/powerpoint/2012/main" xmlns:mc="http://schemas.openxmlformats.org/markup-compatibility/2006">
+<p:notesMaster xmlns:a="http://schemas.openxmlformats.org/drawingml/2006/main" xmlns:r="http://schemas.openxmlformats.org/officeDocument/2006/relationships" xmlns:p="http://schemas.openxmlformats.org/presentationml/2006/main">
+  <p:cSld>
+    <p:bg>
+      <p:bgRef idx="1001">
+        <a:schemeClr val="bg1"/>
+      </p:bgRef>
+    </p:bg>
+    <p:spTree>
+      <p:nvGrpSpPr>
+        <p:cNvPr id="1" name=""/>
+        <p:cNvGrpSpPr/>
+        <p:nvPr/>
+      </p:nvGrpSpPr>
+      <p:grpSpPr>
+        <a:xfrm>
+          <a:off x="0" y="0"/>
+          <a:ext cx="0" cy="0"/>
+          <a:chOff x="0" y="0"/>
+          <a:chExt cx="0" cy="0"/>
+        </a:xfrm>
+      </p:grpSpPr>
+      <p:sp>
+        <p:nvSpPr>
+          <p:cNvPr id="38" name="PlaceHolder 1"/>
+          <p:cNvSpPr>
+            <a:spLocks noGrp="1" noRot="1" noChangeAspect="1"/>
+          </p:cNvSpPr>
+          <p:nvPr>
+            <p:ph type="sldImg"/>
+          </p:nvPr>
+        </p:nvSpPr>
+        <p:spPr>
+          <a:xfrm>
+            <a:off x="216000" y="812520"/>
+            <a:ext cx="7127280" cy="4008960"/>
+          </a:xfrm>
+          <a:prstGeom prst="rect">
+            <a:avLst/>
+          </a:prstGeom>
+        </p:spPr>
+        <p:txBody>
+          <a:bodyPr lIns="0" tIns="0" rIns="0" bIns="0" anchor="ctr"/>
+          <a:lstStyle/>
+          <a:p>
+            <a:pPr algn="ctr"/>
+            <a:r>
+              <a:rPr lang="es-ES" sz="4400" b="0" strike="noStrike" spc="-1">
+                <a:latin typeface="Arial"/>
+              </a:rPr>
+              <a:t>Pulse para desplazar la página</a:t>
+            </a:r>
+          </a:p>
+        </p:txBody>
+      </p:sp>
+      <p:sp>
+        <p:nvSpPr>
+          <p:cNvPr id="39" name="PlaceHolder 2"/>
+          <p:cNvSpPr>
+            <a:spLocks noGrp="1"/>
+          </p:cNvSpPr>
+          <p:nvPr>
+            <p:ph type="body"/>
+          </p:nvPr>
+        </p:nvSpPr>
+        <p:spPr>
+          <a:xfrm>
+            <a:off x="756000" y="5078520"/>
+            <a:ext cx="6047640" cy="4811040"/>
+          </a:xfrm>
+          <a:prstGeom prst="rect">
+            <a:avLst/>
+          </a:prstGeom>
+        </p:spPr>
+        <p:txBody>
+          <a:bodyPr lIns="0" tIns="0" rIns="0" bIns="0"/>
+          <a:lstStyle/>
+          <a:p>
+            <a:r>
+              <a:rPr lang="es-ES" sz="2000" b="0" strike="noStrike" spc="-1">
+                <a:latin typeface="Arial"/>
+              </a:rPr>
+              <a:t>Pulse para editar el formato de las notas</a:t>
+            </a:r>
+          </a:p>
+        </p:txBody>
+      </p:sp>
+      <p:sp>
+        <p:nvSpPr>
+          <p:cNvPr id="40" name="PlaceHolder 3"/>
+          <p:cNvSpPr>
+            <a:spLocks noGrp="1"/>
+          </p:cNvSpPr>
+          <p:nvPr>
+            <p:ph type="hdr"/>
+          </p:nvPr>
+        </p:nvSpPr>
+        <p:spPr>
+          <a:xfrm>
+            <a:off x="0" y="0"/>
+            <a:ext cx="3280680" cy="534240"/>
+          </a:xfrm>
+          <a:prstGeom prst="rect">
+            <a:avLst/>
+          </a:prstGeom>
+        </p:spPr>
+        <p:txBody>
+          <a:bodyPr lIns="0" tIns="0" rIns="0" bIns="0"/>
+          <a:lstStyle/>
+          <a:p>
+            <a:r>
+              <a:rPr lang="es-ES" sz="1400" b="0" strike="noStrike" spc="-1">
+                <a:latin typeface="Times New Roman"/>
+              </a:rPr>
+              <a:t> </a:t>
+            </a:r>
+          </a:p>
+        </p:txBody>
+      </p:sp>
+      <p:sp>
+        <p:nvSpPr>
+          <p:cNvPr id="41" name="PlaceHolder 4"/>
+          <p:cNvSpPr>
+            <a:spLocks noGrp="1"/>
+          </p:cNvSpPr>
+          <p:nvPr>
+            <p:ph type="dt"/>
+          </p:nvPr>
+        </p:nvSpPr>
+        <p:spPr>
+          <a:xfrm>
+            <a:off x="4278960" y="0"/>
+            <a:ext cx="3280680" cy="534240"/>
+          </a:xfrm>
+          <a:prstGeom prst="rect">
+            <a:avLst/>
+          </a:prstGeom>
+        </p:spPr>
+        <p:txBody>
+          <a:bodyPr lIns="0" tIns="0" rIns="0" bIns="0"/>
+          <a:lstStyle/>
+          <a:p>
+            <a:pPr algn="r"/>
+            <a:r>
+              <a:rPr lang="es-ES" sz="1400" b="0" strike="noStrike" spc="-1">
+                <a:latin typeface="Times New Roman"/>
+              </a:rPr>
+              <a:t> </a:t>
+            </a:r>
+          </a:p>
+        </p:txBody>
+      </p:sp>
+      <p:sp>
+        <p:nvSpPr>
+          <p:cNvPr id="42" name="PlaceHolder 5"/>
+          <p:cNvSpPr>
+            <a:spLocks noGrp="1"/>
+          </p:cNvSpPr>
+          <p:nvPr>
+            <p:ph type="ftr"/>
+          </p:nvPr>
+        </p:nvSpPr>
+        <p:spPr>
+          <a:xfrm>
+            <a:off x="0" y="10157400"/>
+            <a:ext cx="3280680" cy="534240"/>
+          </a:xfrm>
+          <a:prstGeom prst="rect">
+            <a:avLst/>
+          </a:prstGeom>
+        </p:spPr>
+        <p:txBody>
+          <a:bodyPr lIns="0" tIns="0" rIns="0" bIns="0" anchor="b"/>
+          <a:lstStyle/>
+          <a:p>
+            <a:r>
+              <a:rPr lang="es-ES" sz="1400" b="0" strike="noStrike" spc="-1">
+                <a:latin typeface="Times New Roman"/>
+              </a:rPr>
+              <a:t> </a:t>
+            </a:r>
+          </a:p>
+        </p:txBody>
+      </p:sp>
+      <p:sp>
+        <p:nvSpPr>
+          <p:cNvPr id="43" name="PlaceHolder 6"/>
+          <p:cNvSpPr>
+            <a:spLocks noGrp="1"/>
+          </p:cNvSpPr>
+          <p:nvPr>
+            <p:ph type="sldNum"/>
+          </p:nvPr>
+        </p:nvSpPr>
+        <p:spPr>
+          <a:xfrm>
+            <a:off x="4278960" y="10157400"/>
+            <a:ext cx="3280680" cy="534240"/>
+          </a:xfrm>
+          <a:prstGeom prst="rect">
+            <a:avLst/>
+          </a:prstGeom>
+        </p:spPr>
+        <p:txBody>
+          <a:bodyPr lIns="0" tIns="0" rIns="0" bIns="0" anchor="b"/>
+          <a:lstStyle/>
+          <a:p>
+            <a:pPr algn="r"/>
+            <a:fld id="{30C49B2D-48FC-44B4-A5F1-EA2A4C231530}" type="slidenum">
+              <a:rPr lang="es-ES" sz="1400" b="0" strike="noStrike" spc="-1">
+                <a:latin typeface="Times New Roman"/>
+              </a:rPr>
+              <a:t>‹#›</a:t>
+            </a:fld>
+            <a:endParaRPr lang="es-ES" sz="1400" b="0" strike="noStrike" spc="-1">
+              <a:latin typeface="Times New Roman"/>
+            </a:endParaRPr>
+          </a:p>
+        </p:txBody>
+      </p:sp>
+    </p:spTree>
+  </p:cSld>
+  <p:clrMap bg1="lt1" tx1="dk1" bg2="lt2" tx2="dk2" accent1="accent1" accent2="accent2" accent3="accent3" accent4="accent4" accent5="accent5" accent6="accent6" hlink="hlink" folHlink="folHlink"/>
+  <p:notesStyle>
+    <a:lvl1pPr marL="0" algn="l" defTabSz="914400" rtl="0" eaLnBrk="1" latinLnBrk="0" hangingPunct="1">
+      <a:defRPr sz="1200" kern="1200">
+        <a:solidFill>
+          <a:schemeClr val="tx1"/>
+        </a:solidFill>
+        <a:latin typeface="+mn-lt"/>
+        <a:ea typeface="+mn-ea"/>
+        <a:cs typeface="+mn-cs"/>
+      </a:defRPr>
+    </a:lvl1pPr>
+    <a:lvl2pPr marL="457200" algn="l" defTabSz="914400" rtl="0" eaLnBrk="1" latinLnBrk="0" hangingPunct="1">
+      <a:defRPr sz="1200" kern="1200">
+        <a:solidFill>
+          <a:schemeClr val="tx1"/>
+        </a:solidFill>
+        <a:latin typeface="+mn-lt"/>
+        <a:ea typeface="+mn-ea"/>
+        <a:cs typeface="+mn-cs"/>
+      </a:defRPr>
+    </a:lvl2pPr>
+    <a:lvl3pPr marL="914400" algn="l" defTabSz="914400" rtl="0" eaLnBrk="1" latinLnBrk="0" hangingPunct="1">
+      <a:defRPr sz="1200" kern="1200">
+        <a:solidFill>
+          <a:schemeClr val="tx1"/>
+        </a:solidFill>
+        <a:latin typeface="+mn-lt"/>
+        <a:ea typeface="+mn-ea"/>
+        <a:cs typeface="+mn-cs"/>
+      </a:defRPr>
+    </a:lvl3pPr>
+    <a:lvl4pPr marL="1371600" algn="l" defTabSz="914400" rtl="0" eaLnBrk="1" latinLnBrk="0" hangingPunct="1">
+      <a:defRPr sz="1200" kern="1200">
+        <a:solidFill>
+          <a:schemeClr val="tx1"/>
+        </a:solidFill>
+        <a:latin typeface="+mn-lt"/>
+        <a:ea typeface="+mn-ea"/>
+        <a:cs typeface="+mn-cs"/>
+      </a:defRPr>
+    </a:lvl4pPr>
+    <a:lvl5pPr marL="1828800" algn="l" defTabSz="914400" rtl="0" eaLnBrk="1" latinLnBrk="0" hangingPunct="1">
+      <a:defRPr sz="1200" kern="1200">
+        <a:solidFill>
+          <a:schemeClr val="tx1"/>
+        </a:solidFill>
+        <a:latin typeface="+mn-lt"/>
+        <a:ea typeface="+mn-ea"/>
+        <a:cs typeface="+mn-cs"/>
+      </a:defRPr>
+    </a:lvl5pPr>
+    <a:lvl6pPr marL="2286000" algn="l" defTabSz="914400" rtl="0" eaLnBrk="1" latinLnBrk="0" hangingPunct="1">
+      <a:defRPr sz="1200" kern="1200">
+        <a:solidFill>
+          <a:schemeClr val="tx1"/>
+        </a:solidFill>
+        <a:latin typeface="+mn-lt"/>
+        <a:ea typeface="+mn-ea"/>
+        <a:cs typeface="+mn-cs"/>
+      </a:defRPr>
+    </a:lvl6pPr>
+    <a:lvl7pPr marL="2743200" algn="l" defTabSz="914400" rtl="0" eaLnBrk="1" latinLnBrk="0" hangingPunct="1">
+      <a:defRPr sz="1200" kern="1200">
+        <a:solidFill>
+          <a:schemeClr val="tx1"/>
+        </a:solidFill>
+        <a:latin typeface="+mn-lt"/>
+        <a:ea typeface="+mn-ea"/>
+        <a:cs typeface="+mn-cs"/>
+      </a:defRPr>
+    </a:lvl7pPr>
+    <a:lvl8pPr marL="3200400" algn="l" defTabSz="914400" rtl="0" eaLnBrk="1" latinLnBrk="0" hangingPunct="1">
+      <a:defRPr sz="1200" kern="1200">
+        <a:solidFill>
+          <a:schemeClr val="tx1"/>
+        </a:solidFill>
+        <a:latin typeface="+mn-lt"/>
+        <a:ea typeface="+mn-ea"/>
+        <a:cs typeface="+mn-cs"/>
+      </a:defRPr>
+    </a:lvl8pPr>
+    <a:lvl9pPr marL="3657600" algn="l" defTabSz="914400" rtl="0" eaLnBrk="1" latinLnBrk="0" hangingPunct="1">
+      <a:defRPr sz="1200" kern="1200">
+        <a:solidFill>
+          <a:schemeClr val="tx1"/>
+        </a:solidFill>
+        <a:latin typeface="+mn-lt"/>
+        <a:ea typeface="+mn-ea"/>
+        <a:cs typeface="+mn-cs"/>
+      </a:defRPr>
+    </a:lvl9pPr>
+  </p:notesStyle>
+</p:notesMaster>
+</file>
+
+<file path=ppt/notesSlides/notesSlide1.xml><?xml version="1.0" encoding="utf-8"?>
+<p:notes xmlns:a="http://schemas.openxmlformats.org/drawingml/2006/main" xmlns:r="http://schemas.openxmlformats.org/officeDocument/2006/relationships" xmlns:p="http://schemas.openxmlformats.org/presentationml/2006/main">
   <p:cSld>
     <p:spTree>
       <p:nvGrpSpPr>
@@ -34,292 +447,63 @@
       </p:grpSpPr>
       <p:sp>
         <p:nvSpPr>
-          <p:cNvPr id="36" name="PlaceHolder 1"/>
+          <p:cNvPr id="64" name="PlaceHolder 1"/>
+          <p:cNvSpPr>
+            <a:spLocks noGrp="1" noRot="1" noChangeAspect="1"/>
+          </p:cNvSpPr>
+          <p:nvPr>
+            <p:ph type="sldImg"/>
+          </p:nvPr>
+        </p:nvSpPr>
+        <p:spPr>
+          <a:xfrm>
+            <a:off x="3181350" y="512763"/>
+            <a:ext cx="3617913" cy="2559050"/>
+          </a:xfrm>
+          <a:prstGeom prst="rect">
+            <a:avLst/>
+          </a:prstGeom>
+        </p:spPr>
+      </p:sp>
+      <p:sp>
+        <p:nvSpPr>
+          <p:cNvPr id="65" name="PlaceHolder 2"/>
           <p:cNvSpPr>
             <a:spLocks noGrp="1"/>
           </p:cNvSpPr>
           <p:nvPr>
-            <p:ph type="sldImg"/>
-          </p:nvPr>
-        </p:nvSpPr>
-        <p:spPr>
-          <a:xfrm>
-            <a:off x="216000" y="812520"/>
-            <a:ext cx="7127280" cy="4008960"/>
-          </a:xfrm>
-          <a:prstGeom prst="rect">
-            <a:avLst/>
-          </a:prstGeom>
-        </p:spPr>
-        <p:txBody>
-          <a:bodyPr lIns="0" rIns="0" tIns="0" bIns="0" anchor="ctr"/>
-          <a:p>
-            <a:pPr algn="ctr"/>
-            <a:r>
-              <a:rPr b="0" lang="es-ES" sz="4400" spc="-1" strike="noStrike">
-                <a:latin typeface="Arial"/>
-              </a:rPr>
-              <a:t>Pulse para desplazar la página</a:t>
-            </a:r>
-            <a:endParaRPr b="0" lang="es-ES" sz="4400" spc="-1" strike="noStrike">
-              <a:latin typeface="Arial"/>
-            </a:endParaRPr>
-          </a:p>
-        </p:txBody>
-      </p:sp>
-      <p:sp>
-        <p:nvSpPr>
-          <p:cNvPr id="37" name="PlaceHolder 2"/>
-          <p:cNvSpPr>
-            <a:spLocks noGrp="1"/>
-          </p:cNvSpPr>
-          <p:nvPr>
             <p:ph type="body"/>
           </p:nvPr>
         </p:nvSpPr>
         <p:spPr>
           <a:xfrm>
-            <a:off x="756000" y="5078520"/>
-            <a:ext cx="6047640" cy="4811040"/>
-          </a:xfrm>
-          <a:prstGeom prst="rect">
-            <a:avLst/>
-          </a:prstGeom>
-        </p:spPr>
-        <p:txBody>
-          <a:bodyPr lIns="0" rIns="0" tIns="0" bIns="0"/>
-          <a:p>
-            <a:r>
-              <a:rPr b="0" lang="es-ES" sz="2000" spc="-1" strike="noStrike">
-                <a:latin typeface="Arial"/>
-              </a:rPr>
-              <a:t>Pulse para editar el formato de las notas</a:t>
-            </a:r>
-            <a:endParaRPr b="0" lang="es-ES" sz="2000" spc="-1" strike="noStrike">
-              <a:latin typeface="Arial"/>
-            </a:endParaRPr>
-          </a:p>
-        </p:txBody>
-      </p:sp>
-      <p:sp>
-        <p:nvSpPr>
-          <p:cNvPr id="38" name="PlaceHolder 3"/>
-          <p:cNvSpPr>
-            <a:spLocks noGrp="1"/>
-          </p:cNvSpPr>
-          <p:nvPr>
-            <p:ph type="hdr"/>
-          </p:nvPr>
-        </p:nvSpPr>
-        <p:spPr>
-          <a:xfrm>
-            <a:off x="0" y="0"/>
-            <a:ext cx="3280680" cy="534240"/>
-          </a:xfrm>
-          <a:prstGeom prst="rect">
-            <a:avLst/>
-          </a:prstGeom>
-        </p:spPr>
-        <p:txBody>
-          <a:bodyPr lIns="0" rIns="0" tIns="0" bIns="0"/>
-          <a:p>
-            <a:r>
-              <a:rPr b="0" lang="es-ES" sz="1400" spc="-1" strike="noStrike">
-                <a:latin typeface="Times New Roman"/>
-              </a:rPr>
-              <a:t>&lt;cabecera&gt;</a:t>
-            </a:r>
-            <a:endParaRPr b="0" lang="es-ES" sz="1400" spc="-1" strike="noStrike">
-              <a:latin typeface="Times New Roman"/>
-            </a:endParaRPr>
-          </a:p>
-        </p:txBody>
-      </p:sp>
-      <p:sp>
-        <p:nvSpPr>
-          <p:cNvPr id="39" name="PlaceHolder 4"/>
-          <p:cNvSpPr>
-            <a:spLocks noGrp="1"/>
-          </p:cNvSpPr>
-          <p:nvPr>
-            <p:ph type="dt"/>
-          </p:nvPr>
-        </p:nvSpPr>
-        <p:spPr>
-          <a:xfrm>
-            <a:off x="4278960" y="0"/>
-            <a:ext cx="3280680" cy="534240"/>
-          </a:xfrm>
-          <a:prstGeom prst="rect">
-            <a:avLst/>
-          </a:prstGeom>
-        </p:spPr>
-        <p:txBody>
-          <a:bodyPr lIns="0" rIns="0" tIns="0" bIns="0"/>
-          <a:p>
-            <a:pPr algn="r"/>
-            <a:r>
-              <a:rPr b="0" lang="es-ES" sz="1400" spc="-1" strike="noStrike">
-                <a:latin typeface="Times New Roman"/>
-              </a:rPr>
-              <a:t>&lt;fecha/hora&gt;</a:t>
-            </a:r>
-            <a:endParaRPr b="0" lang="es-ES" sz="1400" spc="-1" strike="noStrike">
-              <a:latin typeface="Times New Roman"/>
-            </a:endParaRPr>
-          </a:p>
-        </p:txBody>
-      </p:sp>
-      <p:sp>
-        <p:nvSpPr>
-          <p:cNvPr id="40" name="PlaceHolder 5"/>
-          <p:cNvSpPr>
-            <a:spLocks noGrp="1"/>
-          </p:cNvSpPr>
-          <p:nvPr>
-            <p:ph type="ftr"/>
-          </p:nvPr>
-        </p:nvSpPr>
-        <p:spPr>
-          <a:xfrm>
-            <a:off x="0" y="10157400"/>
-            <a:ext cx="3280680" cy="534240"/>
-          </a:xfrm>
-          <a:prstGeom prst="rect">
-            <a:avLst/>
-          </a:prstGeom>
-        </p:spPr>
-        <p:txBody>
-          <a:bodyPr lIns="0" rIns="0" tIns="0" bIns="0" anchor="b"/>
-          <a:p>
-            <a:r>
-              <a:rPr b="0" lang="es-ES" sz="1400" spc="-1" strike="noStrike">
-                <a:latin typeface="Times New Roman"/>
-              </a:rPr>
-              <a:t>&lt;pie de página&gt;</a:t>
-            </a:r>
-            <a:endParaRPr b="0" lang="es-ES" sz="1400" spc="-1" strike="noStrike">
-              <a:latin typeface="Times New Roman"/>
-            </a:endParaRPr>
-          </a:p>
-        </p:txBody>
-      </p:sp>
-      <p:sp>
-        <p:nvSpPr>
-          <p:cNvPr id="41" name="PlaceHolder 6"/>
-          <p:cNvSpPr>
-            <a:spLocks noGrp="1"/>
-          </p:cNvSpPr>
-          <p:nvPr>
-            <p:ph type="sldNum"/>
-          </p:nvPr>
-        </p:nvSpPr>
-        <p:spPr>
-          <a:xfrm>
-            <a:off x="4278960" y="10157400"/>
-            <a:ext cx="3280680" cy="534240"/>
-          </a:xfrm>
-          <a:prstGeom prst="rect">
-            <a:avLst/>
-          </a:prstGeom>
-        </p:spPr>
-        <p:txBody>
-          <a:bodyPr lIns="0" rIns="0" tIns="0" bIns="0" anchor="b"/>
-          <a:p>
-            <a:pPr algn="r"/>
-            <a:fld id="{28E3E4B4-4D89-48DC-B4E0-DDADC9427B69}" type="slidenum">
-              <a:rPr b="0" lang="es-ES" sz="1400" spc="-1" strike="noStrike">
-                <a:latin typeface="Times New Roman"/>
-              </a:rPr>
-              <a:t>&lt;número&gt;</a:t>
-            </a:fld>
-            <a:endParaRPr b="0" lang="es-ES" sz="1400" spc="-1" strike="noStrike">
-              <a:latin typeface="Times New Roman"/>
-            </a:endParaRPr>
-          </a:p>
-        </p:txBody>
-      </p:sp>
-    </p:spTree>
-  </p:cSld>
-  <p:clrMap bg1="lt1" bg2="lt2" tx1="dk1" tx2="dk2" accent1="accent1" accent2="accent2" accent3="accent3" accent4="accent4" accent5="accent5" accent6="accent6" hlink="hlink" folHlink="folHlink"/>
-</p:notesMaster>
-</file>
-
-<file path=ppt/notesSlides/notesSlide1.xml><?xml version="1.0" encoding="utf-8"?>
-<p:notes xmlns:a="http://schemas.openxmlformats.org/drawingml/2006/main" xmlns:p="http://schemas.openxmlformats.org/presentationml/2006/main" xmlns:r="http://schemas.openxmlformats.org/officeDocument/2006/relationships" xmlns:p14="http://schemas.microsoft.com/office/powerpoint/2010/main" xmlns:p15="http://schemas.microsoft.com/office/powerpoint/2012/main" xmlns:mc="http://schemas.openxmlformats.org/markup-compatibility/2006">
-  <p:cSld>
-    <p:spTree>
-      <p:nvGrpSpPr>
-        <p:cNvPr id="1" name=""/>
-        <p:cNvGrpSpPr/>
-        <p:nvPr/>
-      </p:nvGrpSpPr>
-      <p:grpSpPr>
-        <a:xfrm>
-          <a:off x="0" y="0"/>
-          <a:ext cx="0" cy="0"/>
-          <a:chOff x="0" y="0"/>
-          <a:chExt cx="0" cy="0"/>
-        </a:xfrm>
-      </p:grpSpPr>
-      <p:sp>
-        <p:nvSpPr>
-          <p:cNvPr id="62" name="PlaceHolder 1"/>
-          <p:cNvSpPr>
-            <a:spLocks noGrp="1"/>
-          </p:cNvSpPr>
-          <p:nvPr>
-            <p:ph type="sldImg"/>
-          </p:nvPr>
-        </p:nvSpPr>
-        <p:spPr>
-          <a:xfrm>
-            <a:off x="3181320" y="512640"/>
-            <a:ext cx="3618000" cy="2559240"/>
-          </a:xfrm>
-          <a:prstGeom prst="rect">
-            <a:avLst/>
-          </a:prstGeom>
-        </p:spPr>
-      </p:sp>
-      <p:sp>
-        <p:nvSpPr>
-          <p:cNvPr id="63" name="PlaceHolder 2"/>
-          <p:cNvSpPr>
-            <a:spLocks noGrp="1"/>
-          </p:cNvSpPr>
-          <p:nvPr>
-            <p:ph type="body"/>
-          </p:nvPr>
-        </p:nvSpPr>
-        <p:spPr>
-          <a:xfrm>
             <a:off x="999000" y="3246480"/>
-            <a:ext cx="7981200" cy="3073680"/>
-          </a:xfrm>
-          <a:prstGeom prst="rect">
-            <a:avLst/>
-          </a:prstGeom>
-        </p:spPr>
-        <p:txBody>
-          <a:bodyPr lIns="0" rIns="0" tIns="0" bIns="0"/>
-          <a:p>
-            <a:endParaRPr b="0" lang="es-ES" sz="2000" spc="-1" strike="noStrike">
-              <a:latin typeface="Arial"/>
-            </a:endParaRPr>
-          </a:p>
-        </p:txBody>
-      </p:sp>
-      <p:sp>
-        <p:nvSpPr>
-          <p:cNvPr id="64" name="CustomShape 3"/>
+            <a:ext cx="7981560" cy="3074040"/>
+          </a:xfrm>
+          <a:prstGeom prst="rect">
+            <a:avLst/>
+          </a:prstGeom>
+        </p:spPr>
+        <p:txBody>
+          <a:bodyPr lIns="0" tIns="0" rIns="0" bIns="0"/>
+          <a:lstStyle/>
+          <a:p>
+            <a:endParaRPr lang="es-ES" sz="2000" b="0" strike="noStrike" spc="-1">
+              <a:latin typeface="Arial"/>
+            </a:endParaRPr>
+          </a:p>
+        </p:txBody>
+      </p:sp>
+      <p:sp>
+        <p:nvSpPr>
+          <p:cNvPr id="66" name="CustomShape 3"/>
           <p:cNvSpPr/>
           <p:nvPr/>
         </p:nvSpPr>
         <p:spPr>
           <a:xfrm>
             <a:off x="5653800" y="6491880"/>
-            <a:ext cx="4321080" cy="339120"/>
+            <a:ext cx="4321440" cy="339480"/>
           </a:xfrm>
           <a:prstGeom prst="rect">
             <a:avLst/>
@@ -330,19 +514,28 @@
           </a:ln>
         </p:spPr>
         <p:style>
-          <a:lnRef idx="0"/>
-          <a:fillRef idx="0"/>
-          <a:effectRef idx="0"/>
+          <a:lnRef idx="0">
+            <a:scrgbClr r="0" g="0" b="0"/>
+          </a:lnRef>
+          <a:fillRef idx="0">
+            <a:scrgbClr r="0" g="0" b="0"/>
+          </a:fillRef>
+          <a:effectRef idx="0">
+            <a:scrgbClr r="0" g="0" b="0"/>
+          </a:effectRef>
           <a:fontRef idx="minor"/>
         </p:style>
       </p:sp>
     </p:spTree>
   </p:cSld>
+  <p:clrMapOvr>
+    <a:masterClrMapping/>
+  </p:clrMapOvr>
 </p:notes>
 </file>
 
 <file path=ppt/slideLayouts/slideLayout1.xml><?xml version="1.0" encoding="utf-8"?>
-<p:sldLayout xmlns:a="http://schemas.openxmlformats.org/drawingml/2006/main" xmlns:p="http://schemas.openxmlformats.org/presentationml/2006/main" xmlns:r="http://schemas.openxmlformats.org/officeDocument/2006/relationships" xmlns:p14="http://schemas.microsoft.com/office/powerpoint/2010/main" xmlns:p15="http://schemas.microsoft.com/office/powerpoint/2012/main" xmlns:mc="http://schemas.openxmlformats.org/markup-compatibility/2006" type="blank" preserve="1">
+<p:sldLayout xmlns:a="http://schemas.openxmlformats.org/drawingml/2006/main" xmlns:r="http://schemas.openxmlformats.org/officeDocument/2006/relationships" xmlns:p="http://schemas.openxmlformats.org/presentationml/2006/main" type="blank" preserve="1">
   <p:cSld name="Blank Slide">
     <p:spTree>
       <p:nvGrpSpPr>
@@ -360,11 +553,14 @@
       </p:grpSpPr>
     </p:spTree>
   </p:cSld>
+  <p:clrMapOvr>
+    <a:masterClrMapping/>
+  </p:clrMapOvr>
 </p:sldLayout>
 </file>
 
 <file path=ppt/slideLayouts/slideLayout10.xml><?xml version="1.0" encoding="utf-8"?>
-<p:sldLayout xmlns:a="http://schemas.openxmlformats.org/drawingml/2006/main" xmlns:p="http://schemas.openxmlformats.org/presentationml/2006/main" xmlns:r="http://schemas.openxmlformats.org/officeDocument/2006/relationships" xmlns:p14="http://schemas.microsoft.com/office/powerpoint/2010/main" xmlns:p15="http://schemas.microsoft.com/office/powerpoint/2012/main" xmlns:mc="http://schemas.openxmlformats.org/markup-compatibility/2006" type="objOverTx" preserve="1">
+<p:sldLayout xmlns:a="http://schemas.openxmlformats.org/drawingml/2006/main" xmlns:r="http://schemas.openxmlformats.org/officeDocument/2006/relationships" xmlns:p="http://schemas.openxmlformats.org/presentationml/2006/main" type="objOverTx" preserve="1">
   <p:cSld name="Title, Content over Content">
     <p:spTree>
       <p:nvGrpSpPr>
@@ -382,7 +578,7 @@
       </p:grpSpPr>
       <p:sp>
         <p:nvSpPr>
-          <p:cNvPr id="21" name="PlaceHolder 1"/>
+          <p:cNvPr id="23" name="PlaceHolder 1"/>
           <p:cNvSpPr>
             <a:spLocks noGrp="1"/>
           </p:cNvSpPr>
@@ -400,18 +596,19 @@
           </a:prstGeom>
         </p:spPr>
         <p:txBody>
-          <a:bodyPr lIns="0" rIns="0" tIns="0" bIns="0" anchor="ctr"/>
+          <a:bodyPr lIns="0" tIns="0" rIns="0" bIns="0" anchor="ctr"/>
+          <a:lstStyle/>
           <a:p>
             <a:pPr algn="ctr"/>
-            <a:endParaRPr b="0" lang="es-ES" sz="4400" spc="-1" strike="noStrike">
-              <a:latin typeface="Arial"/>
-            </a:endParaRPr>
-          </a:p>
-        </p:txBody>
-      </p:sp>
-      <p:sp>
-        <p:nvSpPr>
-          <p:cNvPr id="22" name="PlaceHolder 2"/>
+            <a:endParaRPr lang="es-ES" sz="4400" b="0" strike="noStrike" spc="-1">
+              <a:latin typeface="Arial"/>
+            </a:endParaRPr>
+          </a:p>
+        </p:txBody>
+      </p:sp>
+      <p:sp>
+        <p:nvSpPr>
+          <p:cNvPr id="24" name="PlaceHolder 2"/>
           <p:cNvSpPr>
             <a:spLocks noGrp="1"/>
           </p:cNvSpPr>
@@ -429,19 +626,20 @@
           </a:prstGeom>
         </p:spPr>
         <p:txBody>
-          <a:bodyPr lIns="0" rIns="0" tIns="0" bIns="0">
+          <a:bodyPr lIns="0" tIns="0" rIns="0" bIns="0">
             <a:normAutofit/>
           </a:bodyPr>
-          <a:p>
-            <a:endParaRPr b="0" lang="es-ES" sz="3200" spc="-1" strike="noStrike">
-              <a:latin typeface="Arial"/>
-            </a:endParaRPr>
-          </a:p>
-        </p:txBody>
-      </p:sp>
-      <p:sp>
-        <p:nvSpPr>
-          <p:cNvPr id="23" name="PlaceHolder 3"/>
+          <a:lstStyle/>
+          <a:p>
+            <a:endParaRPr lang="es-ES" sz="3200" b="0" strike="noStrike" spc="-1">
+              <a:latin typeface="Arial"/>
+            </a:endParaRPr>
+          </a:p>
+        </p:txBody>
+      </p:sp>
+      <p:sp>
+        <p:nvSpPr>
+          <p:cNvPr id="25" name="PlaceHolder 3"/>
           <p:cNvSpPr>
             <a:spLocks noGrp="1"/>
           </p:cNvSpPr>
@@ -459,11 +657,12 @@
           </a:prstGeom>
         </p:spPr>
         <p:txBody>
-          <a:bodyPr lIns="0" rIns="0" tIns="0" bIns="0">
+          <a:bodyPr lIns="0" tIns="0" rIns="0" bIns="0">
             <a:normAutofit/>
           </a:bodyPr>
-          <a:p>
-            <a:endParaRPr b="0" lang="es-ES" sz="3200" spc="-1" strike="noStrike">
+          <a:lstStyle/>
+          <a:p>
+            <a:endParaRPr lang="es-ES" sz="3200" b="0" strike="noStrike" spc="-1">
               <a:latin typeface="Arial"/>
             </a:endParaRPr>
           </a:p>
@@ -471,11 +670,14 @@
       </p:sp>
     </p:spTree>
   </p:cSld>
+  <p:clrMapOvr>
+    <a:masterClrMapping/>
+  </p:clrMapOvr>
 </p:sldLayout>
 </file>
 
 <file path=ppt/slideLayouts/slideLayout11.xml><?xml version="1.0" encoding="utf-8"?>
-<p:sldLayout xmlns:a="http://schemas.openxmlformats.org/drawingml/2006/main" xmlns:p="http://schemas.openxmlformats.org/presentationml/2006/main" xmlns:r="http://schemas.openxmlformats.org/officeDocument/2006/relationships" xmlns:p14="http://schemas.microsoft.com/office/powerpoint/2010/main" xmlns:p15="http://schemas.microsoft.com/office/powerpoint/2012/main" xmlns:mc="http://schemas.openxmlformats.org/markup-compatibility/2006" type="fourObj" preserve="1">
+<p:sldLayout xmlns:a="http://schemas.openxmlformats.org/drawingml/2006/main" xmlns:r="http://schemas.openxmlformats.org/officeDocument/2006/relationships" xmlns:p="http://schemas.openxmlformats.org/presentationml/2006/main" type="fourObj" preserve="1">
   <p:cSld name="Title, 4 Content">
     <p:spTree>
       <p:nvGrpSpPr>
@@ -493,7 +695,7 @@
       </p:grpSpPr>
       <p:sp>
         <p:nvSpPr>
-          <p:cNvPr id="24" name="PlaceHolder 1"/>
+          <p:cNvPr id="26" name="PlaceHolder 1"/>
           <p:cNvSpPr>
             <a:spLocks noGrp="1"/>
           </p:cNvSpPr>
@@ -511,18 +713,19 @@
           </a:prstGeom>
         </p:spPr>
         <p:txBody>
-          <a:bodyPr lIns="0" rIns="0" tIns="0" bIns="0" anchor="ctr"/>
+          <a:bodyPr lIns="0" tIns="0" rIns="0" bIns="0" anchor="ctr"/>
+          <a:lstStyle/>
           <a:p>
             <a:pPr algn="ctr"/>
-            <a:endParaRPr b="0" lang="es-ES" sz="4400" spc="-1" strike="noStrike">
-              <a:latin typeface="Arial"/>
-            </a:endParaRPr>
-          </a:p>
-        </p:txBody>
-      </p:sp>
-      <p:sp>
-        <p:nvSpPr>
-          <p:cNvPr id="25" name="PlaceHolder 2"/>
+            <a:endParaRPr lang="es-ES" sz="4400" b="0" strike="noStrike" spc="-1">
+              <a:latin typeface="Arial"/>
+            </a:endParaRPr>
+          </a:p>
+        </p:txBody>
+      </p:sp>
+      <p:sp>
+        <p:nvSpPr>
+          <p:cNvPr id="27" name="PlaceHolder 2"/>
           <p:cNvSpPr>
             <a:spLocks noGrp="1"/>
           </p:cNvSpPr>
@@ -540,19 +743,20 @@
           </a:prstGeom>
         </p:spPr>
         <p:txBody>
-          <a:bodyPr lIns="0" rIns="0" tIns="0" bIns="0">
+          <a:bodyPr lIns="0" tIns="0" rIns="0" bIns="0">
             <a:normAutofit/>
           </a:bodyPr>
-          <a:p>
-            <a:endParaRPr b="0" lang="es-ES" sz="3200" spc="-1" strike="noStrike">
-              <a:latin typeface="Arial"/>
-            </a:endParaRPr>
-          </a:p>
-        </p:txBody>
-      </p:sp>
-      <p:sp>
-        <p:nvSpPr>
-          <p:cNvPr id="26" name="PlaceHolder 3"/>
+          <a:lstStyle/>
+          <a:p>
+            <a:endParaRPr lang="es-ES" sz="3200" b="0" strike="noStrike" spc="-1">
+              <a:latin typeface="Arial"/>
+            </a:endParaRPr>
+          </a:p>
+        </p:txBody>
+      </p:sp>
+      <p:sp>
+        <p:nvSpPr>
+          <p:cNvPr id="28" name="PlaceHolder 3"/>
           <p:cNvSpPr>
             <a:spLocks noGrp="1"/>
           </p:cNvSpPr>
@@ -570,19 +774,20 @@
           </a:prstGeom>
         </p:spPr>
         <p:txBody>
-          <a:bodyPr lIns="0" rIns="0" tIns="0" bIns="0">
+          <a:bodyPr lIns="0" tIns="0" rIns="0" bIns="0">
             <a:normAutofit/>
           </a:bodyPr>
-          <a:p>
-            <a:endParaRPr b="0" lang="es-ES" sz="3200" spc="-1" strike="noStrike">
-              <a:latin typeface="Arial"/>
-            </a:endParaRPr>
-          </a:p>
-        </p:txBody>
-      </p:sp>
-      <p:sp>
-        <p:nvSpPr>
-          <p:cNvPr id="27" name="PlaceHolder 4"/>
+          <a:lstStyle/>
+          <a:p>
+            <a:endParaRPr lang="es-ES" sz="3200" b="0" strike="noStrike" spc="-1">
+              <a:latin typeface="Arial"/>
+            </a:endParaRPr>
+          </a:p>
+        </p:txBody>
+      </p:sp>
+      <p:sp>
+        <p:nvSpPr>
+          <p:cNvPr id="29" name="PlaceHolder 4"/>
           <p:cNvSpPr>
             <a:spLocks noGrp="1"/>
           </p:cNvSpPr>
@@ -600,19 +805,20 @@
           </a:prstGeom>
         </p:spPr>
         <p:txBody>
-          <a:bodyPr lIns="0" rIns="0" tIns="0" bIns="0">
+          <a:bodyPr lIns="0" tIns="0" rIns="0" bIns="0">
             <a:normAutofit/>
           </a:bodyPr>
-          <a:p>
-            <a:endParaRPr b="0" lang="es-ES" sz="3200" spc="-1" strike="noStrike">
-              <a:latin typeface="Arial"/>
-            </a:endParaRPr>
-          </a:p>
-        </p:txBody>
-      </p:sp>
-      <p:sp>
-        <p:nvSpPr>
-          <p:cNvPr id="28" name="PlaceHolder 5"/>
+          <a:lstStyle/>
+          <a:p>
+            <a:endParaRPr lang="es-ES" sz="3200" b="0" strike="noStrike" spc="-1">
+              <a:latin typeface="Arial"/>
+            </a:endParaRPr>
+          </a:p>
+        </p:txBody>
+      </p:sp>
+      <p:sp>
+        <p:nvSpPr>
+          <p:cNvPr id="30" name="PlaceHolder 5"/>
           <p:cNvSpPr>
             <a:spLocks noGrp="1"/>
           </p:cNvSpPr>
@@ -630,11 +836,12 @@
           </a:prstGeom>
         </p:spPr>
         <p:txBody>
-          <a:bodyPr lIns="0" rIns="0" tIns="0" bIns="0">
+          <a:bodyPr lIns="0" tIns="0" rIns="0" bIns="0">
             <a:normAutofit/>
           </a:bodyPr>
-          <a:p>
-            <a:endParaRPr b="0" lang="es-ES" sz="3200" spc="-1" strike="noStrike">
+          <a:lstStyle/>
+          <a:p>
+            <a:endParaRPr lang="es-ES" sz="3200" b="0" strike="noStrike" spc="-1">
               <a:latin typeface="Arial"/>
             </a:endParaRPr>
           </a:p>
@@ -642,11 +849,14 @@
       </p:sp>
     </p:spTree>
   </p:cSld>
+  <p:clrMapOvr>
+    <a:masterClrMapping/>
+  </p:clrMapOvr>
 </p:sldLayout>
 </file>
 
 <file path=ppt/slideLayouts/slideLayout12.xml><?xml version="1.0" encoding="utf-8"?>
-<p:sldLayout xmlns:a="http://schemas.openxmlformats.org/drawingml/2006/main" xmlns:p="http://schemas.openxmlformats.org/presentationml/2006/main" xmlns:r="http://schemas.openxmlformats.org/officeDocument/2006/relationships" xmlns:p14="http://schemas.microsoft.com/office/powerpoint/2010/main" xmlns:p15="http://schemas.microsoft.com/office/powerpoint/2012/main" xmlns:mc="http://schemas.openxmlformats.org/markup-compatibility/2006" type="blank" preserve="1">
+<p:sldLayout xmlns:a="http://schemas.openxmlformats.org/drawingml/2006/main" xmlns:r="http://schemas.openxmlformats.org/officeDocument/2006/relationships" xmlns:p="http://schemas.openxmlformats.org/presentationml/2006/main" type="blank" preserve="1">
   <p:cSld name="Title, 6 Content">
     <p:spTree>
       <p:nvGrpSpPr>
@@ -664,7 +874,7 @@
       </p:grpSpPr>
       <p:sp>
         <p:nvSpPr>
-          <p:cNvPr id="29" name="PlaceHolder 1"/>
+          <p:cNvPr id="31" name="PlaceHolder 1"/>
           <p:cNvSpPr>
             <a:spLocks noGrp="1"/>
           </p:cNvSpPr>
@@ -682,18 +892,19 @@
           </a:prstGeom>
         </p:spPr>
         <p:txBody>
-          <a:bodyPr lIns="0" rIns="0" tIns="0" bIns="0" anchor="ctr"/>
+          <a:bodyPr lIns="0" tIns="0" rIns="0" bIns="0" anchor="ctr"/>
+          <a:lstStyle/>
           <a:p>
             <a:pPr algn="ctr"/>
-            <a:endParaRPr b="0" lang="es-ES" sz="4400" spc="-1" strike="noStrike">
-              <a:latin typeface="Arial"/>
-            </a:endParaRPr>
-          </a:p>
-        </p:txBody>
-      </p:sp>
-      <p:sp>
-        <p:nvSpPr>
-          <p:cNvPr id="30" name="PlaceHolder 2"/>
+            <a:endParaRPr lang="es-ES" sz="4400" b="0" strike="noStrike" spc="-1">
+              <a:latin typeface="Arial"/>
+            </a:endParaRPr>
+          </a:p>
+        </p:txBody>
+      </p:sp>
+      <p:sp>
+        <p:nvSpPr>
+          <p:cNvPr id="32" name="PlaceHolder 2"/>
           <p:cNvSpPr>
             <a:spLocks noGrp="1"/>
           </p:cNvSpPr>
@@ -711,19 +922,20 @@
           </a:prstGeom>
         </p:spPr>
         <p:txBody>
-          <a:bodyPr lIns="0" rIns="0" tIns="0" bIns="0">
+          <a:bodyPr lIns="0" tIns="0" rIns="0" bIns="0">
             <a:normAutofit/>
           </a:bodyPr>
-          <a:p>
-            <a:endParaRPr b="0" lang="es-ES" sz="3200" spc="-1" strike="noStrike">
-              <a:latin typeface="Arial"/>
-            </a:endParaRPr>
-          </a:p>
-        </p:txBody>
-      </p:sp>
-      <p:sp>
-        <p:nvSpPr>
-          <p:cNvPr id="31" name="PlaceHolder 3"/>
+          <a:lstStyle/>
+          <a:p>
+            <a:endParaRPr lang="es-ES" sz="3200" b="0" strike="noStrike" spc="-1">
+              <a:latin typeface="Arial"/>
+            </a:endParaRPr>
+          </a:p>
+        </p:txBody>
+      </p:sp>
+      <p:sp>
+        <p:nvSpPr>
+          <p:cNvPr id="33" name="PlaceHolder 3"/>
           <p:cNvSpPr>
             <a:spLocks noGrp="1"/>
           </p:cNvSpPr>
@@ -741,19 +953,20 @@
           </a:prstGeom>
         </p:spPr>
         <p:txBody>
-          <a:bodyPr lIns="0" rIns="0" tIns="0" bIns="0">
+          <a:bodyPr lIns="0" tIns="0" rIns="0" bIns="0">
             <a:normAutofit/>
           </a:bodyPr>
-          <a:p>
-            <a:endParaRPr b="0" lang="es-ES" sz="3200" spc="-1" strike="noStrike">
-              <a:latin typeface="Arial"/>
-            </a:endParaRPr>
-          </a:p>
-        </p:txBody>
-      </p:sp>
-      <p:sp>
-        <p:nvSpPr>
-          <p:cNvPr id="32" name="PlaceHolder 4"/>
+          <a:lstStyle/>
+          <a:p>
+            <a:endParaRPr lang="es-ES" sz="3200" b="0" strike="noStrike" spc="-1">
+              <a:latin typeface="Arial"/>
+            </a:endParaRPr>
+          </a:p>
+        </p:txBody>
+      </p:sp>
+      <p:sp>
+        <p:nvSpPr>
+          <p:cNvPr id="34" name="PlaceHolder 4"/>
           <p:cNvSpPr>
             <a:spLocks noGrp="1"/>
           </p:cNvSpPr>
@@ -771,19 +984,20 @@
           </a:prstGeom>
         </p:spPr>
         <p:txBody>
-          <a:bodyPr lIns="0" rIns="0" tIns="0" bIns="0">
+          <a:bodyPr lIns="0" tIns="0" rIns="0" bIns="0">
             <a:normAutofit/>
           </a:bodyPr>
-          <a:p>
-            <a:endParaRPr b="0" lang="es-ES" sz="3200" spc="-1" strike="noStrike">
-              <a:latin typeface="Arial"/>
-            </a:endParaRPr>
-          </a:p>
-        </p:txBody>
-      </p:sp>
-      <p:sp>
-        <p:nvSpPr>
-          <p:cNvPr id="33" name="PlaceHolder 5"/>
+          <a:lstStyle/>
+          <a:p>
+            <a:endParaRPr lang="es-ES" sz="3200" b="0" strike="noStrike" spc="-1">
+              <a:latin typeface="Arial"/>
+            </a:endParaRPr>
+          </a:p>
+        </p:txBody>
+      </p:sp>
+      <p:sp>
+        <p:nvSpPr>
+          <p:cNvPr id="35" name="PlaceHolder 5"/>
           <p:cNvSpPr>
             <a:spLocks noGrp="1"/>
           </p:cNvSpPr>
@@ -801,19 +1015,20 @@
           </a:prstGeom>
         </p:spPr>
         <p:txBody>
-          <a:bodyPr lIns="0" rIns="0" tIns="0" bIns="0">
+          <a:bodyPr lIns="0" tIns="0" rIns="0" bIns="0">
             <a:normAutofit/>
           </a:bodyPr>
-          <a:p>
-            <a:endParaRPr b="0" lang="es-ES" sz="3200" spc="-1" strike="noStrike">
-              <a:latin typeface="Arial"/>
-            </a:endParaRPr>
-          </a:p>
-        </p:txBody>
-      </p:sp>
-      <p:sp>
-        <p:nvSpPr>
-          <p:cNvPr id="34" name="PlaceHolder 6"/>
+          <a:lstStyle/>
+          <a:p>
+            <a:endParaRPr lang="es-ES" sz="3200" b="0" strike="noStrike" spc="-1">
+              <a:latin typeface="Arial"/>
+            </a:endParaRPr>
+          </a:p>
+        </p:txBody>
+      </p:sp>
+      <p:sp>
+        <p:nvSpPr>
+          <p:cNvPr id="36" name="PlaceHolder 6"/>
           <p:cNvSpPr>
             <a:spLocks noGrp="1"/>
           </p:cNvSpPr>
@@ -831,19 +1046,20 @@
           </a:prstGeom>
         </p:spPr>
         <p:txBody>
-          <a:bodyPr lIns="0" rIns="0" tIns="0" bIns="0">
+          <a:bodyPr lIns="0" tIns="0" rIns="0" bIns="0">
             <a:normAutofit/>
           </a:bodyPr>
-          <a:p>
-            <a:endParaRPr b="0" lang="es-ES" sz="3200" spc="-1" strike="noStrike">
-              <a:latin typeface="Arial"/>
-            </a:endParaRPr>
-          </a:p>
-        </p:txBody>
-      </p:sp>
-      <p:sp>
-        <p:nvSpPr>
-          <p:cNvPr id="35" name="PlaceHolder 7"/>
+          <a:lstStyle/>
+          <a:p>
+            <a:endParaRPr lang="es-ES" sz="3200" b="0" strike="noStrike" spc="-1">
+              <a:latin typeface="Arial"/>
+            </a:endParaRPr>
+          </a:p>
+        </p:txBody>
+      </p:sp>
+      <p:sp>
+        <p:nvSpPr>
+          <p:cNvPr id="37" name="PlaceHolder 7"/>
           <p:cNvSpPr>
             <a:spLocks noGrp="1"/>
           </p:cNvSpPr>
@@ -861,11 +1077,12 @@
           </a:prstGeom>
         </p:spPr>
         <p:txBody>
-          <a:bodyPr lIns="0" rIns="0" tIns="0" bIns="0">
+          <a:bodyPr lIns="0" tIns="0" rIns="0" bIns="0">
             <a:normAutofit/>
           </a:bodyPr>
-          <a:p>
-            <a:endParaRPr b="0" lang="es-ES" sz="3200" spc="-1" strike="noStrike">
+          <a:lstStyle/>
+          <a:p>
+            <a:endParaRPr lang="es-ES" sz="3200" b="0" strike="noStrike" spc="-1">
               <a:latin typeface="Arial"/>
             </a:endParaRPr>
           </a:p>
@@ -873,11 +1090,14 @@
       </p:sp>
     </p:spTree>
   </p:cSld>
+  <p:clrMapOvr>
+    <a:masterClrMapping/>
+  </p:clrMapOvr>
 </p:sldLayout>
 </file>
 
 <file path=ppt/slideLayouts/slideLayout2.xml><?xml version="1.0" encoding="utf-8"?>
-<p:sldLayout xmlns:a="http://schemas.openxmlformats.org/drawingml/2006/main" xmlns:p="http://schemas.openxmlformats.org/presentationml/2006/main" xmlns:r="http://schemas.openxmlformats.org/officeDocument/2006/relationships" xmlns:p14="http://schemas.microsoft.com/office/powerpoint/2010/main" xmlns:p15="http://schemas.microsoft.com/office/powerpoint/2012/main" xmlns:mc="http://schemas.openxmlformats.org/markup-compatibility/2006" type="tx" preserve="1">
+<p:sldLayout xmlns:a="http://schemas.openxmlformats.org/drawingml/2006/main" xmlns:r="http://schemas.openxmlformats.org/officeDocument/2006/relationships" xmlns:p="http://schemas.openxmlformats.org/presentationml/2006/main" type="tx" preserve="1">
   <p:cSld name="Title Slide">
     <p:spTree>
       <p:nvGrpSpPr>
@@ -895,7 +1115,7 @@
       </p:grpSpPr>
       <p:sp>
         <p:nvSpPr>
-          <p:cNvPr id="0" name="PlaceHolder 1"/>
+          <p:cNvPr id="2" name="PlaceHolder 1"/>
           <p:cNvSpPr>
             <a:spLocks noGrp="1"/>
           </p:cNvSpPr>
@@ -913,18 +1133,19 @@
           </a:prstGeom>
         </p:spPr>
         <p:txBody>
-          <a:bodyPr lIns="0" rIns="0" tIns="0" bIns="0" anchor="ctr"/>
+          <a:bodyPr lIns="0" tIns="0" rIns="0" bIns="0" anchor="ctr"/>
+          <a:lstStyle/>
           <a:p>
             <a:pPr algn="ctr"/>
-            <a:endParaRPr b="0" lang="es-ES" sz="4400" spc="-1" strike="noStrike">
-              <a:latin typeface="Arial"/>
-            </a:endParaRPr>
-          </a:p>
-        </p:txBody>
-      </p:sp>
-      <p:sp>
-        <p:nvSpPr>
-          <p:cNvPr id="1" name="PlaceHolder 2"/>
+            <a:endParaRPr lang="es-ES" sz="4400" b="0" strike="noStrike" spc="-1">
+              <a:latin typeface="Arial"/>
+            </a:endParaRPr>
+          </a:p>
+        </p:txBody>
+      </p:sp>
+      <p:sp>
+        <p:nvSpPr>
+          <p:cNvPr id="3" name="PlaceHolder 2"/>
           <p:cNvSpPr>
             <a:spLocks noGrp="1"/>
           </p:cNvSpPr>
@@ -942,10 +1163,11 @@
           </a:prstGeom>
         </p:spPr>
         <p:txBody>
-          <a:bodyPr lIns="0" rIns="0" tIns="0" bIns="0" anchor="ctr"/>
+          <a:bodyPr lIns="0" tIns="0" rIns="0" bIns="0" anchor="ctr"/>
+          <a:lstStyle/>
           <a:p>
             <a:pPr algn="ctr"/>
-            <a:endParaRPr b="0" lang="es-ES" sz="3200" spc="-1" strike="noStrike">
+            <a:endParaRPr lang="es-ES" sz="3200" b="0" strike="noStrike" spc="-1">
               <a:latin typeface="Arial"/>
             </a:endParaRPr>
           </a:p>
@@ -953,11 +1175,14 @@
       </p:sp>
     </p:spTree>
   </p:cSld>
+  <p:clrMapOvr>
+    <a:masterClrMapping/>
+  </p:clrMapOvr>
 </p:sldLayout>
 </file>
 
 <file path=ppt/slideLayouts/slideLayout3.xml><?xml version="1.0" encoding="utf-8"?>
-<p:sldLayout xmlns:a="http://schemas.openxmlformats.org/drawingml/2006/main" xmlns:p="http://schemas.openxmlformats.org/presentationml/2006/main" xmlns:r="http://schemas.openxmlformats.org/officeDocument/2006/relationships" xmlns:p14="http://schemas.microsoft.com/office/powerpoint/2010/main" xmlns:p15="http://schemas.microsoft.com/office/powerpoint/2012/main" xmlns:mc="http://schemas.openxmlformats.org/markup-compatibility/2006" type="obj" preserve="1">
+<p:sldLayout xmlns:a="http://schemas.openxmlformats.org/drawingml/2006/main" xmlns:r="http://schemas.openxmlformats.org/officeDocument/2006/relationships" xmlns:p="http://schemas.openxmlformats.org/presentationml/2006/main" type="obj" preserve="1">
   <p:cSld name="Title, Content">
     <p:spTree>
       <p:nvGrpSpPr>
@@ -975,7 +1200,7 @@
       </p:grpSpPr>
       <p:sp>
         <p:nvSpPr>
-          <p:cNvPr id="2" name="PlaceHolder 1"/>
+          <p:cNvPr id="4" name="PlaceHolder 1"/>
           <p:cNvSpPr>
             <a:spLocks noGrp="1"/>
           </p:cNvSpPr>
@@ -993,18 +1218,19 @@
           </a:prstGeom>
         </p:spPr>
         <p:txBody>
-          <a:bodyPr lIns="0" rIns="0" tIns="0" bIns="0" anchor="ctr"/>
+          <a:bodyPr lIns="0" tIns="0" rIns="0" bIns="0" anchor="ctr"/>
+          <a:lstStyle/>
           <a:p>
             <a:pPr algn="ctr"/>
-            <a:endParaRPr b="0" lang="es-ES" sz="4400" spc="-1" strike="noStrike">
-              <a:latin typeface="Arial"/>
-            </a:endParaRPr>
-          </a:p>
-        </p:txBody>
-      </p:sp>
-      <p:sp>
-        <p:nvSpPr>
-          <p:cNvPr id="3" name="PlaceHolder 2"/>
+            <a:endParaRPr lang="es-ES" sz="4400" b="0" strike="noStrike" spc="-1">
+              <a:latin typeface="Arial"/>
+            </a:endParaRPr>
+          </a:p>
+        </p:txBody>
+      </p:sp>
+      <p:sp>
+        <p:nvSpPr>
+          <p:cNvPr id="5" name="PlaceHolder 2"/>
           <p:cNvSpPr>
             <a:spLocks noGrp="1"/>
           </p:cNvSpPr>
@@ -1022,11 +1248,12 @@
           </a:prstGeom>
         </p:spPr>
         <p:txBody>
-          <a:bodyPr lIns="0" rIns="0" tIns="0" bIns="0">
+          <a:bodyPr lIns="0" tIns="0" rIns="0" bIns="0">
             <a:normAutofit/>
           </a:bodyPr>
-          <a:p>
-            <a:endParaRPr b="0" lang="es-ES" sz="3200" spc="-1" strike="noStrike">
+          <a:lstStyle/>
+          <a:p>
+            <a:endParaRPr lang="es-ES" sz="3200" b="0" strike="noStrike" spc="-1">
               <a:latin typeface="Arial"/>
             </a:endParaRPr>
           </a:p>
@@ -1034,11 +1261,14 @@
       </p:sp>
     </p:spTree>
   </p:cSld>
+  <p:clrMapOvr>
+    <a:masterClrMapping/>
+  </p:clrMapOvr>
 </p:sldLayout>
 </file>
 
 <file path=ppt/slideLayouts/slideLayout4.xml><?xml version="1.0" encoding="utf-8"?>
-<p:sldLayout xmlns:a="http://schemas.openxmlformats.org/drawingml/2006/main" xmlns:p="http://schemas.openxmlformats.org/presentationml/2006/main" xmlns:r="http://schemas.openxmlformats.org/officeDocument/2006/relationships" xmlns:p14="http://schemas.microsoft.com/office/powerpoint/2010/main" xmlns:p15="http://schemas.microsoft.com/office/powerpoint/2012/main" xmlns:mc="http://schemas.openxmlformats.org/markup-compatibility/2006" type="twoObj" preserve="1">
+<p:sldLayout xmlns:a="http://schemas.openxmlformats.org/drawingml/2006/main" xmlns:r="http://schemas.openxmlformats.org/officeDocument/2006/relationships" xmlns:p="http://schemas.openxmlformats.org/presentationml/2006/main" type="twoObj" preserve="1">
   <p:cSld name="Title, 2 Content">
     <p:spTree>
       <p:nvGrpSpPr>
@@ -1056,7 +1286,7 @@
       </p:grpSpPr>
       <p:sp>
         <p:nvSpPr>
-          <p:cNvPr id="4" name="PlaceHolder 1"/>
+          <p:cNvPr id="6" name="PlaceHolder 1"/>
           <p:cNvSpPr>
             <a:spLocks noGrp="1"/>
           </p:cNvSpPr>
@@ -1074,18 +1304,19 @@
           </a:prstGeom>
         </p:spPr>
         <p:txBody>
-          <a:bodyPr lIns="0" rIns="0" tIns="0" bIns="0" anchor="ctr"/>
+          <a:bodyPr lIns="0" tIns="0" rIns="0" bIns="0" anchor="ctr"/>
+          <a:lstStyle/>
           <a:p>
             <a:pPr algn="ctr"/>
-            <a:endParaRPr b="0" lang="es-ES" sz="4400" spc="-1" strike="noStrike">
-              <a:latin typeface="Arial"/>
-            </a:endParaRPr>
-          </a:p>
-        </p:txBody>
-      </p:sp>
-      <p:sp>
-        <p:nvSpPr>
-          <p:cNvPr id="5" name="PlaceHolder 2"/>
+            <a:endParaRPr lang="es-ES" sz="4400" b="0" strike="noStrike" spc="-1">
+              <a:latin typeface="Arial"/>
+            </a:endParaRPr>
+          </a:p>
+        </p:txBody>
+      </p:sp>
+      <p:sp>
+        <p:nvSpPr>
+          <p:cNvPr id="7" name="PlaceHolder 2"/>
           <p:cNvSpPr>
             <a:spLocks noGrp="1"/>
           </p:cNvSpPr>
@@ -1103,19 +1334,20 @@
           </a:prstGeom>
         </p:spPr>
         <p:txBody>
-          <a:bodyPr lIns="0" rIns="0" tIns="0" bIns="0">
+          <a:bodyPr lIns="0" tIns="0" rIns="0" bIns="0">
             <a:normAutofit/>
           </a:bodyPr>
-          <a:p>
-            <a:endParaRPr b="0" lang="es-ES" sz="3200" spc="-1" strike="noStrike">
-              <a:latin typeface="Arial"/>
-            </a:endParaRPr>
-          </a:p>
-        </p:txBody>
-      </p:sp>
-      <p:sp>
-        <p:nvSpPr>
-          <p:cNvPr id="6" name="PlaceHolder 3"/>
+          <a:lstStyle/>
+          <a:p>
+            <a:endParaRPr lang="es-ES" sz="3200" b="0" strike="noStrike" spc="-1">
+              <a:latin typeface="Arial"/>
+            </a:endParaRPr>
+          </a:p>
+        </p:txBody>
+      </p:sp>
+      <p:sp>
+        <p:nvSpPr>
+          <p:cNvPr id="8" name="PlaceHolder 3"/>
           <p:cNvSpPr>
             <a:spLocks noGrp="1"/>
           </p:cNvSpPr>
@@ -1133,11 +1365,12 @@
           </a:prstGeom>
         </p:spPr>
         <p:txBody>
-          <a:bodyPr lIns="0" rIns="0" tIns="0" bIns="0">
+          <a:bodyPr lIns="0" tIns="0" rIns="0" bIns="0">
             <a:normAutofit/>
           </a:bodyPr>
-          <a:p>
-            <a:endParaRPr b="0" lang="es-ES" sz="3200" spc="-1" strike="noStrike">
+          <a:lstStyle/>
+          <a:p>
+            <a:endParaRPr lang="es-ES" sz="3200" b="0" strike="noStrike" spc="-1">
               <a:latin typeface="Arial"/>
             </a:endParaRPr>
           </a:p>
@@ -1145,11 +1378,14 @@
       </p:sp>
     </p:spTree>
   </p:cSld>
+  <p:clrMapOvr>
+    <a:masterClrMapping/>
+  </p:clrMapOvr>
 </p:sldLayout>
 </file>
 
 <file path=ppt/slideLayouts/slideLayout5.xml><?xml version="1.0" encoding="utf-8"?>
-<p:sldLayout xmlns:a="http://schemas.openxmlformats.org/drawingml/2006/main" xmlns:p="http://schemas.openxmlformats.org/presentationml/2006/main" xmlns:r="http://schemas.openxmlformats.org/officeDocument/2006/relationships" xmlns:p14="http://schemas.microsoft.com/office/powerpoint/2010/main" xmlns:p15="http://schemas.microsoft.com/office/powerpoint/2012/main" xmlns:mc="http://schemas.openxmlformats.org/markup-compatibility/2006" type="titleOnly" preserve="1">
+<p:sldLayout xmlns:a="http://schemas.openxmlformats.org/drawingml/2006/main" xmlns:r="http://schemas.openxmlformats.org/officeDocument/2006/relationships" xmlns:p="http://schemas.openxmlformats.org/presentationml/2006/main" type="titleOnly" preserve="1">
   <p:cSld name="Title Only">
     <p:spTree>
       <p:nvGrpSpPr>
@@ -1167,7 +1403,7 @@
       </p:grpSpPr>
       <p:sp>
         <p:nvSpPr>
-          <p:cNvPr id="7" name="PlaceHolder 1"/>
+          <p:cNvPr id="9" name="PlaceHolder 1"/>
           <p:cNvSpPr>
             <a:spLocks noGrp="1"/>
           </p:cNvSpPr>
@@ -1185,10 +1421,11 @@
           </a:prstGeom>
         </p:spPr>
         <p:txBody>
-          <a:bodyPr lIns="0" rIns="0" tIns="0" bIns="0" anchor="ctr"/>
+          <a:bodyPr lIns="0" tIns="0" rIns="0" bIns="0" anchor="ctr"/>
+          <a:lstStyle/>
           <a:p>
             <a:pPr algn="ctr"/>
-            <a:endParaRPr b="0" lang="es-ES" sz="4400" spc="-1" strike="noStrike">
+            <a:endParaRPr lang="es-ES" sz="4400" b="0" strike="noStrike" spc="-1">
               <a:latin typeface="Arial"/>
             </a:endParaRPr>
           </a:p>
@@ -1196,11 +1433,14 @@
       </p:sp>
     </p:spTree>
   </p:cSld>
+  <p:clrMapOvr>
+    <a:masterClrMapping/>
+  </p:clrMapOvr>
 </p:sldLayout>
 </file>
 
 <file path=ppt/slideLayouts/slideLayout6.xml><?xml version="1.0" encoding="utf-8"?>
-<p:sldLayout xmlns:a="http://schemas.openxmlformats.org/drawingml/2006/main" xmlns:p="http://schemas.openxmlformats.org/presentationml/2006/main" xmlns:r="http://schemas.openxmlformats.org/officeDocument/2006/relationships" xmlns:p14="http://schemas.microsoft.com/office/powerpoint/2010/main" xmlns:p15="http://schemas.microsoft.com/office/powerpoint/2012/main" xmlns:mc="http://schemas.openxmlformats.org/markup-compatibility/2006" type="objOnly" preserve="1">
+<p:sldLayout xmlns:a="http://schemas.openxmlformats.org/drawingml/2006/main" xmlns:r="http://schemas.openxmlformats.org/officeDocument/2006/relationships" xmlns:p="http://schemas.openxmlformats.org/presentationml/2006/main" type="objOnly" preserve="1">
   <p:cSld name="Centered Text">
     <p:spTree>
       <p:nvGrpSpPr>
@@ -1218,7 +1458,7 @@
       </p:grpSpPr>
       <p:sp>
         <p:nvSpPr>
-          <p:cNvPr id="8" name="PlaceHolder 1"/>
+          <p:cNvPr id="10" name="PlaceHolder 1"/>
           <p:cNvSpPr>
             <a:spLocks noGrp="1"/>
           </p:cNvSpPr>
@@ -1236,10 +1476,11 @@
           </a:prstGeom>
         </p:spPr>
         <p:txBody>
-          <a:bodyPr lIns="0" rIns="0" tIns="0" bIns="0" anchor="ctr"/>
+          <a:bodyPr lIns="0" tIns="0" rIns="0" bIns="0" anchor="ctr"/>
+          <a:lstStyle/>
           <a:p>
             <a:pPr algn="ctr"/>
-            <a:endParaRPr b="0" lang="es-ES" sz="3200" spc="-1" strike="noStrike">
+            <a:endParaRPr lang="es-ES" sz="3200" b="0" strike="noStrike" spc="-1">
               <a:latin typeface="Arial"/>
             </a:endParaRPr>
           </a:p>
@@ -1247,11 +1488,14 @@
       </p:sp>
     </p:spTree>
   </p:cSld>
+  <p:clrMapOvr>
+    <a:masterClrMapping/>
+  </p:clrMapOvr>
 </p:sldLayout>
 </file>
 
 <file path=ppt/slideLayouts/slideLayout7.xml><?xml version="1.0" encoding="utf-8"?>
-<p:sldLayout xmlns:a="http://schemas.openxmlformats.org/drawingml/2006/main" xmlns:p="http://schemas.openxmlformats.org/presentationml/2006/main" xmlns:r="http://schemas.openxmlformats.org/officeDocument/2006/relationships" xmlns:p14="http://schemas.microsoft.com/office/powerpoint/2010/main" xmlns:p15="http://schemas.microsoft.com/office/powerpoint/2012/main" xmlns:mc="http://schemas.openxmlformats.org/markup-compatibility/2006" type="twoObjAndObj" preserve="1">
+<p:sldLayout xmlns:a="http://schemas.openxmlformats.org/drawingml/2006/main" xmlns:r="http://schemas.openxmlformats.org/officeDocument/2006/relationships" xmlns:p="http://schemas.openxmlformats.org/presentationml/2006/main" type="twoObjAndObj" preserve="1">
   <p:cSld name="Title, 2 Content and Content">
     <p:spTree>
       <p:nvGrpSpPr>
@@ -1269,7 +1513,7 @@
       </p:grpSpPr>
       <p:sp>
         <p:nvSpPr>
-          <p:cNvPr id="9" name="PlaceHolder 1"/>
+          <p:cNvPr id="11" name="PlaceHolder 1"/>
           <p:cNvSpPr>
             <a:spLocks noGrp="1"/>
           </p:cNvSpPr>
@@ -1287,18 +1531,19 @@
           </a:prstGeom>
         </p:spPr>
         <p:txBody>
-          <a:bodyPr lIns="0" rIns="0" tIns="0" bIns="0" anchor="ctr"/>
+          <a:bodyPr lIns="0" tIns="0" rIns="0" bIns="0" anchor="ctr"/>
+          <a:lstStyle/>
           <a:p>
             <a:pPr algn="ctr"/>
-            <a:endParaRPr b="0" lang="es-ES" sz="4400" spc="-1" strike="noStrike">
-              <a:latin typeface="Arial"/>
-            </a:endParaRPr>
-          </a:p>
-        </p:txBody>
-      </p:sp>
-      <p:sp>
-        <p:nvSpPr>
-          <p:cNvPr id="10" name="PlaceHolder 2"/>
+            <a:endParaRPr lang="es-ES" sz="4400" b="0" strike="noStrike" spc="-1">
+              <a:latin typeface="Arial"/>
+            </a:endParaRPr>
+          </a:p>
+        </p:txBody>
+      </p:sp>
+      <p:sp>
+        <p:nvSpPr>
+          <p:cNvPr id="12" name="PlaceHolder 2"/>
           <p:cNvSpPr>
             <a:spLocks noGrp="1"/>
           </p:cNvSpPr>
@@ -1316,19 +1561,20 @@
           </a:prstGeom>
         </p:spPr>
         <p:txBody>
-          <a:bodyPr lIns="0" rIns="0" tIns="0" bIns="0">
+          <a:bodyPr lIns="0" tIns="0" rIns="0" bIns="0">
             <a:normAutofit/>
           </a:bodyPr>
-          <a:p>
-            <a:endParaRPr b="0" lang="es-ES" sz="3200" spc="-1" strike="noStrike">
-              <a:latin typeface="Arial"/>
-            </a:endParaRPr>
-          </a:p>
-        </p:txBody>
-      </p:sp>
-      <p:sp>
-        <p:nvSpPr>
-          <p:cNvPr id="11" name="PlaceHolder 3"/>
+          <a:lstStyle/>
+          <a:p>
+            <a:endParaRPr lang="es-ES" sz="3200" b="0" strike="noStrike" spc="-1">
+              <a:latin typeface="Arial"/>
+            </a:endParaRPr>
+          </a:p>
+        </p:txBody>
+      </p:sp>
+      <p:sp>
+        <p:nvSpPr>
+          <p:cNvPr id="13" name="PlaceHolder 3"/>
           <p:cNvSpPr>
             <a:spLocks noGrp="1"/>
           </p:cNvSpPr>
@@ -1346,19 +1592,20 @@
           </a:prstGeom>
         </p:spPr>
         <p:txBody>
-          <a:bodyPr lIns="0" rIns="0" tIns="0" bIns="0">
+          <a:bodyPr lIns="0" tIns="0" rIns="0" bIns="0">
             <a:normAutofit/>
           </a:bodyPr>
-          <a:p>
-            <a:endParaRPr b="0" lang="es-ES" sz="3200" spc="-1" strike="noStrike">
-              <a:latin typeface="Arial"/>
-            </a:endParaRPr>
-          </a:p>
-        </p:txBody>
-      </p:sp>
-      <p:sp>
-        <p:nvSpPr>
-          <p:cNvPr id="12" name="PlaceHolder 4"/>
+          <a:lstStyle/>
+          <a:p>
+            <a:endParaRPr lang="es-ES" sz="3200" b="0" strike="noStrike" spc="-1">
+              <a:latin typeface="Arial"/>
+            </a:endParaRPr>
+          </a:p>
+        </p:txBody>
+      </p:sp>
+      <p:sp>
+        <p:nvSpPr>
+          <p:cNvPr id="14" name="PlaceHolder 4"/>
           <p:cNvSpPr>
             <a:spLocks noGrp="1"/>
           </p:cNvSpPr>
@@ -1376,11 +1623,12 @@
           </a:prstGeom>
         </p:spPr>
         <p:txBody>
-          <a:bodyPr lIns="0" rIns="0" tIns="0" bIns="0">
+          <a:bodyPr lIns="0" tIns="0" rIns="0" bIns="0">
             <a:normAutofit/>
           </a:bodyPr>
-          <a:p>
-            <a:endParaRPr b="0" lang="es-ES" sz="3200" spc="-1" strike="noStrike">
+          <a:lstStyle/>
+          <a:p>
+            <a:endParaRPr lang="es-ES" sz="3200" b="0" strike="noStrike" spc="-1">
               <a:latin typeface="Arial"/>
             </a:endParaRPr>
           </a:p>
@@ -1388,11 +1636,14 @@
       </p:sp>
     </p:spTree>
   </p:cSld>
+  <p:clrMapOvr>
+    <a:masterClrMapping/>
+  </p:clrMapOvr>
 </p:sldLayout>
 </file>
 
 <file path=ppt/slideLayouts/slideLayout8.xml><?xml version="1.0" encoding="utf-8"?>
-<p:sldLayout xmlns:a="http://schemas.openxmlformats.org/drawingml/2006/main" xmlns:p="http://schemas.openxmlformats.org/presentationml/2006/main" xmlns:r="http://schemas.openxmlformats.org/officeDocument/2006/relationships" xmlns:p14="http://schemas.microsoft.com/office/powerpoint/2010/main" xmlns:p15="http://schemas.microsoft.com/office/powerpoint/2012/main" xmlns:mc="http://schemas.openxmlformats.org/markup-compatibility/2006" type="objAndTwoObj" preserve="1">
+<p:sldLayout xmlns:a="http://schemas.openxmlformats.org/drawingml/2006/main" xmlns:r="http://schemas.openxmlformats.org/officeDocument/2006/relationships" xmlns:p="http://schemas.openxmlformats.org/presentationml/2006/main" type="objAndTwoObj" preserve="1">
   <p:cSld name="Title Content and 2 Content">
     <p:spTree>
       <p:nvGrpSpPr>
@@ -1410,7 +1661,7 @@
       </p:grpSpPr>
       <p:sp>
         <p:nvSpPr>
-          <p:cNvPr id="13" name="PlaceHolder 1"/>
+          <p:cNvPr id="15" name="PlaceHolder 1"/>
           <p:cNvSpPr>
             <a:spLocks noGrp="1"/>
           </p:cNvSpPr>
@@ -1428,18 +1679,19 @@
           </a:prstGeom>
         </p:spPr>
         <p:txBody>
-          <a:bodyPr lIns="0" rIns="0" tIns="0" bIns="0" anchor="ctr"/>
+          <a:bodyPr lIns="0" tIns="0" rIns="0" bIns="0" anchor="ctr"/>
+          <a:lstStyle/>
           <a:p>
             <a:pPr algn="ctr"/>
-            <a:endParaRPr b="0" lang="es-ES" sz="4400" spc="-1" strike="noStrike">
-              <a:latin typeface="Arial"/>
-            </a:endParaRPr>
-          </a:p>
-        </p:txBody>
-      </p:sp>
-      <p:sp>
-        <p:nvSpPr>
-          <p:cNvPr id="14" name="PlaceHolder 2"/>
+            <a:endParaRPr lang="es-ES" sz="4400" b="0" strike="noStrike" spc="-1">
+              <a:latin typeface="Arial"/>
+            </a:endParaRPr>
+          </a:p>
+        </p:txBody>
+      </p:sp>
+      <p:sp>
+        <p:nvSpPr>
+          <p:cNvPr id="16" name="PlaceHolder 2"/>
           <p:cNvSpPr>
             <a:spLocks noGrp="1"/>
           </p:cNvSpPr>
@@ -1457,19 +1709,20 @@
           </a:prstGeom>
         </p:spPr>
         <p:txBody>
-          <a:bodyPr lIns="0" rIns="0" tIns="0" bIns="0">
+          <a:bodyPr lIns="0" tIns="0" rIns="0" bIns="0">
             <a:normAutofit/>
           </a:bodyPr>
-          <a:p>
-            <a:endParaRPr b="0" lang="es-ES" sz="3200" spc="-1" strike="noStrike">
-              <a:latin typeface="Arial"/>
-            </a:endParaRPr>
-          </a:p>
-        </p:txBody>
-      </p:sp>
-      <p:sp>
-        <p:nvSpPr>
-          <p:cNvPr id="15" name="PlaceHolder 3"/>
+          <a:lstStyle/>
+          <a:p>
+            <a:endParaRPr lang="es-ES" sz="3200" b="0" strike="noStrike" spc="-1">
+              <a:latin typeface="Arial"/>
+            </a:endParaRPr>
+          </a:p>
+        </p:txBody>
+      </p:sp>
+      <p:sp>
+        <p:nvSpPr>
+          <p:cNvPr id="17" name="PlaceHolder 3"/>
           <p:cNvSpPr>
             <a:spLocks noGrp="1"/>
           </p:cNvSpPr>
@@ -1487,19 +1740,20 @@
           </a:prstGeom>
         </p:spPr>
         <p:txBody>
-          <a:bodyPr lIns="0" rIns="0" tIns="0" bIns="0">
+          <a:bodyPr lIns="0" tIns="0" rIns="0" bIns="0">
             <a:normAutofit/>
           </a:bodyPr>
-          <a:p>
-            <a:endParaRPr b="0" lang="es-ES" sz="3200" spc="-1" strike="noStrike">
-              <a:latin typeface="Arial"/>
-            </a:endParaRPr>
-          </a:p>
-        </p:txBody>
-      </p:sp>
-      <p:sp>
-        <p:nvSpPr>
-          <p:cNvPr id="16" name="PlaceHolder 4"/>
+          <a:lstStyle/>
+          <a:p>
+            <a:endParaRPr lang="es-ES" sz="3200" b="0" strike="noStrike" spc="-1">
+              <a:latin typeface="Arial"/>
+            </a:endParaRPr>
+          </a:p>
+        </p:txBody>
+      </p:sp>
+      <p:sp>
+        <p:nvSpPr>
+          <p:cNvPr id="18" name="PlaceHolder 4"/>
           <p:cNvSpPr>
             <a:spLocks noGrp="1"/>
           </p:cNvSpPr>
@@ -1517,11 +1771,12 @@
           </a:prstGeom>
         </p:spPr>
         <p:txBody>
-          <a:bodyPr lIns="0" rIns="0" tIns="0" bIns="0">
+          <a:bodyPr lIns="0" tIns="0" rIns="0" bIns="0">
             <a:normAutofit/>
           </a:bodyPr>
-          <a:p>
-            <a:endParaRPr b="0" lang="es-ES" sz="3200" spc="-1" strike="noStrike">
+          <a:lstStyle/>
+          <a:p>
+            <a:endParaRPr lang="es-ES" sz="3200" b="0" strike="noStrike" spc="-1">
               <a:latin typeface="Arial"/>
             </a:endParaRPr>
           </a:p>
@@ -1529,11 +1784,14 @@
       </p:sp>
     </p:spTree>
   </p:cSld>
+  <p:clrMapOvr>
+    <a:masterClrMapping/>
+  </p:clrMapOvr>
 </p:sldLayout>
 </file>
 
 <file path=ppt/slideLayouts/slideLayout9.xml><?xml version="1.0" encoding="utf-8"?>
-<p:sldLayout xmlns:a="http://schemas.openxmlformats.org/drawingml/2006/main" xmlns:p="http://schemas.openxmlformats.org/presentationml/2006/main" xmlns:r="http://schemas.openxmlformats.org/officeDocument/2006/relationships" xmlns:p14="http://schemas.microsoft.com/office/powerpoint/2010/main" xmlns:p15="http://schemas.microsoft.com/office/powerpoint/2012/main" xmlns:mc="http://schemas.openxmlformats.org/markup-compatibility/2006" type="twoObjOverTx" preserve="1">
+<p:sldLayout xmlns:a="http://schemas.openxmlformats.org/drawingml/2006/main" xmlns:r="http://schemas.openxmlformats.org/officeDocument/2006/relationships" xmlns:p="http://schemas.openxmlformats.org/presentationml/2006/main" type="twoObjOverTx" preserve="1">
   <p:cSld name="Title, 2 Content over Content">
     <p:spTree>
       <p:nvGrpSpPr>
@@ -1551,7 +1809,7 @@
       </p:grpSpPr>
       <p:sp>
         <p:nvSpPr>
-          <p:cNvPr id="17" name="PlaceHolder 1"/>
+          <p:cNvPr id="19" name="PlaceHolder 1"/>
           <p:cNvSpPr>
             <a:spLocks noGrp="1"/>
           </p:cNvSpPr>
@@ -1569,18 +1827,19 @@
           </a:prstGeom>
         </p:spPr>
         <p:txBody>
-          <a:bodyPr lIns="0" rIns="0" tIns="0" bIns="0" anchor="ctr"/>
+          <a:bodyPr lIns="0" tIns="0" rIns="0" bIns="0" anchor="ctr"/>
+          <a:lstStyle/>
           <a:p>
             <a:pPr algn="ctr"/>
-            <a:endParaRPr b="0" lang="es-ES" sz="4400" spc="-1" strike="noStrike">
-              <a:latin typeface="Arial"/>
-            </a:endParaRPr>
-          </a:p>
-        </p:txBody>
-      </p:sp>
-      <p:sp>
-        <p:nvSpPr>
-          <p:cNvPr id="18" name="PlaceHolder 2"/>
+            <a:endParaRPr lang="es-ES" sz="4400" b="0" strike="noStrike" spc="-1">
+              <a:latin typeface="Arial"/>
+            </a:endParaRPr>
+          </a:p>
+        </p:txBody>
+      </p:sp>
+      <p:sp>
+        <p:nvSpPr>
+          <p:cNvPr id="20" name="PlaceHolder 2"/>
           <p:cNvSpPr>
             <a:spLocks noGrp="1"/>
           </p:cNvSpPr>
@@ -1598,19 +1857,20 @@
           </a:prstGeom>
         </p:spPr>
         <p:txBody>
-          <a:bodyPr lIns="0" rIns="0" tIns="0" bIns="0">
+          <a:bodyPr lIns="0" tIns="0" rIns="0" bIns="0">
             <a:normAutofit/>
           </a:bodyPr>
-          <a:p>
-            <a:endParaRPr b="0" lang="es-ES" sz="3200" spc="-1" strike="noStrike">
-              <a:latin typeface="Arial"/>
-            </a:endParaRPr>
-          </a:p>
-        </p:txBody>
-      </p:sp>
-      <p:sp>
-        <p:nvSpPr>
-          <p:cNvPr id="19" name="PlaceHolder 3"/>
+          <a:lstStyle/>
+          <a:p>
+            <a:endParaRPr lang="es-ES" sz="3200" b="0" strike="noStrike" spc="-1">
+              <a:latin typeface="Arial"/>
+            </a:endParaRPr>
+          </a:p>
+        </p:txBody>
+      </p:sp>
+      <p:sp>
+        <p:nvSpPr>
+          <p:cNvPr id="21" name="PlaceHolder 3"/>
           <p:cNvSpPr>
             <a:spLocks noGrp="1"/>
           </p:cNvSpPr>
@@ -1628,19 +1888,20 @@
           </a:prstGeom>
         </p:spPr>
         <p:txBody>
-          <a:bodyPr lIns="0" rIns="0" tIns="0" bIns="0">
+          <a:bodyPr lIns="0" tIns="0" rIns="0" bIns="0">
             <a:normAutofit/>
           </a:bodyPr>
-          <a:p>
-            <a:endParaRPr b="0" lang="es-ES" sz="3200" spc="-1" strike="noStrike">
-              <a:latin typeface="Arial"/>
-            </a:endParaRPr>
-          </a:p>
-        </p:txBody>
-      </p:sp>
-      <p:sp>
-        <p:nvSpPr>
-          <p:cNvPr id="20" name="PlaceHolder 4"/>
+          <a:lstStyle/>
+          <a:p>
+            <a:endParaRPr lang="es-ES" sz="3200" b="0" strike="noStrike" spc="-1">
+              <a:latin typeface="Arial"/>
+            </a:endParaRPr>
+          </a:p>
+        </p:txBody>
+      </p:sp>
+      <p:sp>
+        <p:nvSpPr>
+          <p:cNvPr id="22" name="PlaceHolder 4"/>
           <p:cNvSpPr>
             <a:spLocks noGrp="1"/>
           </p:cNvSpPr>
@@ -1658,11 +1919,12 @@
           </a:prstGeom>
         </p:spPr>
         <p:txBody>
-          <a:bodyPr lIns="0" rIns="0" tIns="0" bIns="0">
+          <a:bodyPr lIns="0" tIns="0" rIns="0" bIns="0">
             <a:normAutofit/>
           </a:bodyPr>
-          <a:p>
-            <a:endParaRPr b="0" lang="es-ES" sz="3200" spc="-1" strike="noStrike">
+          <a:lstStyle/>
+          <a:p>
+            <a:endParaRPr lang="es-ES" sz="3200" b="0" strike="noStrike" spc="-1">
               <a:latin typeface="Arial"/>
             </a:endParaRPr>
           </a:p>
@@ -1670,20 +1932,24 @@
       </p:sp>
     </p:spTree>
   </p:cSld>
+  <p:clrMapOvr>
+    <a:masterClrMapping/>
+  </p:clrMapOvr>
 </p:sldLayout>
 </file>
 
 <file path=ppt/slideMasters/slideMaster1.xml><?xml version="1.0" encoding="utf-8"?>
-<p:sldMaster xmlns:a="http://schemas.openxmlformats.org/drawingml/2006/main" xmlns:p="http://schemas.openxmlformats.org/presentationml/2006/main" xmlns:r="http://schemas.openxmlformats.org/officeDocument/2006/relationships" xmlns:p14="http://schemas.microsoft.com/office/powerpoint/2010/main" xmlns:p15="http://schemas.microsoft.com/office/powerpoint/2012/main" xmlns:mc="http://schemas.openxmlformats.org/markup-compatibility/2006">
+<p:sldMaster xmlns:a="http://schemas.openxmlformats.org/drawingml/2006/main" xmlns:r="http://schemas.openxmlformats.org/officeDocument/2006/relationships" xmlns:p="http://schemas.openxmlformats.org/presentationml/2006/main">
   <p:cSld>
     <p:bg>
       <p:bgPr>
         <a:blipFill rotWithShape="0">
-          <a:blip r:embed="rId2"/>
+          <a:blip r:embed="rId14"/>
           <a:stretch>
             <a:fillRect/>
           </a:stretch>
         </a:blipFill>
+        <a:effectLst/>
       </p:bgPr>
     </p:bg>
     <p:spTree>
@@ -1700,34 +1966,507 @@
           <a:chExt cx="0" cy="0"/>
         </a:xfrm>
       </p:grpSpPr>
+      <p:sp>
+        <p:nvSpPr>
+          <p:cNvPr id="2" name="PlaceHolder 1"/>
+          <p:cNvSpPr>
+            <a:spLocks noGrp="1"/>
+          </p:cNvSpPr>
+          <p:nvPr>
+            <p:ph type="title"/>
+          </p:nvPr>
+        </p:nvSpPr>
+        <p:spPr>
+          <a:xfrm>
+            <a:off x="755640" y="426240"/>
+            <a:ext cx="13606920" cy="1784880"/>
+          </a:xfrm>
+          <a:prstGeom prst="rect">
+            <a:avLst/>
+          </a:prstGeom>
+        </p:spPr>
+        <p:txBody>
+          <a:bodyPr lIns="0" tIns="0" rIns="0" bIns="0" anchor="ctr"/>
+          <a:lstStyle/>
+          <a:p>
+            <a:pPr algn="ctr"/>
+            <a:r>
+              <a:rPr lang="es-ES" sz="4400" b="0" strike="noStrike" spc="-1">
+                <a:latin typeface="Arial"/>
+              </a:rPr>
+              <a:t>Pulse para editar el formato del texto de título</a:t>
+            </a:r>
+          </a:p>
+        </p:txBody>
+      </p:sp>
+      <p:sp>
+        <p:nvSpPr>
+          <p:cNvPr id="3" name="PlaceHolder 2"/>
+          <p:cNvSpPr>
+            <a:spLocks noGrp="1"/>
+          </p:cNvSpPr>
+          <p:nvPr>
+            <p:ph type="body"/>
+          </p:nvPr>
+        </p:nvSpPr>
+        <p:spPr>
+          <a:xfrm>
+            <a:off x="755640" y="2501640"/>
+            <a:ext cx="13606920" cy="6200640"/>
+          </a:xfrm>
+          <a:prstGeom prst="rect">
+            <a:avLst/>
+          </a:prstGeom>
+        </p:spPr>
+        <p:txBody>
+          <a:bodyPr lIns="0" tIns="0" rIns="0" bIns="0">
+            <a:normAutofit/>
+          </a:bodyPr>
+          <a:lstStyle/>
+          <a:p>
+            <a:pPr marL="432000" indent="-324000">
+              <a:spcBef>
+                <a:spcPts val="1417"/>
+              </a:spcBef>
+              <a:buClr>
+                <a:srgbClr val="000000"/>
+              </a:buClr>
+              <a:buSzPct val="45000"/>
+              <a:buFont typeface="Wingdings" charset="2"/>
+              <a:buChar char=""/>
+            </a:pPr>
+            <a:r>
+              <a:rPr lang="es-ES" sz="3200" b="0" strike="noStrike" spc="-1">
+                <a:latin typeface="Arial"/>
+              </a:rPr>
+              <a:t>Pulse para editar el formato de esquema del texto</a:t>
+            </a:r>
+          </a:p>
+          <a:p>
+            <a:pPr marL="864000" lvl="1" indent="-324000">
+              <a:spcBef>
+                <a:spcPts val="1134"/>
+              </a:spcBef>
+              <a:buClr>
+                <a:srgbClr val="000000"/>
+              </a:buClr>
+              <a:buSzPct val="75000"/>
+              <a:buFont typeface="Symbol" charset="2"/>
+              <a:buChar char=""/>
+            </a:pPr>
+            <a:r>
+              <a:rPr lang="es-ES" sz="2800" b="0" strike="noStrike" spc="-1">
+                <a:latin typeface="Arial"/>
+              </a:rPr>
+              <a:t>Segundo nivel del esquema</a:t>
+            </a:r>
+          </a:p>
+          <a:p>
+            <a:pPr marL="1296000" lvl="2" indent="-288000">
+              <a:spcBef>
+                <a:spcPts val="850"/>
+              </a:spcBef>
+              <a:buClr>
+                <a:srgbClr val="000000"/>
+              </a:buClr>
+              <a:buSzPct val="45000"/>
+              <a:buFont typeface="Wingdings" charset="2"/>
+              <a:buChar char=""/>
+            </a:pPr>
+            <a:r>
+              <a:rPr lang="es-ES" sz="2400" b="0" strike="noStrike" spc="-1">
+                <a:latin typeface="Arial"/>
+              </a:rPr>
+              <a:t>Tercer nivel del esquema</a:t>
+            </a:r>
+          </a:p>
+          <a:p>
+            <a:pPr marL="1728000" lvl="3" indent="-216000">
+              <a:spcBef>
+                <a:spcPts val="567"/>
+              </a:spcBef>
+              <a:buClr>
+                <a:srgbClr val="000000"/>
+              </a:buClr>
+              <a:buSzPct val="75000"/>
+              <a:buFont typeface="Symbol" charset="2"/>
+              <a:buChar char=""/>
+            </a:pPr>
+            <a:r>
+              <a:rPr lang="es-ES" sz="2000" b="0" strike="noStrike" spc="-1">
+                <a:latin typeface="Arial"/>
+              </a:rPr>
+              <a:t>Cuarto nivel del esquema</a:t>
+            </a:r>
+          </a:p>
+          <a:p>
+            <a:pPr marL="2160000" lvl="4" indent="-216000">
+              <a:spcBef>
+                <a:spcPts val="283"/>
+              </a:spcBef>
+              <a:buClr>
+                <a:srgbClr val="000000"/>
+              </a:buClr>
+              <a:buSzPct val="45000"/>
+              <a:buFont typeface="Wingdings" charset="2"/>
+              <a:buChar char=""/>
+            </a:pPr>
+            <a:r>
+              <a:rPr lang="es-ES" sz="2000" b="0" strike="noStrike" spc="-1">
+                <a:latin typeface="Arial"/>
+              </a:rPr>
+              <a:t>Quinto nivel del esquema</a:t>
+            </a:r>
+          </a:p>
+          <a:p>
+            <a:pPr marL="2592000" lvl="5" indent="-216000">
+              <a:spcBef>
+                <a:spcPts val="283"/>
+              </a:spcBef>
+              <a:buClr>
+                <a:srgbClr val="000000"/>
+              </a:buClr>
+              <a:buSzPct val="45000"/>
+              <a:buFont typeface="Wingdings" charset="2"/>
+              <a:buChar char=""/>
+            </a:pPr>
+            <a:r>
+              <a:rPr lang="es-ES" sz="2000" b="0" strike="noStrike" spc="-1">
+                <a:latin typeface="Arial"/>
+              </a:rPr>
+              <a:t>Sexto nivel del esquema</a:t>
+            </a:r>
+          </a:p>
+          <a:p>
+            <a:pPr marL="3024000" lvl="6" indent="-216000">
+              <a:spcBef>
+                <a:spcPts val="283"/>
+              </a:spcBef>
+              <a:buClr>
+                <a:srgbClr val="000000"/>
+              </a:buClr>
+              <a:buSzPct val="45000"/>
+              <a:buFont typeface="Wingdings" charset="2"/>
+              <a:buChar char=""/>
+            </a:pPr>
+            <a:r>
+              <a:rPr lang="es-ES" sz="2000" b="0" strike="noStrike" spc="-1">
+                <a:latin typeface="Arial"/>
+              </a:rPr>
+              <a:t>Séptimo nivel del esquema</a:t>
+            </a:r>
+          </a:p>
+        </p:txBody>
+      </p:sp>
     </p:spTree>
   </p:cSld>
-  <p:clrMap bg1="lt1" bg2="lt2" tx1="dk1" tx2="dk2" accent1="accent1" accent2="accent2" accent3="accent3" accent4="accent4" accent5="accent5" accent6="accent6" hlink="hlink" folHlink="folHlink"/>
+  <p:clrMap bg1="lt1" tx1="dk1" bg2="lt2" tx2="dk2" accent1="accent1" accent2="accent2" accent3="accent3" accent4="accent4" accent5="accent5" accent6="accent6" hlink="hlink" folHlink="folHlink"/>
   <p:sldLayoutIdLst>
-    <p:sldLayoutId id="2147483649" r:id="rId3"/>
-    <p:sldLayoutId id="2147483650" r:id="rId4"/>
-    <p:sldLayoutId id="2147483651" r:id="rId5"/>
-    <p:sldLayoutId id="2147483652" r:id="rId6"/>
-    <p:sldLayoutId id="2147483653" r:id="rId7"/>
-    <p:sldLayoutId id="2147483654" r:id="rId8"/>
-    <p:sldLayoutId id="2147483655" r:id="rId9"/>
-    <p:sldLayoutId id="2147483656" r:id="rId10"/>
-    <p:sldLayoutId id="2147483657" r:id="rId11"/>
-    <p:sldLayoutId id="2147483658" r:id="rId12"/>
-    <p:sldLayoutId id="2147483659" r:id="rId13"/>
-    <p:sldLayoutId id="2147483660" r:id="rId14"/>
+    <p:sldLayoutId id="2147483649" r:id="rId1"/>
+    <p:sldLayoutId id="2147483650" r:id="rId2"/>
+    <p:sldLayoutId id="2147483651" r:id="rId3"/>
+    <p:sldLayoutId id="2147483652" r:id="rId4"/>
+    <p:sldLayoutId id="2147483653" r:id="rId5"/>
+    <p:sldLayoutId id="2147483654" r:id="rId6"/>
+    <p:sldLayoutId id="2147483655" r:id="rId7"/>
+    <p:sldLayoutId id="2147483656" r:id="rId8"/>
+    <p:sldLayoutId id="2147483657" r:id="rId9"/>
+    <p:sldLayoutId id="2147483658" r:id="rId10"/>
+    <p:sldLayoutId id="2147483659" r:id="rId11"/>
+    <p:sldLayoutId id="2147483660" r:id="rId12"/>
   </p:sldLayoutIdLst>
+  <p:txStyles>
+    <p:titleStyle>
+      <a:lvl1pPr algn="l" defTabSz="914400" rtl="0" eaLnBrk="1" latinLnBrk="0" hangingPunct="1">
+        <a:lnSpc>
+          <a:spcPct val="90000"/>
+        </a:lnSpc>
+        <a:spcBef>
+          <a:spcPct val="0"/>
+        </a:spcBef>
+        <a:buNone/>
+        <a:defRPr sz="4400" kern="1200">
+          <a:solidFill>
+            <a:schemeClr val="tx1"/>
+          </a:solidFill>
+          <a:latin typeface="+mj-lt"/>
+          <a:ea typeface="+mj-ea"/>
+          <a:cs typeface="+mj-cs"/>
+        </a:defRPr>
+      </a:lvl1pPr>
+    </p:titleStyle>
+    <p:bodyStyle>
+      <a:lvl1pPr marL="228600" indent="-228600" algn="l" defTabSz="914400" rtl="0" eaLnBrk="1" latinLnBrk="0" hangingPunct="1">
+        <a:lnSpc>
+          <a:spcPct val="90000"/>
+        </a:lnSpc>
+        <a:spcBef>
+          <a:spcPts val="1000"/>
+        </a:spcBef>
+        <a:buFont typeface="Arial" panose="020B0604020202020204" pitchFamily="34" charset="0"/>
+        <a:buChar char="•"/>
+        <a:defRPr sz="2800" kern="1200">
+          <a:solidFill>
+            <a:schemeClr val="tx1"/>
+          </a:solidFill>
+          <a:latin typeface="+mn-lt"/>
+          <a:ea typeface="+mn-ea"/>
+          <a:cs typeface="+mn-cs"/>
+        </a:defRPr>
+      </a:lvl1pPr>
+      <a:lvl2pPr marL="685800" indent="-228600" algn="l" defTabSz="914400" rtl="0" eaLnBrk="1" latinLnBrk="0" hangingPunct="1">
+        <a:lnSpc>
+          <a:spcPct val="90000"/>
+        </a:lnSpc>
+        <a:spcBef>
+          <a:spcPts val="500"/>
+        </a:spcBef>
+        <a:buFont typeface="Arial" panose="020B0604020202020204" pitchFamily="34" charset="0"/>
+        <a:buChar char="•"/>
+        <a:defRPr sz="2400" kern="1200">
+          <a:solidFill>
+            <a:schemeClr val="tx1"/>
+          </a:solidFill>
+          <a:latin typeface="+mn-lt"/>
+          <a:ea typeface="+mn-ea"/>
+          <a:cs typeface="+mn-cs"/>
+        </a:defRPr>
+      </a:lvl2pPr>
+      <a:lvl3pPr marL="1143000" indent="-228600" algn="l" defTabSz="914400" rtl="0" eaLnBrk="1" latinLnBrk="0" hangingPunct="1">
+        <a:lnSpc>
+          <a:spcPct val="90000"/>
+        </a:lnSpc>
+        <a:spcBef>
+          <a:spcPts val="500"/>
+        </a:spcBef>
+        <a:buFont typeface="Arial" panose="020B0604020202020204" pitchFamily="34" charset="0"/>
+        <a:buChar char="•"/>
+        <a:defRPr sz="2000" kern="1200">
+          <a:solidFill>
+            <a:schemeClr val="tx1"/>
+          </a:solidFill>
+          <a:latin typeface="+mn-lt"/>
+          <a:ea typeface="+mn-ea"/>
+          <a:cs typeface="+mn-cs"/>
+        </a:defRPr>
+      </a:lvl3pPr>
+      <a:lvl4pPr marL="1600200" indent="-228600" algn="l" defTabSz="914400" rtl="0" eaLnBrk="1" latinLnBrk="0" hangingPunct="1">
+        <a:lnSpc>
+          <a:spcPct val="90000"/>
+        </a:lnSpc>
+        <a:spcBef>
+          <a:spcPts val="500"/>
+        </a:spcBef>
+        <a:buFont typeface="Arial" panose="020B0604020202020204" pitchFamily="34" charset="0"/>
+        <a:buChar char="•"/>
+        <a:defRPr sz="1800" kern="1200">
+          <a:solidFill>
+            <a:schemeClr val="tx1"/>
+          </a:solidFill>
+          <a:latin typeface="+mn-lt"/>
+          <a:ea typeface="+mn-ea"/>
+          <a:cs typeface="+mn-cs"/>
+        </a:defRPr>
+      </a:lvl4pPr>
+      <a:lvl5pPr marL="2057400" indent="-228600" algn="l" defTabSz="914400" rtl="0" eaLnBrk="1" latinLnBrk="0" hangingPunct="1">
+        <a:lnSpc>
+          <a:spcPct val="90000"/>
+        </a:lnSpc>
+        <a:spcBef>
+          <a:spcPts val="500"/>
+        </a:spcBef>
+        <a:buFont typeface="Arial" panose="020B0604020202020204" pitchFamily="34" charset="0"/>
+        <a:buChar char="•"/>
+        <a:defRPr sz="1800" kern="1200">
+          <a:solidFill>
+            <a:schemeClr val="tx1"/>
+          </a:solidFill>
+          <a:latin typeface="+mn-lt"/>
+          <a:ea typeface="+mn-ea"/>
+          <a:cs typeface="+mn-cs"/>
+        </a:defRPr>
+      </a:lvl5pPr>
+      <a:lvl6pPr marL="2514600" indent="-228600" algn="l" defTabSz="914400" rtl="0" eaLnBrk="1" latinLnBrk="0" hangingPunct="1">
+        <a:lnSpc>
+          <a:spcPct val="90000"/>
+        </a:lnSpc>
+        <a:spcBef>
+          <a:spcPts val="500"/>
+        </a:spcBef>
+        <a:buFont typeface="Arial" panose="020B0604020202020204" pitchFamily="34" charset="0"/>
+        <a:buChar char="•"/>
+        <a:defRPr sz="1800" kern="1200">
+          <a:solidFill>
+            <a:schemeClr val="tx1"/>
+          </a:solidFill>
+          <a:latin typeface="+mn-lt"/>
+          <a:ea typeface="+mn-ea"/>
+          <a:cs typeface="+mn-cs"/>
+        </a:defRPr>
+      </a:lvl6pPr>
+      <a:lvl7pPr marL="2971800" indent="-228600" algn="l" defTabSz="914400" rtl="0" eaLnBrk="1" latinLnBrk="0" hangingPunct="1">
+        <a:lnSpc>
+          <a:spcPct val="90000"/>
+        </a:lnSpc>
+        <a:spcBef>
+          <a:spcPts val="500"/>
+        </a:spcBef>
+        <a:buFont typeface="Arial" panose="020B0604020202020204" pitchFamily="34" charset="0"/>
+        <a:buChar char="•"/>
+        <a:defRPr sz="1800" kern="1200">
+          <a:solidFill>
+            <a:schemeClr val="tx1"/>
+          </a:solidFill>
+          <a:latin typeface="+mn-lt"/>
+          <a:ea typeface="+mn-ea"/>
+          <a:cs typeface="+mn-cs"/>
+        </a:defRPr>
+      </a:lvl7pPr>
+      <a:lvl8pPr marL="3429000" indent="-228600" algn="l" defTabSz="914400" rtl="0" eaLnBrk="1" latinLnBrk="0" hangingPunct="1">
+        <a:lnSpc>
+          <a:spcPct val="90000"/>
+        </a:lnSpc>
+        <a:spcBef>
+          <a:spcPts val="500"/>
+        </a:spcBef>
+        <a:buFont typeface="Arial" panose="020B0604020202020204" pitchFamily="34" charset="0"/>
+        <a:buChar char="•"/>
+        <a:defRPr sz="1800" kern="1200">
+          <a:solidFill>
+            <a:schemeClr val="tx1"/>
+          </a:solidFill>
+          <a:latin typeface="+mn-lt"/>
+          <a:ea typeface="+mn-ea"/>
+          <a:cs typeface="+mn-cs"/>
+        </a:defRPr>
+      </a:lvl8pPr>
+      <a:lvl9pPr marL="3886200" indent="-228600" algn="l" defTabSz="914400" rtl="0" eaLnBrk="1" latinLnBrk="0" hangingPunct="1">
+        <a:lnSpc>
+          <a:spcPct val="90000"/>
+        </a:lnSpc>
+        <a:spcBef>
+          <a:spcPts val="500"/>
+        </a:spcBef>
+        <a:buFont typeface="Arial" panose="020B0604020202020204" pitchFamily="34" charset="0"/>
+        <a:buChar char="•"/>
+        <a:defRPr sz="1800" kern="1200">
+          <a:solidFill>
+            <a:schemeClr val="tx1"/>
+          </a:solidFill>
+          <a:latin typeface="+mn-lt"/>
+          <a:ea typeface="+mn-ea"/>
+          <a:cs typeface="+mn-cs"/>
+        </a:defRPr>
+      </a:lvl9pPr>
+    </p:bodyStyle>
+    <p:otherStyle>
+      <a:defPPr>
+        <a:defRPr lang="en-ES"/>
+      </a:defPPr>
+      <a:lvl1pPr marL="0" algn="l" defTabSz="914400" rtl="0" eaLnBrk="1" latinLnBrk="0" hangingPunct="1">
+        <a:defRPr sz="1800" kern="1200">
+          <a:solidFill>
+            <a:schemeClr val="tx1"/>
+          </a:solidFill>
+          <a:latin typeface="+mn-lt"/>
+          <a:ea typeface="+mn-ea"/>
+          <a:cs typeface="+mn-cs"/>
+        </a:defRPr>
+      </a:lvl1pPr>
+      <a:lvl2pPr marL="457200" algn="l" defTabSz="914400" rtl="0" eaLnBrk="1" latinLnBrk="0" hangingPunct="1">
+        <a:defRPr sz="1800" kern="1200">
+          <a:solidFill>
+            <a:schemeClr val="tx1"/>
+          </a:solidFill>
+          <a:latin typeface="+mn-lt"/>
+          <a:ea typeface="+mn-ea"/>
+          <a:cs typeface="+mn-cs"/>
+        </a:defRPr>
+      </a:lvl2pPr>
+      <a:lvl3pPr marL="914400" algn="l" defTabSz="914400" rtl="0" eaLnBrk="1" latinLnBrk="0" hangingPunct="1">
+        <a:defRPr sz="1800" kern="1200">
+          <a:solidFill>
+            <a:schemeClr val="tx1"/>
+          </a:solidFill>
+          <a:latin typeface="+mn-lt"/>
+          <a:ea typeface="+mn-ea"/>
+          <a:cs typeface="+mn-cs"/>
+        </a:defRPr>
+      </a:lvl3pPr>
+      <a:lvl4pPr marL="1371600" algn="l" defTabSz="914400" rtl="0" eaLnBrk="1" latinLnBrk="0" hangingPunct="1">
+        <a:defRPr sz="1800" kern="1200">
+          <a:solidFill>
+            <a:schemeClr val="tx1"/>
+          </a:solidFill>
+          <a:latin typeface="+mn-lt"/>
+          <a:ea typeface="+mn-ea"/>
+          <a:cs typeface="+mn-cs"/>
+        </a:defRPr>
+      </a:lvl4pPr>
+      <a:lvl5pPr marL="1828800" algn="l" defTabSz="914400" rtl="0" eaLnBrk="1" latinLnBrk="0" hangingPunct="1">
+        <a:defRPr sz="1800" kern="1200">
+          <a:solidFill>
+            <a:schemeClr val="tx1"/>
+          </a:solidFill>
+          <a:latin typeface="+mn-lt"/>
+          <a:ea typeface="+mn-ea"/>
+          <a:cs typeface="+mn-cs"/>
+        </a:defRPr>
+      </a:lvl5pPr>
+      <a:lvl6pPr marL="2286000" algn="l" defTabSz="914400" rtl="0" eaLnBrk="1" latinLnBrk="0" hangingPunct="1">
+        <a:defRPr sz="1800" kern="1200">
+          <a:solidFill>
+            <a:schemeClr val="tx1"/>
+          </a:solidFill>
+          <a:latin typeface="+mn-lt"/>
+          <a:ea typeface="+mn-ea"/>
+          <a:cs typeface="+mn-cs"/>
+        </a:defRPr>
+      </a:lvl6pPr>
+      <a:lvl7pPr marL="2743200" algn="l" defTabSz="914400" rtl="0" eaLnBrk="1" latinLnBrk="0" hangingPunct="1">
+        <a:defRPr sz="1800" kern="1200">
+          <a:solidFill>
+            <a:schemeClr val="tx1"/>
+          </a:solidFill>
+          <a:latin typeface="+mn-lt"/>
+          <a:ea typeface="+mn-ea"/>
+          <a:cs typeface="+mn-cs"/>
+        </a:defRPr>
+      </a:lvl7pPr>
+      <a:lvl8pPr marL="3200400" algn="l" defTabSz="914400" rtl="0" eaLnBrk="1" latinLnBrk="0" hangingPunct="1">
+        <a:defRPr sz="1800" kern="1200">
+          <a:solidFill>
+            <a:schemeClr val="tx1"/>
+          </a:solidFill>
+          <a:latin typeface="+mn-lt"/>
+          <a:ea typeface="+mn-ea"/>
+          <a:cs typeface="+mn-cs"/>
+        </a:defRPr>
+      </a:lvl8pPr>
+      <a:lvl9pPr marL="3657600" algn="l" defTabSz="914400" rtl="0" eaLnBrk="1" latinLnBrk="0" hangingPunct="1">
+        <a:defRPr sz="1800" kern="1200">
+          <a:solidFill>
+            <a:schemeClr val="tx1"/>
+          </a:solidFill>
+          <a:latin typeface="+mn-lt"/>
+          <a:ea typeface="+mn-ea"/>
+          <a:cs typeface="+mn-cs"/>
+        </a:defRPr>
+      </a:lvl9pPr>
+    </p:otherStyle>
+  </p:txStyles>
 </p:sldMaster>
 </file>
 
 <file path=ppt/slides/slide1.xml><?xml version="1.0" encoding="utf-8"?>
-<p:sld xmlns:a="http://schemas.openxmlformats.org/drawingml/2006/main" xmlns:p="http://schemas.openxmlformats.org/presentationml/2006/main" xmlns:r="http://schemas.openxmlformats.org/officeDocument/2006/relationships" xmlns:p14="http://schemas.microsoft.com/office/powerpoint/2010/main" xmlns:p15="http://schemas.microsoft.com/office/powerpoint/2012/main" xmlns:mc="http://schemas.openxmlformats.org/markup-compatibility/2006">
+<p:sld xmlns:a="http://schemas.openxmlformats.org/drawingml/2006/main" xmlns:r="http://schemas.openxmlformats.org/officeDocument/2006/relationships" xmlns:p="http://schemas.openxmlformats.org/presentationml/2006/main">
   <p:cSld>
     <p:bg>
       <p:bgPr>
         <a:solidFill>
-          <a:srgbClr val="ffffff"/>
+          <a:srgbClr val="FFFFFF"/>
         </a:solidFill>
+        <a:effectLst/>
       </p:bgPr>
     </p:bg>
     <p:spTree>
@@ -1744,16 +2483,97 @@
           <a:chExt cx="0" cy="0"/>
         </a:xfrm>
       </p:grpSpPr>
-      <p:sp>
-        <p:nvSpPr>
-          <p:cNvPr id="42" name="CustomShape 1"/>
+      <p:pic>
+        <p:nvPicPr>
+          <p:cNvPr id="22" name="Imagen 7">
+            <a:extLst>
+              <a:ext uri="{FF2B5EF4-FFF2-40B4-BE49-F238E27FC236}">
+                <a16:creationId xmlns:a16="http://schemas.microsoft.com/office/drawing/2014/main" id="{303E7703-FABE-D865-9385-9D960C6E47CD}"/>
+              </a:ext>
+            </a:extLst>
+          </p:cNvPr>
+          <p:cNvPicPr/>
+          <p:nvPr/>
+        </p:nvPicPr>
+        <p:blipFill>
+          <a:blip r:embed="rId3">
+            <a:alphaModFix amt="50000"/>
+          </a:blip>
+          <a:stretch/>
+        </p:blipFill>
+        <p:spPr>
+          <a:xfrm>
+            <a:off x="7066800" y="917640"/>
+            <a:ext cx="7394400" cy="8998200"/>
+          </a:xfrm>
+          <a:prstGeom prst="rect">
+            <a:avLst/>
+          </a:prstGeom>
+          <a:ln>
+            <a:noFill/>
+          </a:ln>
+          <a:effectLst>
+            <a:outerShdw blurRad="50800" dist="50800" dir="5400000" algn="ctr" rotWithShape="0">
+              <a:srgbClr val="000000">
+                <a:alpha val="0"/>
+              </a:srgbClr>
+            </a:outerShdw>
+          </a:effectLst>
+        </p:spPr>
+      </p:pic>
+      <p:pic>
+        <p:nvPicPr>
+          <p:cNvPr id="23" name="Picture 22">
+            <a:extLst>
+              <a:ext uri="{FF2B5EF4-FFF2-40B4-BE49-F238E27FC236}">
+                <a16:creationId xmlns:a16="http://schemas.microsoft.com/office/drawing/2014/main" id="{3923DE0B-4FD0-CAA5-492E-04F2C069802B}"/>
+              </a:ext>
+            </a:extLst>
+          </p:cNvPr>
+          <p:cNvPicPr>
+            <a:picLocks noChangeAspect="1"/>
+          </p:cNvPicPr>
+          <p:nvPr/>
+        </p:nvPicPr>
+        <p:blipFill>
+          <a:blip r:embed="rId4">
+            <a:extLst>
+              <a:ext uri="{28A0092B-C50C-407E-A947-70E740481C1C}">
+                <a14:useLocalDpi xmlns:a14="http://schemas.microsoft.com/office/drawing/2010/main" val="0"/>
+              </a:ext>
+            </a:extLst>
+          </a:blip>
+          <a:stretch>
+            <a:fillRect/>
+          </a:stretch>
+        </p:blipFill>
+        <p:spPr>
+          <a:xfrm>
+            <a:off x="606366" y="917638"/>
+            <a:ext cx="6410519" cy="8998201"/>
+          </a:xfrm>
+          <a:prstGeom prst="rect">
+            <a:avLst/>
+          </a:prstGeom>
+          <a:effectLst>
+            <a:outerShdw blurRad="50800" dist="50800" dir="5400000" algn="ctr" rotWithShape="0">
+              <a:schemeClr val="bg1">
+                <a:alpha val="0"/>
+              </a:schemeClr>
+            </a:outerShdw>
+          </a:effectLst>
+        </p:spPr>
+      </p:pic>
+      <p:sp>
+        <p:nvSpPr>
+          <p:cNvPr id="44" name="CustomShape 1"/>
           <p:cNvSpPr/>
           <p:nvPr/>
         </p:nvSpPr>
         <p:spPr>
           <a:xfrm>
-            <a:off x="0" y="3960"/>
-            <a:ext cx="15120360" cy="10687320"/>
+            <a:off x="-1370" y="111600"/>
+            <a:ext cx="15120720" cy="10687680"/>
           </a:xfrm>
           <a:prstGeom prst="rect">
             <a:avLst/>
@@ -1761,6 +2581,7 @@
           <a:solidFill>
             <a:schemeClr val="accent1">
               <a:lumMod val="50000"/>
+              <a:alpha val="63000"/>
             </a:schemeClr>
           </a:solidFill>
           <a:ln>
@@ -1784,31 +2605,38 @@
           </a:effectRef>
           <a:fontRef idx="minor"/>
         </p:style>
+        <p:txBody>
+          <a:bodyPr/>
+          <a:lstStyle/>
+          <a:p>
+            <a:endParaRPr lang="en-ES" dirty="0"/>
+          </a:p>
+        </p:txBody>
       </p:sp>
       <p:grpSp>
         <p:nvGrpSpPr>
-          <p:cNvPr id="43" name="Group 2"/>
+          <p:cNvPr id="45" name="Group 2"/>
           <p:cNvGrpSpPr/>
           <p:nvPr/>
         </p:nvGrpSpPr>
         <p:grpSpPr>
           <a:xfrm>
             <a:off x="577080" y="918720"/>
-            <a:ext cx="6477840" cy="8997840"/>
+            <a:ext cx="6478200" cy="8998200"/>
             <a:chOff x="577080" y="918720"/>
-            <a:chExt cx="6477840" cy="8997840"/>
+            <a:chExt cx="6478200" cy="8998200"/>
           </a:xfrm>
         </p:grpSpPr>
         <p:sp>
           <p:nvSpPr>
-            <p:cNvPr id="44" name="CustomShape 3"/>
+            <p:cNvPr id="46" name="CustomShape 3"/>
             <p:cNvSpPr/>
             <p:nvPr/>
           </p:nvSpPr>
           <p:spPr>
             <a:xfrm>
               <a:off x="577080" y="918720"/>
-              <a:ext cx="6120360" cy="8997840"/>
+              <a:ext cx="6120720" cy="8998200"/>
             </a:xfrm>
             <a:prstGeom prst="rect">
               <a:avLst/>
@@ -1821,22 +2649,28 @@
             </a:ln>
           </p:spPr>
           <p:style>
-            <a:lnRef idx="0"/>
-            <a:fillRef idx="0"/>
-            <a:effectRef idx="0"/>
+            <a:lnRef idx="0">
+              <a:scrgbClr r="0" g="0" b="0"/>
+            </a:lnRef>
+            <a:fillRef idx="0">
+              <a:scrgbClr r="0" g="0" b="0"/>
+            </a:fillRef>
+            <a:effectRef idx="0">
+              <a:scrgbClr r="0" g="0" b="0"/>
+            </a:effectRef>
             <a:fontRef idx="minor"/>
           </p:style>
         </p:sp>
         <p:sp>
           <p:nvSpPr>
-            <p:cNvPr id="45" name="CustomShape 4"/>
+            <p:cNvPr id="47" name="CustomShape 4"/>
             <p:cNvSpPr/>
             <p:nvPr/>
           </p:nvSpPr>
           <p:spPr>
             <a:xfrm>
               <a:off x="6709320" y="918720"/>
-              <a:ext cx="345600" cy="8997840"/>
+              <a:ext cx="345960" cy="8998200"/>
             </a:xfrm>
             <a:prstGeom prst="rect">
               <a:avLst/>
@@ -1849,23 +2683,29 @@
             </a:ln>
           </p:spPr>
           <p:style>
-            <a:lnRef idx="0"/>
-            <a:fillRef idx="0"/>
-            <a:effectRef idx="0"/>
+            <a:lnRef idx="0">
+              <a:scrgbClr r="0" g="0" b="0"/>
+            </a:lnRef>
+            <a:fillRef idx="0">
+              <a:scrgbClr r="0" g="0" b="0"/>
+            </a:fillRef>
+            <a:effectRef idx="0">
+              <a:scrgbClr r="0" g="0" b="0"/>
+            </a:effectRef>
             <a:fontRef idx="minor"/>
           </p:style>
         </p:sp>
       </p:grpSp>
       <p:sp>
         <p:nvSpPr>
-          <p:cNvPr id="46" name="CustomShape 5"/>
+          <p:cNvPr id="48" name="CustomShape 5"/>
           <p:cNvSpPr/>
           <p:nvPr/>
         </p:nvSpPr>
         <p:spPr>
           <a:xfrm>
             <a:off x="7057080" y="10136520"/>
-            <a:ext cx="897840" cy="536400"/>
+            <a:ext cx="898200" cy="536760"/>
           </a:xfrm>
           <a:prstGeom prst="rect">
             <a:avLst/>
@@ -1878,22 +2718,28 @@
           </a:ln>
         </p:spPr>
         <p:style>
-          <a:lnRef idx="0"/>
-          <a:fillRef idx="0"/>
-          <a:effectRef idx="0"/>
+          <a:lnRef idx="0">
+            <a:scrgbClr r="0" g="0" b="0"/>
+          </a:lnRef>
+          <a:fillRef idx="0">
+            <a:scrgbClr r="0" g="0" b="0"/>
+          </a:fillRef>
+          <a:effectRef idx="0">
+            <a:scrgbClr r="0" g="0" b="0"/>
+          </a:effectRef>
           <a:fontRef idx="minor"/>
         </p:style>
       </p:sp>
       <p:sp>
         <p:nvSpPr>
-          <p:cNvPr id="47" name="CustomShape 6"/>
+          <p:cNvPr id="49" name="CustomShape 6"/>
           <p:cNvSpPr/>
           <p:nvPr/>
         </p:nvSpPr>
         <p:spPr>
           <a:xfrm>
-            <a:off x="7057080" y="918720"/>
-            <a:ext cx="897840" cy="8997840"/>
+            <a:off x="6137883" y="1029239"/>
+            <a:ext cx="898200" cy="8998200"/>
           </a:xfrm>
           <a:prstGeom prst="rect">
             <a:avLst/>
@@ -1906,36 +2752,42 @@
           </a:ln>
         </p:spPr>
         <p:style>
-          <a:lnRef idx="0"/>
-          <a:fillRef idx="0"/>
-          <a:effectRef idx="0"/>
+          <a:lnRef idx="0">
+            <a:scrgbClr r="0" g="0" b="0"/>
+          </a:lnRef>
+          <a:fillRef idx="0">
+            <a:scrgbClr r="0" g="0" b="0"/>
+          </a:fillRef>
+          <a:effectRef idx="0">
+            <a:scrgbClr r="0" g="0" b="0"/>
+          </a:effectRef>
           <a:fontRef idx="minor"/>
         </p:style>
       </p:sp>
       <p:grpSp>
         <p:nvGrpSpPr>
-          <p:cNvPr id="48" name="Group 7"/>
+          <p:cNvPr id="50" name="Group 7"/>
           <p:cNvGrpSpPr/>
           <p:nvPr/>
         </p:nvGrpSpPr>
         <p:grpSpPr>
           <a:xfrm>
             <a:off x="7974360" y="917640"/>
-            <a:ext cx="6487200" cy="8998920"/>
+            <a:ext cx="6487560" cy="8999280"/>
             <a:chOff x="7974360" y="917640"/>
-            <a:chExt cx="6487200" cy="8998920"/>
+            <a:chExt cx="6487560" cy="8999280"/>
           </a:xfrm>
         </p:grpSpPr>
         <p:sp>
           <p:nvSpPr>
-            <p:cNvPr id="49" name="CustomShape 8"/>
+            <p:cNvPr id="51" name="CustomShape 8"/>
             <p:cNvSpPr/>
             <p:nvPr/>
           </p:nvSpPr>
           <p:spPr>
             <a:xfrm>
               <a:off x="8307720" y="918720"/>
-              <a:ext cx="6153840" cy="8997840"/>
+              <a:ext cx="6154200" cy="8998200"/>
             </a:xfrm>
             <a:prstGeom prst="rect">
               <a:avLst/>
@@ -1948,22 +2800,28 @@
             </a:ln>
           </p:spPr>
           <p:style>
-            <a:lnRef idx="0"/>
-            <a:fillRef idx="0"/>
-            <a:effectRef idx="0"/>
+            <a:lnRef idx="0">
+              <a:scrgbClr r="0" g="0" b="0"/>
+            </a:lnRef>
+            <a:fillRef idx="0">
+              <a:scrgbClr r="0" g="0" b="0"/>
+            </a:fillRef>
+            <a:effectRef idx="0">
+              <a:scrgbClr r="0" g="0" b="0"/>
+            </a:effectRef>
             <a:fontRef idx="minor"/>
           </p:style>
         </p:sp>
         <p:sp>
           <p:nvSpPr>
-            <p:cNvPr id="50" name="CustomShape 9"/>
+            <p:cNvPr id="52" name="CustomShape 9"/>
             <p:cNvSpPr/>
             <p:nvPr/>
           </p:nvSpPr>
           <p:spPr>
             <a:xfrm>
               <a:off x="7974360" y="917640"/>
-              <a:ext cx="347040" cy="8997840"/>
+              <a:ext cx="347400" cy="8998200"/>
             </a:xfrm>
             <a:prstGeom prst="rect">
               <a:avLst/>
@@ -1976,47 +2834,29 @@
             </a:ln>
           </p:spPr>
           <p:style>
-            <a:lnRef idx="0"/>
-            <a:fillRef idx="0"/>
-            <a:effectRef idx="0"/>
+            <a:lnRef idx="0">
+              <a:scrgbClr r="0" g="0" b="0"/>
+            </a:lnRef>
+            <a:fillRef idx="0">
+              <a:scrgbClr r="0" g="0" b="0"/>
+            </a:fillRef>
+            <a:effectRef idx="0">
+              <a:scrgbClr r="0" g="0" b="0"/>
+            </a:effectRef>
             <a:fontRef idx="minor"/>
           </p:style>
         </p:sp>
       </p:grpSp>
-      <p:pic>
-        <p:nvPicPr>
-          <p:cNvPr id="51" name="Picture 26" descr=""/>
-          <p:cNvPicPr/>
-          <p:nvPr/>
-        </p:nvPicPr>
-        <p:blipFill>
-          <a:blip r:embed="rId1"/>
-          <a:srcRect l="0" t="0" r="0" b="25342"/>
-          <a:stretch/>
-        </p:blipFill>
-        <p:spPr>
-          <a:xfrm>
-            <a:off x="-793080" y="6329520"/>
-            <a:ext cx="4898520" cy="4911120"/>
-          </a:xfrm>
-          <a:prstGeom prst="rect">
-            <a:avLst/>
-          </a:prstGeom>
-          <a:ln>
-            <a:noFill/>
-          </a:ln>
-        </p:spPr>
-      </p:pic>
-      <p:sp>
-        <p:nvSpPr>
-          <p:cNvPr id="52" name="CustomShape 10"/>
+      <p:sp>
+        <p:nvSpPr>
+          <p:cNvPr id="54" name="CustomShape 10"/>
           <p:cNvSpPr/>
           <p:nvPr/>
         </p:nvSpPr>
         <p:spPr>
           <a:xfrm>
             <a:off x="7057080" y="0"/>
-            <a:ext cx="897840" cy="717840"/>
+            <a:ext cx="898200" cy="718200"/>
           </a:xfrm>
           <a:prstGeom prst="rect">
             <a:avLst/>
@@ -2029,26 +2869,32 @@
           </a:ln>
         </p:spPr>
         <p:style>
-          <a:lnRef idx="0"/>
-          <a:fillRef idx="0"/>
-          <a:effectRef idx="0"/>
+          <a:lnRef idx="0">
+            <a:scrgbClr r="0" g="0" b="0"/>
+          </a:lnRef>
+          <a:fillRef idx="0">
+            <a:scrgbClr r="0" g="0" b="0"/>
+          </a:fillRef>
+          <a:effectRef idx="0">
+            <a:scrgbClr r="0" g="0" b="0"/>
+          </a:effectRef>
           <a:fontRef idx="minor"/>
         </p:style>
       </p:sp>
       <p:pic>
         <p:nvPicPr>
-          <p:cNvPr id="53" name="Imagen 17" descr=""/>
+          <p:cNvPr id="55" name="Imagen 17"/>
           <p:cNvPicPr/>
           <p:nvPr/>
         </p:nvPicPr>
         <p:blipFill>
-          <a:blip r:embed="rId2"/>
+          <a:blip r:embed="rId5"/>
           <a:stretch/>
         </p:blipFill>
         <p:spPr>
           <a:xfrm>
             <a:off x="615600" y="1775520"/>
-            <a:ext cx="6058440" cy="457920"/>
+            <a:ext cx="6058800" cy="458280"/>
           </a:xfrm>
           <a:prstGeom prst="rect">
             <a:avLst/>
@@ -2060,18 +2906,18 @@
       </p:pic>
       <p:pic>
         <p:nvPicPr>
-          <p:cNvPr id="54" name="Imagen 18" descr=""/>
+          <p:cNvPr id="56" name="Imagen 18"/>
           <p:cNvPicPr/>
           <p:nvPr/>
         </p:nvPicPr>
         <p:blipFill>
-          <a:blip r:embed="rId3"/>
+          <a:blip r:embed="rId5"/>
           <a:stretch/>
         </p:blipFill>
         <p:spPr>
           <a:xfrm>
             <a:off x="8444160" y="3060000"/>
-            <a:ext cx="6058440" cy="457920"/>
+            <a:ext cx="6058800" cy="458280"/>
           </a:xfrm>
           <a:prstGeom prst="rect">
             <a:avLst/>
@@ -2083,14 +2929,14 @@
       </p:pic>
       <p:sp>
         <p:nvSpPr>
-          <p:cNvPr id="55" name="CustomShape 11"/>
+          <p:cNvPr id="57" name="CustomShape 11"/>
           <p:cNvSpPr/>
           <p:nvPr/>
         </p:nvSpPr>
         <p:spPr>
           <a:xfrm>
             <a:off x="8322840" y="4062600"/>
-            <a:ext cx="6138720" cy="1392480"/>
+            <a:ext cx="6139080" cy="1392840"/>
           </a:xfrm>
           <a:prstGeom prst="rect">
             <a:avLst/>
@@ -2101,13 +2947,20 @@
           </a:ln>
         </p:spPr>
         <p:style>
-          <a:lnRef idx="0"/>
-          <a:fillRef idx="0"/>
-          <a:effectRef idx="0"/>
+          <a:lnRef idx="0">
+            <a:scrgbClr r="0" g="0" b="0"/>
+          </a:lnRef>
+          <a:fillRef idx="0">
+            <a:scrgbClr r="0" g="0" b="0"/>
+          </a:fillRef>
+          <a:effectRef idx="0">
+            <a:scrgbClr r="0" g="0" b="0"/>
+          </a:effectRef>
           <a:fontRef idx="minor"/>
         </p:style>
         <p:txBody>
-          <a:bodyPr lIns="90000" rIns="90000" tIns="45000" bIns="45000"/>
+          <a:bodyPr lIns="90000" tIns="45000" rIns="90000" bIns="45000"/>
+          <a:lstStyle/>
           <a:p>
             <a:pPr algn="ctr">
               <a:lnSpc>
@@ -2115,16 +2968,126 @@
               </a:lnSpc>
             </a:pPr>
             <a:r>
-              <a:rPr b="1" lang="es-ES" sz="2850" spc="-1" strike="noStrike">
-                <a:solidFill>
-                  <a:srgbClr val="ffffff"/>
+              <a:rPr lang="es-ES" sz="2850" b="1" strike="noStrike" spc="-1" dirty="0">
+                <a:solidFill>
+                  <a:srgbClr val="FFFFFF"/>
                 </a:solidFill>
                 <a:latin typeface="Arial"/>
                 <a:ea typeface="MS PGothic"/>
               </a:rPr>
-              <a:t>TRITIUM: Design, Construction and Commissioning of an In-Water</a:t>
-            </a:r>
-            <a:endParaRPr b="0" lang="es-ES" sz="2850" spc="-1" strike="noStrike">
+              <a:t>TRITIUM: </a:t>
+            </a:r>
+            <a:r>
+              <a:rPr lang="es-ES" sz="2850" b="1" strike="noStrike" spc="-1" dirty="0" err="1">
+                <a:solidFill>
+                  <a:srgbClr val="FFFFFF"/>
+                </a:solidFill>
+                <a:latin typeface="Arial"/>
+                <a:ea typeface="MS PGothic"/>
+              </a:rPr>
+              <a:t>Design</a:t>
+            </a:r>
+            <a:r>
+              <a:rPr lang="es-ES" sz="2850" b="1" strike="noStrike" spc="-1" dirty="0">
+                <a:solidFill>
+                  <a:srgbClr val="FFFFFF"/>
+                </a:solidFill>
+                <a:latin typeface="Arial"/>
+                <a:ea typeface="MS PGothic"/>
+              </a:rPr>
+              <a:t>, </a:t>
+            </a:r>
+            <a:r>
+              <a:rPr lang="es-ES" sz="2850" b="1" strike="noStrike" spc="-1" dirty="0" err="1">
+                <a:solidFill>
+                  <a:srgbClr val="FFFFFF"/>
+                </a:solidFill>
+                <a:latin typeface="Arial"/>
+                <a:ea typeface="MS PGothic"/>
+              </a:rPr>
+              <a:t>Construction</a:t>
+            </a:r>
+            <a:r>
+              <a:rPr lang="es-ES" sz="2850" b="1" strike="noStrike" spc="-1" dirty="0">
+                <a:solidFill>
+                  <a:srgbClr val="FFFFFF"/>
+                </a:solidFill>
+                <a:latin typeface="Arial"/>
+                <a:ea typeface="MS PGothic"/>
+              </a:rPr>
+              <a:t> and </a:t>
+            </a:r>
+            <a:r>
+              <a:rPr lang="es-ES" sz="2850" b="1" strike="noStrike" spc="-1" dirty="0" err="1">
+                <a:solidFill>
+                  <a:srgbClr val="FFFFFF"/>
+                </a:solidFill>
+                <a:latin typeface="Arial"/>
+                <a:ea typeface="MS PGothic"/>
+              </a:rPr>
+              <a:t>Commissioning</a:t>
+            </a:r>
+            <a:r>
+              <a:rPr lang="es-ES" sz="2850" b="1" strike="noStrike" spc="-1" dirty="0">
+                <a:solidFill>
+                  <a:srgbClr val="FFFFFF"/>
+                </a:solidFill>
+                <a:latin typeface="Arial"/>
+                <a:ea typeface="MS PGothic"/>
+              </a:rPr>
+              <a:t> </a:t>
+            </a:r>
+            <a:r>
+              <a:rPr lang="es-ES" sz="2850" b="1" strike="noStrike" spc="-1" dirty="0" err="1">
+                <a:solidFill>
+                  <a:srgbClr val="FFFFFF"/>
+                </a:solidFill>
+                <a:latin typeface="Arial"/>
+                <a:ea typeface="MS PGothic"/>
+              </a:rPr>
+              <a:t>of</a:t>
+            </a:r>
+            <a:r>
+              <a:rPr lang="es-ES" sz="2850" b="1" strike="noStrike" spc="-1" dirty="0">
+                <a:solidFill>
+                  <a:srgbClr val="FFFFFF"/>
+                </a:solidFill>
+                <a:latin typeface="Arial"/>
+                <a:ea typeface="MS PGothic"/>
+              </a:rPr>
+              <a:t> </a:t>
+            </a:r>
+            <a:r>
+              <a:rPr lang="es-ES" sz="2850" b="1" strike="noStrike" spc="-1" dirty="0" err="1">
+                <a:solidFill>
+                  <a:srgbClr val="FFFFFF"/>
+                </a:solidFill>
+                <a:latin typeface="Arial"/>
+                <a:ea typeface="MS PGothic"/>
+              </a:rPr>
+              <a:t>an</a:t>
+            </a:r>
+            <a:r>
+              <a:rPr lang="es-ES" sz="2850" b="1" strike="noStrike" spc="-1" dirty="0">
+                <a:solidFill>
+                  <a:srgbClr val="FFFFFF"/>
+                </a:solidFill>
+                <a:latin typeface="Arial"/>
+                <a:ea typeface="MS PGothic"/>
+              </a:rPr>
+              <a:t> In-</a:t>
+            </a:r>
+            <a:r>
+              <a:rPr lang="es-ES" sz="2850" b="1" strike="noStrike" spc="-1" dirty="0" err="1">
+                <a:solidFill>
+                  <a:srgbClr val="FFFFFF"/>
+                </a:solidFill>
+                <a:latin typeface="Arial"/>
+                <a:ea typeface="MS PGothic"/>
+              </a:rPr>
+              <a:t>Water</a:t>
+            </a:r>
+            <a:endParaRPr lang="es-ES" sz="2850" b="0" strike="noStrike" spc="-1" dirty="0">
               <a:latin typeface="Arial"/>
             </a:endParaRPr>
           </a:p>
@@ -2135,9 +3098,9 @@
               </a:lnSpc>
             </a:pPr>
             <a:r>
-              <a:rPr b="1" lang="es-ES" sz="2850" spc="-1" strike="noStrike">
-                <a:solidFill>
-                  <a:srgbClr val="ffffff"/>
+              <a:rPr lang="es-ES" sz="2850" b="1" strike="noStrike" spc="-1" dirty="0">
+                <a:solidFill>
+                  <a:srgbClr val="FFFFFF"/>
                 </a:solidFill>
                 <a:latin typeface="Arial"/>
                 <a:ea typeface="MS PGothic"/>
@@ -2145,31 +3108,41 @@
               <a:t> </a:t>
             </a:r>
             <a:r>
-              <a:rPr b="1" lang="es-ES" sz="2850" spc="-1" strike="noStrike">
-                <a:solidFill>
-                  <a:srgbClr val="ffffff"/>
+              <a:rPr lang="es-ES" sz="2850" b="1" strike="noStrike" spc="-1" dirty="0" err="1">
+                <a:solidFill>
+                  <a:srgbClr val="FFFFFF"/>
                 </a:solidFill>
                 <a:latin typeface="Arial"/>
                 <a:ea typeface="MS PGothic"/>
               </a:rPr>
-              <a:t>Tritium Detector</a:t>
-            </a:r>
-            <a:endParaRPr b="0" lang="es-ES" sz="2850" spc="-1" strike="noStrike">
-              <a:latin typeface="Arial"/>
-            </a:endParaRPr>
-          </a:p>
-        </p:txBody>
-      </p:sp>
-      <p:sp>
-        <p:nvSpPr>
-          <p:cNvPr id="56" name="CustomShape 12"/>
+              <a:t>Tritium</a:t>
+            </a:r>
+            <a:r>
+              <a:rPr lang="es-ES" sz="2850" b="1" strike="noStrike" spc="-1" dirty="0">
+                <a:solidFill>
+                  <a:srgbClr val="FFFFFF"/>
+                </a:solidFill>
+                <a:latin typeface="Arial"/>
+                <a:ea typeface="MS PGothic"/>
+              </a:rPr>
+              <a:t> Detector</a:t>
+            </a:r>
+            <a:endParaRPr lang="es-ES" sz="2850" b="0" strike="noStrike" spc="-1" dirty="0">
+              <a:latin typeface="Arial"/>
+            </a:endParaRPr>
+          </a:p>
+        </p:txBody>
+      </p:sp>
+      <p:sp>
+        <p:nvSpPr>
+          <p:cNvPr id="58" name="CustomShape 12"/>
           <p:cNvSpPr/>
           <p:nvPr/>
         </p:nvSpPr>
         <p:spPr>
           <a:xfrm>
             <a:off x="8520120" y="6418080"/>
-            <a:ext cx="5688360" cy="1392480"/>
+            <a:ext cx="5688720" cy="1392840"/>
           </a:xfrm>
           <a:prstGeom prst="rect">
             <a:avLst/>
@@ -2180,13 +3153,20 @@
           </a:ln>
         </p:spPr>
         <p:style>
-          <a:lnRef idx="0"/>
-          <a:fillRef idx="0"/>
-          <a:effectRef idx="0"/>
+          <a:lnRef idx="0">
+            <a:scrgbClr r="0" g="0" b="0"/>
+          </a:lnRef>
+          <a:fillRef idx="0">
+            <a:scrgbClr r="0" g="0" b="0"/>
+          </a:fillRef>
+          <a:effectRef idx="0">
+            <a:scrgbClr r="0" g="0" b="0"/>
+          </a:effectRef>
           <a:fontRef idx="minor"/>
         </p:style>
         <p:txBody>
-          <a:bodyPr lIns="90000" rIns="90000" tIns="45000" bIns="45000"/>
+          <a:bodyPr lIns="90000" tIns="45000" rIns="90000" bIns="45000"/>
+          <a:lstStyle/>
           <a:p>
             <a:pPr algn="ctr">
               <a:lnSpc>
@@ -2194,16 +3174,16 @@
               </a:lnSpc>
             </a:pPr>
             <a:r>
-              <a:rPr b="1" lang="es-ES" sz="2200" spc="-1" strike="noStrike">
-                <a:solidFill>
-                  <a:srgbClr val="ffffff"/>
+              <a:rPr lang="es-ES" sz="2200" b="1" strike="noStrike" spc="-1" dirty="0">
+                <a:solidFill>
+                  <a:srgbClr val="FFFFFF"/>
                 </a:solidFill>
                 <a:latin typeface="Arial"/>
                 <a:ea typeface="MS PGothic"/>
               </a:rPr>
               <a:t>Marcos Martínez Roig</a:t>
             </a:r>
-            <a:endParaRPr b="0" lang="es-ES" sz="2200" spc="-1" strike="noStrike">
+            <a:endParaRPr lang="es-ES" sz="2200" b="0" strike="noStrike" spc="-1" dirty="0">
               <a:latin typeface="Arial"/>
             </a:endParaRPr>
           </a:p>
@@ -2214,16 +3194,26 @@
               </a:lnSpc>
             </a:pPr>
             <a:r>
-              <a:rPr b="0" lang="es-ES" sz="2200" spc="-1" strike="noStrike">
-                <a:solidFill>
-                  <a:srgbClr val="ffffff"/>
+              <a:rPr lang="es-ES" sz="2200" b="0" strike="noStrike" spc="-1" dirty="0">
+                <a:solidFill>
+                  <a:srgbClr val="FFFFFF"/>
                 </a:solidFill>
                 <a:latin typeface="Arial"/>
                 <a:ea typeface="MS PGothic"/>
               </a:rPr>
-              <a:t>Ph D. Dissertation</a:t>
-            </a:r>
-            <a:endParaRPr b="0" lang="es-ES" sz="2200" spc="-1" strike="noStrike">
+              <a:t>PhD </a:t>
+            </a:r>
+            <a:r>
+              <a:rPr lang="es-ES" sz="2200" b="0" strike="noStrike" spc="-1" dirty="0" err="1">
+                <a:solidFill>
+                  <a:srgbClr val="FFFFFF"/>
+                </a:solidFill>
+                <a:latin typeface="Arial"/>
+                <a:ea typeface="MS PGothic"/>
+              </a:rPr>
+              <a:t>Dissertation</a:t>
+            </a:r>
+            <a:endParaRPr lang="es-ES" sz="2200" b="0" strike="noStrike" spc="-1" dirty="0">
               <a:latin typeface="Arial"/>
             </a:endParaRPr>
           </a:p>
@@ -2234,31 +3224,51 @@
               </a:lnSpc>
             </a:pPr>
             <a:r>
-              <a:rPr b="0" lang="es-ES" sz="1800" spc="-1" strike="noStrike">
-                <a:solidFill>
-                  <a:srgbClr val="ffffff"/>
+              <a:rPr lang="es-ES" sz="1800" b="0" strike="noStrike" spc="-1" dirty="0">
+                <a:solidFill>
+                  <a:srgbClr val="FFFFFF"/>
                 </a:solidFill>
                 <a:latin typeface="Arial"/>
                 <a:ea typeface="MS PGothic"/>
               </a:rPr>
-              <a:t>26th July 2022</a:t>
-            </a:r>
-            <a:endParaRPr b="0" lang="es-ES" sz="1800" spc="-1" strike="noStrike">
-              <a:latin typeface="Arial"/>
-            </a:endParaRPr>
-          </a:p>
-        </p:txBody>
-      </p:sp>
-      <p:sp>
-        <p:nvSpPr>
-          <p:cNvPr id="57" name="CustomShape 13"/>
+              <a:t>Valencia, </a:t>
+            </a:r>
+            <a:r>
+              <a:rPr lang="es-ES" sz="1800" b="0" strike="noStrike" spc="-1" dirty="0" err="1">
+                <a:solidFill>
+                  <a:srgbClr val="FFFFFF"/>
+                </a:solidFill>
+                <a:latin typeface="Arial"/>
+                <a:ea typeface="MS PGothic"/>
+              </a:rPr>
+              <a:t>July</a:t>
+            </a:r>
+            <a:r>
+              <a:rPr lang="es-ES" sz="1800" b="0" strike="noStrike" spc="-1" dirty="0">
+                <a:solidFill>
+                  <a:srgbClr val="FFFFFF"/>
+                </a:solidFill>
+                <a:latin typeface="Arial"/>
+                <a:ea typeface="MS PGothic"/>
+              </a:rPr>
+              <a:t> 2022</a:t>
+            </a:r>
+            <a:endParaRPr lang="es-ES" sz="1800" b="0" strike="noStrike" spc="-1" dirty="0">
+              <a:latin typeface="Arial"/>
+            </a:endParaRPr>
+          </a:p>
+        </p:txBody>
+      </p:sp>
+      <p:sp>
+        <p:nvSpPr>
+          <p:cNvPr id="59" name="CustomShape 13"/>
           <p:cNvSpPr/>
           <p:nvPr/>
         </p:nvSpPr>
         <p:spPr>
           <a:xfrm>
-            <a:off x="8414280" y="8578080"/>
-            <a:ext cx="6046560" cy="1392480"/>
+            <a:off x="7981961" y="8522999"/>
+            <a:ext cx="6046920" cy="1392840"/>
           </a:xfrm>
           <a:prstGeom prst="rect">
             <a:avLst/>
@@ -2269,13 +3279,20 @@
           </a:ln>
         </p:spPr>
         <p:style>
-          <a:lnRef idx="0"/>
-          <a:fillRef idx="0"/>
-          <a:effectRef idx="0"/>
+          <a:lnRef idx="0">
+            <a:scrgbClr r="0" g="0" b="0"/>
+          </a:lnRef>
+          <a:fillRef idx="0">
+            <a:scrgbClr r="0" g="0" b="0"/>
+          </a:fillRef>
+          <a:effectRef idx="0">
+            <a:scrgbClr r="0" g="0" b="0"/>
+          </a:effectRef>
           <a:fontRef idx="minor"/>
         </p:style>
         <p:txBody>
-          <a:bodyPr lIns="90000" rIns="90000" tIns="45000" bIns="45000"/>
+          <a:bodyPr lIns="90000" tIns="45000" rIns="90000" bIns="45000"/>
+          <a:lstStyle/>
           <a:p>
             <a:pPr algn="r">
               <a:lnSpc>
@@ -2283,16 +3300,16 @@
               </a:lnSpc>
             </a:pPr>
             <a:r>
-              <a:rPr b="1" lang="es-ES" sz="2000" spc="-1" strike="noStrike">
-                <a:solidFill>
-                  <a:srgbClr val="ffffff"/>
+              <a:rPr lang="es-ES" sz="2000" b="1" strike="noStrike" spc="-1" dirty="0" err="1">
+                <a:solidFill>
+                  <a:srgbClr val="FFFFFF"/>
                 </a:solidFill>
                 <a:latin typeface="Arial"/>
                 <a:ea typeface="MS PGothic"/>
               </a:rPr>
               <a:t>Supervisors</a:t>
             </a:r>
-            <a:endParaRPr b="0" lang="es-ES" sz="2000" spc="-1" strike="noStrike">
+            <a:endParaRPr lang="es-ES" sz="2000" b="0" strike="noStrike" spc="-1" dirty="0">
               <a:latin typeface="Arial"/>
             </a:endParaRPr>
           </a:p>
@@ -2303,16 +3320,16 @@
               </a:lnSpc>
             </a:pPr>
             <a:r>
-              <a:rPr b="0" lang="es-ES" sz="2000" spc="-1" strike="noStrike">
-                <a:solidFill>
-                  <a:srgbClr val="ffffff"/>
+              <a:rPr lang="es-ES" sz="2000" b="0" strike="noStrike" spc="-1" dirty="0">
+                <a:solidFill>
+                  <a:srgbClr val="FFFFFF"/>
                 </a:solidFill>
                 <a:latin typeface="Arial"/>
                 <a:ea typeface="MS PGothic"/>
               </a:rPr>
               <a:t>José Díaz Medina</a:t>
             </a:r>
-            <a:endParaRPr b="0" lang="es-ES" sz="2000" spc="-1" strike="noStrike">
+            <a:endParaRPr lang="es-ES" sz="2000" b="0" strike="noStrike" spc="-1" dirty="0">
               <a:latin typeface="Arial"/>
             </a:endParaRPr>
           </a:p>
@@ -2323,54 +3340,61 @@
               </a:lnSpc>
             </a:pPr>
             <a:r>
-              <a:rPr b="0" lang="es-ES" sz="2000" spc="-1" strike="noStrike">
-                <a:solidFill>
-                  <a:srgbClr val="ffffff"/>
+              <a:rPr lang="es-ES" sz="2000" b="0" strike="noStrike" spc="-1" dirty="0">
+                <a:solidFill>
+                  <a:srgbClr val="FFFFFF"/>
                 </a:solidFill>
                 <a:latin typeface="Arial"/>
                 <a:ea typeface="MS PGothic"/>
               </a:rPr>
-              <a:t>Nadia Yahlali Haddou</a:t>
-            </a:r>
-            <a:endParaRPr b="0" lang="es-ES" sz="2000" spc="-1" strike="noStrike">
-              <a:latin typeface="Arial"/>
-            </a:endParaRPr>
-          </a:p>
-        </p:txBody>
-      </p:sp>
-      <p:pic>
-        <p:nvPicPr>
-          <p:cNvPr id="58" name="Imagen 7" descr=""/>
-          <p:cNvPicPr/>
-          <p:nvPr/>
-        </p:nvPicPr>
-        <p:blipFill>
-          <a:blip r:embed="rId4"/>
-          <a:stretch/>
-        </p:blipFill>
-        <p:spPr>
-          <a:xfrm>
-            <a:off x="864000" y="2916000"/>
-            <a:ext cx="5565600" cy="3041280"/>
-          </a:xfrm>
-          <a:prstGeom prst="rect">
-            <a:avLst/>
-          </a:prstGeom>
-          <a:ln>
-            <a:noFill/>
-          </a:ln>
-        </p:spPr>
-      </p:pic>
-      <p:sp>
-        <p:nvSpPr>
-          <p:cNvPr id="59" name="CustomShape 14"/>
+              <a:t>Nadia </a:t>
+            </a:r>
+            <a:r>
+              <a:rPr lang="es-ES" sz="2000" b="0" strike="noStrike" spc="-1" dirty="0" err="1">
+                <a:solidFill>
+                  <a:srgbClr val="FFFFFF"/>
+                </a:solidFill>
+                <a:latin typeface="Arial"/>
+                <a:ea typeface="MS PGothic"/>
+              </a:rPr>
+              <a:t>Yahlali</a:t>
+            </a:r>
+            <a:r>
+              <a:rPr lang="es-ES" sz="2000" b="0" strike="noStrike" spc="-1" dirty="0">
+                <a:solidFill>
+                  <a:srgbClr val="FFFFFF"/>
+                </a:solidFill>
+                <a:latin typeface="Arial"/>
+                <a:ea typeface="MS PGothic"/>
+              </a:rPr>
+              <a:t> </a:t>
+            </a:r>
+            <a:r>
+              <a:rPr lang="es-ES" sz="2000" b="0" strike="noStrike" spc="-1" dirty="0" err="1">
+                <a:solidFill>
+                  <a:srgbClr val="FFFFFF"/>
+                </a:solidFill>
+                <a:latin typeface="Arial"/>
+                <a:ea typeface="MS PGothic"/>
+              </a:rPr>
+              <a:t>Haddou</a:t>
+            </a:r>
+            <a:endParaRPr lang="es-ES" sz="2000" b="0" strike="noStrike" spc="-1" dirty="0">
+              <a:latin typeface="Arial"/>
+            </a:endParaRPr>
+          </a:p>
+        </p:txBody>
+      </p:sp>
+      <p:sp>
+        <p:nvSpPr>
+          <p:cNvPr id="61" name="CustomShape 14"/>
           <p:cNvSpPr/>
           <p:nvPr/>
         </p:nvSpPr>
         <p:spPr>
           <a:xfrm rot="21597600">
             <a:off x="8323200" y="2851920"/>
-            <a:ext cx="6138720" cy="1392480"/>
+            <a:ext cx="6139080" cy="1392840"/>
           </a:xfrm>
           <a:prstGeom prst="rect">
             <a:avLst/>
@@ -2381,20 +3405,27 @@
           </a:ln>
         </p:spPr>
         <p:style>
-          <a:lnRef idx="0"/>
-          <a:fillRef idx="0"/>
-          <a:effectRef idx="0"/>
+          <a:lnRef idx="0">
+            <a:scrgbClr r="0" g="0" b="0"/>
+          </a:lnRef>
+          <a:fillRef idx="0">
+            <a:scrgbClr r="0" g="0" b="0"/>
+          </a:fillRef>
+          <a:effectRef idx="0">
+            <a:scrgbClr r="0" g="0" b="0"/>
+          </a:effectRef>
           <a:fontRef idx="minor"/>
         </p:style>
         <p:txBody>
-          <a:bodyPr lIns="90000" rIns="90000" tIns="45000" bIns="45000"/>
+          <a:bodyPr lIns="90000" tIns="45000" rIns="90000" bIns="45000"/>
+          <a:lstStyle/>
           <a:p>
             <a:pPr algn="ctr">
               <a:lnSpc>
                 <a:spcPct val="100000"/>
               </a:lnSpc>
             </a:pPr>
-            <a:endParaRPr b="0" lang="es-ES" sz="1800" spc="-1" strike="noStrike">
+            <a:endParaRPr lang="es-ES" sz="1800" b="0" strike="noStrike" spc="-1">
               <a:latin typeface="Arial"/>
             </a:endParaRPr>
           </a:p>
@@ -2404,22 +3435,22 @@
                 <a:spcPct val="100000"/>
               </a:lnSpc>
             </a:pPr>
-            <a:endParaRPr b="0" lang="es-ES" sz="1800" spc="-1" strike="noStrike">
-              <a:latin typeface="Arial"/>
-            </a:endParaRPr>
-          </a:p>
-        </p:txBody>
-      </p:sp>
-      <p:sp>
-        <p:nvSpPr>
-          <p:cNvPr id="60" name="CustomShape 15"/>
+            <a:endParaRPr lang="es-ES" sz="1800" b="0" strike="noStrike" spc="-1">
+              <a:latin typeface="Arial"/>
+            </a:endParaRPr>
+          </a:p>
+        </p:txBody>
+      </p:sp>
+      <p:sp>
+        <p:nvSpPr>
+          <p:cNvPr id="62" name="CustomShape 15"/>
           <p:cNvSpPr/>
           <p:nvPr/>
         </p:nvSpPr>
         <p:spPr>
           <a:xfrm>
             <a:off x="9278280" y="3456360"/>
-            <a:ext cx="5549760" cy="371880"/>
+            <a:ext cx="5550120" cy="372240"/>
           </a:xfrm>
           <a:prstGeom prst="rect">
             <a:avLst/>
@@ -2430,13 +3461,20 @@
           </a:ln>
         </p:spPr>
         <p:style>
-          <a:lnRef idx="0"/>
-          <a:fillRef idx="0"/>
-          <a:effectRef idx="0"/>
+          <a:lnRef idx="0">
+            <a:scrgbClr r="0" g="0" b="0"/>
+          </a:lnRef>
+          <a:fillRef idx="0">
+            <a:scrgbClr r="0" g="0" b="0"/>
+          </a:fillRef>
+          <a:effectRef idx="0">
+            <a:scrgbClr r="0" g="0" b="0"/>
+          </a:effectRef>
           <a:fontRef idx="minor"/>
         </p:style>
         <p:txBody>
-          <a:bodyPr lIns="90000" rIns="90000" tIns="45000" bIns="45000"/>
+          <a:bodyPr lIns="90000" tIns="45000" rIns="90000" bIns="45000"/>
+          <a:lstStyle/>
           <a:p>
             <a:pPr>
               <a:lnSpc>
@@ -2444,16 +3482,16 @@
               </a:lnSpc>
             </a:pPr>
             <a:r>
-              <a:rPr b="0" lang="es-ES" sz="1400" spc="-1" strike="noStrike">
-                <a:solidFill>
-                  <a:srgbClr val="ffffff"/>
+              <a:rPr lang="es-ES" sz="1400" b="0" strike="noStrike" spc="-1">
+                <a:solidFill>
+                  <a:srgbClr val="FFFFFF"/>
                 </a:solidFill>
                 <a:latin typeface="Arial"/>
                 <a:ea typeface="DejaVu Sans"/>
               </a:rPr>
               <a:t>Departament de Física Atòmica, Molecular i Nuclear</a:t>
             </a:r>
-            <a:endParaRPr b="0" lang="es-ES" sz="1400" spc="-1" strike="noStrike">
+            <a:endParaRPr lang="es-ES" sz="1400" b="0" strike="noStrike" spc="-1">
               <a:latin typeface="Arial"/>
             </a:endParaRPr>
           </a:p>
@@ -2461,19 +3499,19 @@
       </p:sp>
       <p:pic>
         <p:nvPicPr>
-          <p:cNvPr id="61" name="Picture 26" descr=""/>
+          <p:cNvPr id="63" name="Picture 26"/>
           <p:cNvPicPr/>
           <p:nvPr/>
         </p:nvPicPr>
         <p:blipFill>
-          <a:blip r:embed="rId5"/>
-          <a:srcRect l="0" t="0" r="0" b="25360"/>
+          <a:blip r:embed="rId6"/>
+          <a:srcRect b="25363"/>
           <a:stretch/>
         </p:blipFill>
         <p:spPr>
           <a:xfrm>
             <a:off x="10754640" y="1688760"/>
-            <a:ext cx="1242000" cy="1245960"/>
+            <a:ext cx="1242360" cy="1246320"/>
           </a:xfrm>
           <a:prstGeom prst="rect">
             <a:avLst/>
@@ -2483,8 +3521,324 @@
           </a:ln>
         </p:spPr>
       </p:pic>
+      <p:sp>
+        <p:nvSpPr>
+          <p:cNvPr id="24" name="CustomShape 12">
+            <a:extLst>
+              <a:ext uri="{FF2B5EF4-FFF2-40B4-BE49-F238E27FC236}">
+                <a16:creationId xmlns:a16="http://schemas.microsoft.com/office/drawing/2014/main" id="{FCCEF9F7-2669-A123-C5CE-67494740D39D}"/>
+              </a:ext>
+            </a:extLst>
+          </p:cNvPr>
+          <p:cNvSpPr/>
+          <p:nvPr/>
+        </p:nvSpPr>
+        <p:spPr>
+          <a:xfrm rot="5400000">
+            <a:off x="5450139" y="7168573"/>
+            <a:ext cx="4174018" cy="528684"/>
+          </a:xfrm>
+          <a:prstGeom prst="rect">
+            <a:avLst/>
+          </a:prstGeom>
+          <a:noFill/>
+          <a:ln>
+            <a:noFill/>
+          </a:ln>
+        </p:spPr>
+        <p:style>
+          <a:lnRef idx="0">
+            <a:scrgbClr r="0" g="0" b="0"/>
+          </a:lnRef>
+          <a:fillRef idx="0">
+            <a:scrgbClr r="0" g="0" b="0"/>
+          </a:fillRef>
+          <a:effectRef idx="0">
+            <a:scrgbClr r="0" g="0" b="0"/>
+          </a:effectRef>
+          <a:fontRef idx="minor"/>
+        </p:style>
+        <p:txBody>
+          <a:bodyPr lIns="90000" tIns="45000" rIns="90000" bIns="45000"/>
+          <a:lstStyle/>
+          <a:p>
+            <a:pPr algn="ctr">
+              <a:lnSpc>
+                <a:spcPct val="100000"/>
+              </a:lnSpc>
+            </a:pPr>
+            <a:r>
+              <a:rPr lang="es-ES" sz="2200" b="1" strike="noStrike" spc="-1" dirty="0">
+                <a:solidFill>
+                  <a:srgbClr val="FFFFFF"/>
+                </a:solidFill>
+                <a:latin typeface="Arial"/>
+                <a:ea typeface="MS PGothic"/>
+              </a:rPr>
+              <a:t>Marcos Martínez Roig</a:t>
+            </a:r>
+            <a:endParaRPr lang="es-ES" sz="2200" b="0" strike="noStrike" spc="-1" dirty="0">
+              <a:latin typeface="Arial"/>
+            </a:endParaRPr>
+          </a:p>
+          <a:p>
+            <a:pPr algn="ctr">
+              <a:lnSpc>
+                <a:spcPct val="100000"/>
+              </a:lnSpc>
+            </a:pPr>
+            <a:endParaRPr lang="es-ES" sz="1800" b="0" strike="noStrike" spc="-1" dirty="0">
+              <a:latin typeface="Arial"/>
+            </a:endParaRPr>
+          </a:p>
+        </p:txBody>
+      </p:sp>
+      <p:sp>
+        <p:nvSpPr>
+          <p:cNvPr id="3" name="TextBox 2">
+            <a:extLst>
+              <a:ext uri="{FF2B5EF4-FFF2-40B4-BE49-F238E27FC236}">
+                <a16:creationId xmlns:a16="http://schemas.microsoft.com/office/drawing/2014/main" id="{6624113F-211C-6C26-E8B7-1FB3325521FF}"/>
+              </a:ext>
+            </a:extLst>
+          </p:cNvPr>
+          <p:cNvSpPr txBox="1"/>
+          <p:nvPr/>
+        </p:nvSpPr>
+        <p:spPr>
+          <a:xfrm>
+            <a:off x="7174248" y="9262666"/>
+            <a:ext cx="700265" cy="369332"/>
+          </a:xfrm>
+          <a:prstGeom prst="rect">
+            <a:avLst/>
+          </a:prstGeom>
+          <a:noFill/>
+        </p:spPr>
+        <p:txBody>
+          <a:bodyPr wrap="square" rtlCol="0">
+            <a:spAutoFit/>
+          </a:bodyPr>
+          <a:lstStyle/>
+          <a:p>
+            <a:r>
+              <a:rPr lang="en-ES" dirty="0">
+                <a:solidFill>
+                  <a:schemeClr val="bg1"/>
+                </a:solidFill>
+              </a:rPr>
+              <a:t>2022</a:t>
+            </a:r>
+          </a:p>
+        </p:txBody>
+      </p:sp>
+      <p:sp>
+        <p:nvSpPr>
+          <p:cNvPr id="27" name="CustomShape 11">
+            <a:extLst>
+              <a:ext uri="{FF2B5EF4-FFF2-40B4-BE49-F238E27FC236}">
+                <a16:creationId xmlns:a16="http://schemas.microsoft.com/office/drawing/2014/main" id="{9C27F66C-DC42-F83D-8BCE-381DB4C3D9A5}"/>
+              </a:ext>
+            </a:extLst>
+          </p:cNvPr>
+          <p:cNvSpPr/>
+          <p:nvPr/>
+        </p:nvSpPr>
+        <p:spPr>
+          <a:xfrm rot="5400000">
+            <a:off x="4987810" y="3090020"/>
+            <a:ext cx="5168520" cy="610519"/>
+          </a:xfrm>
+          <a:prstGeom prst="rect">
+            <a:avLst/>
+          </a:prstGeom>
+          <a:noFill/>
+          <a:ln>
+            <a:noFill/>
+          </a:ln>
+        </p:spPr>
+        <p:style>
+          <a:lnRef idx="0">
+            <a:scrgbClr r="0" g="0" b="0"/>
+          </a:lnRef>
+          <a:fillRef idx="0">
+            <a:scrgbClr r="0" g="0" b="0"/>
+          </a:fillRef>
+          <a:effectRef idx="0">
+            <a:scrgbClr r="0" g="0" b="0"/>
+          </a:effectRef>
+          <a:fontRef idx="minor"/>
+        </p:style>
+        <p:txBody>
+          <a:bodyPr lIns="90000" tIns="45000" rIns="90000" bIns="45000"/>
+          <a:lstStyle/>
+          <a:p>
+            <a:pPr algn="ctr">
+              <a:lnSpc>
+                <a:spcPct val="100000"/>
+              </a:lnSpc>
+            </a:pPr>
+            <a:r>
+              <a:rPr lang="es-ES" sz="1600" b="1" strike="noStrike" spc="-1" dirty="0">
+                <a:solidFill>
+                  <a:srgbClr val="FFFFFF"/>
+                </a:solidFill>
+                <a:latin typeface="Arial"/>
+                <a:ea typeface="MS PGothic"/>
+              </a:rPr>
+              <a:t>TRITIUM: </a:t>
+            </a:r>
+            <a:r>
+              <a:rPr lang="es-ES" sz="1600" b="1" strike="noStrike" spc="-1" dirty="0" err="1">
+                <a:solidFill>
+                  <a:srgbClr val="FFFFFF"/>
+                </a:solidFill>
+                <a:latin typeface="Arial"/>
+                <a:ea typeface="MS PGothic"/>
+              </a:rPr>
+              <a:t>Design</a:t>
+            </a:r>
+            <a:r>
+              <a:rPr lang="es-ES" sz="1600" b="1" strike="noStrike" spc="-1" dirty="0">
+                <a:solidFill>
+                  <a:srgbClr val="FFFFFF"/>
+                </a:solidFill>
+                <a:latin typeface="Arial"/>
+                <a:ea typeface="MS PGothic"/>
+              </a:rPr>
+              <a:t>, </a:t>
+            </a:r>
+            <a:r>
+              <a:rPr lang="es-ES" sz="1600" b="1" strike="noStrike" spc="-1" dirty="0" err="1">
+                <a:solidFill>
+                  <a:srgbClr val="FFFFFF"/>
+                </a:solidFill>
+                <a:latin typeface="Arial"/>
+                <a:ea typeface="MS PGothic"/>
+              </a:rPr>
+              <a:t>Construction</a:t>
+            </a:r>
+            <a:r>
+              <a:rPr lang="es-ES" sz="1600" b="1" strike="noStrike" spc="-1" dirty="0">
+                <a:solidFill>
+                  <a:srgbClr val="FFFFFF"/>
+                </a:solidFill>
+                <a:latin typeface="Arial"/>
+                <a:ea typeface="MS PGothic"/>
+              </a:rPr>
+              <a:t> and </a:t>
+            </a:r>
+            <a:r>
+              <a:rPr lang="es-ES" sz="1600" b="1" strike="noStrike" spc="-1" dirty="0" err="1">
+                <a:solidFill>
+                  <a:srgbClr val="FFFFFF"/>
+                </a:solidFill>
+                <a:latin typeface="Arial"/>
+                <a:ea typeface="MS PGothic"/>
+              </a:rPr>
+              <a:t>Commissioning</a:t>
+            </a:r>
+            <a:r>
+              <a:rPr lang="es-ES" sz="1600" b="1" strike="noStrike" spc="-1" dirty="0">
+                <a:solidFill>
+                  <a:srgbClr val="FFFFFF"/>
+                </a:solidFill>
+                <a:latin typeface="Arial"/>
+                <a:ea typeface="MS PGothic"/>
+              </a:rPr>
+              <a:t> </a:t>
+            </a:r>
+            <a:r>
+              <a:rPr lang="es-ES" sz="1600" b="1" strike="noStrike" spc="-1" dirty="0" err="1">
+                <a:solidFill>
+                  <a:srgbClr val="FFFFFF"/>
+                </a:solidFill>
+                <a:latin typeface="Arial"/>
+                <a:ea typeface="MS PGothic"/>
+              </a:rPr>
+              <a:t>of</a:t>
+            </a:r>
+            <a:r>
+              <a:rPr lang="es-ES" sz="1600" b="1" strike="noStrike" spc="-1" dirty="0">
+                <a:solidFill>
+                  <a:srgbClr val="FFFFFF"/>
+                </a:solidFill>
+                <a:latin typeface="Arial"/>
+                <a:ea typeface="MS PGothic"/>
+              </a:rPr>
+              <a:t> </a:t>
+            </a:r>
+            <a:r>
+              <a:rPr lang="es-ES" sz="1600" b="1" strike="noStrike" spc="-1" dirty="0" err="1">
+                <a:solidFill>
+                  <a:srgbClr val="FFFFFF"/>
+                </a:solidFill>
+                <a:latin typeface="Arial"/>
+                <a:ea typeface="MS PGothic"/>
+              </a:rPr>
+              <a:t>an</a:t>
+            </a:r>
+            <a:r>
+              <a:rPr lang="es-ES" sz="1600" b="1" strike="noStrike" spc="-1" dirty="0">
+                <a:solidFill>
+                  <a:srgbClr val="FFFFFF"/>
+                </a:solidFill>
+                <a:latin typeface="Arial"/>
+                <a:ea typeface="MS PGothic"/>
+              </a:rPr>
+              <a:t> In-</a:t>
+            </a:r>
+            <a:r>
+              <a:rPr lang="es-ES" sz="1600" b="1" strike="noStrike" spc="-1" dirty="0" err="1">
+                <a:solidFill>
+                  <a:srgbClr val="FFFFFF"/>
+                </a:solidFill>
+                <a:latin typeface="Arial"/>
+                <a:ea typeface="MS PGothic"/>
+              </a:rPr>
+              <a:t>Water</a:t>
+            </a:r>
+            <a:r>
+              <a:rPr lang="es-ES" sz="1600" b="1" strike="noStrike" spc="-1" dirty="0">
+                <a:solidFill>
+                  <a:srgbClr val="FFFFFF"/>
+                </a:solidFill>
+                <a:latin typeface="Arial"/>
+                <a:ea typeface="MS PGothic"/>
+              </a:rPr>
+              <a:t> </a:t>
+            </a:r>
+            <a:r>
+              <a:rPr lang="es-ES" sz="1600" b="1" strike="noStrike" spc="-1" dirty="0" err="1">
+                <a:solidFill>
+                  <a:srgbClr val="FFFFFF"/>
+                </a:solidFill>
+                <a:latin typeface="Arial"/>
+                <a:ea typeface="MS PGothic"/>
+              </a:rPr>
+              <a:t>Tritium</a:t>
+            </a:r>
+            <a:r>
+              <a:rPr lang="es-ES" sz="1600" b="1" strike="noStrike" spc="-1" dirty="0">
+                <a:solidFill>
+                  <a:srgbClr val="FFFFFF"/>
+                </a:solidFill>
+                <a:latin typeface="Arial"/>
+                <a:ea typeface="MS PGothic"/>
+              </a:rPr>
+              <a:t> Detector</a:t>
+            </a:r>
+            <a:endParaRPr lang="es-ES" sz="1600" b="0" strike="noStrike" spc="-1" dirty="0">
+              <a:latin typeface="Arial"/>
+            </a:endParaRPr>
+          </a:p>
+        </p:txBody>
+      </p:sp>
     </p:spTree>
   </p:cSld>
+  <p:clrMapOvr>
+    <a:masterClrMapping/>
+  </p:clrMapOvr>
   <p:timing>
     <p:tnLst>
       <p:par>
@@ -2493,14 +3847,14 @@
             <p:seq>
               <p:cTn id="2" dur="indefinite" nodeType="mainSeq"/>
               <p:prevCondLst>
-                <p:cond delay="0" evt="onPrev">
+                <p:cond evt="onPrev" delay="0">
                   <p:tgtEl>
                     <p:sldTgt/>
                   </p:tgtEl>
                 </p:cond>
               </p:prevCondLst>
               <p:nextCondLst>
-                <p:cond delay="0" evt="onNext">
+                <p:cond evt="onNext" delay="0">
                   <p:tgtEl>
                     <p:sldTgt/>
                   </p:tgtEl>
@@ -2526,34 +3880,34 @@
         <a:sysClr val="window" lastClr="FFFFFF"/>
       </a:lt1>
       <a:dk2>
-        <a:srgbClr val="44546a"/>
+        <a:srgbClr val="44546A"/>
       </a:dk2>
       <a:lt2>
-        <a:srgbClr val="e7e6e6"/>
+        <a:srgbClr val="E7E6E6"/>
       </a:lt2>
       <a:accent1>
-        <a:srgbClr val="5b9bd5"/>
+        <a:srgbClr val="5B9BD5"/>
       </a:accent1>
       <a:accent2>
-        <a:srgbClr val="ed7d31"/>
+        <a:srgbClr val="ED7D31"/>
       </a:accent2>
       <a:accent3>
-        <a:srgbClr val="a5a5a5"/>
+        <a:srgbClr val="A5A5A5"/>
       </a:accent3>
       <a:accent4>
-        <a:srgbClr val="ffc000"/>
+        <a:srgbClr val="FFC000"/>
       </a:accent4>
       <a:accent5>
-        <a:srgbClr val="4472c4"/>
+        <a:srgbClr val="4472C4"/>
       </a:accent5>
       <a:accent6>
-        <a:srgbClr val="70ad47"/>
+        <a:srgbClr val="70AD47"/>
       </a:accent6>
       <a:hlink>
-        <a:srgbClr val="0563c1"/>
+        <a:srgbClr val="0563C1"/>
       </a:hlink>
       <a:folHlink>
-        <a:srgbClr val="954f72"/>
+        <a:srgbClr val="954F72"/>
       </a:folHlink>
     </a:clrScheme>
     <a:fontScheme name="Office">
@@ -2735,6 +4089,8 @@
       </a:bgFillStyleLst>
     </a:fmtScheme>
   </a:themeElements>
+  <a:objectDefaults/>
+  <a:extraClrSchemeLst/>
 </a:theme>
 </file>
 
@@ -2749,34 +4105,34 @@
         <a:sysClr val="window" lastClr="FFFFFF"/>
       </a:lt1>
       <a:dk2>
-        <a:srgbClr val="44546a"/>
+        <a:srgbClr val="44546A"/>
       </a:dk2>
       <a:lt2>
-        <a:srgbClr val="e7e6e6"/>
+        <a:srgbClr val="E7E6E6"/>
       </a:lt2>
       <a:accent1>
-        <a:srgbClr val="5b9bd5"/>
+        <a:srgbClr val="5B9BD5"/>
       </a:accent1>
       <a:accent2>
-        <a:srgbClr val="ed7d31"/>
+        <a:srgbClr val="ED7D31"/>
       </a:accent2>
       <a:accent3>
-        <a:srgbClr val="a5a5a5"/>
+        <a:srgbClr val="A5A5A5"/>
       </a:accent3>
       <a:accent4>
-        <a:srgbClr val="ffc000"/>
+        <a:srgbClr val="FFC000"/>
       </a:accent4>
       <a:accent5>
-        <a:srgbClr val="4472c4"/>
+        <a:srgbClr val="4472C4"/>
       </a:accent5>
       <a:accent6>
-        <a:srgbClr val="70ad47"/>
+        <a:srgbClr val="70AD47"/>
       </a:accent6>
       <a:hlink>
-        <a:srgbClr val="0563c1"/>
+        <a:srgbClr val="0563C1"/>
       </a:hlink>
       <a:folHlink>
-        <a:srgbClr val="954f72"/>
+        <a:srgbClr val="954F72"/>
       </a:folHlink>
     </a:clrScheme>
     <a:fontScheme name="Office">
@@ -2958,5 +4314,7 @@
       </a:bgFillStyleLst>
     </a:fmtScheme>
   </a:themeElements>
+  <a:objectDefaults/>
+  <a:extraClrSchemeLst/>
 </a:theme>
 </file>